--- a/teaching/expdes/lec4.pptx
+++ b/teaching/expdes/lec4.pptx
@@ -235,7 +235,7 @@
           <a:p>
             <a:fld id="{53E2479D-E2A6-6F47-86D9-53E4CB6E8DB6}" type="datetimeFigureOut">
               <a:rPr lang="en-US" smtClean="0"/>
-              <a:t>2/4/19</a:t>
+              <a:t>2/4/20</a:t>
             </a:fld>
             <a:endParaRPr lang="en-US"/>
           </a:p>
@@ -299,38 +299,37 @@
           <a:p>
             <a:pPr lvl="0"/>
             <a:r>
-              <a:rPr lang="en-US" smtClean="0"/>
+              <a:rPr lang="en-US"/>
               <a:t>Click to edit Master text styles</a:t>
             </a:r>
           </a:p>
           <a:p>
             <a:pPr lvl="1"/>
             <a:r>
-              <a:rPr lang="en-US" smtClean="0"/>
+              <a:rPr lang="en-US"/>
               <a:t>Second level</a:t>
             </a:r>
           </a:p>
           <a:p>
             <a:pPr lvl="2"/>
             <a:r>
-              <a:rPr lang="en-US" smtClean="0"/>
+              <a:rPr lang="en-US"/>
               <a:t>Third level</a:t>
             </a:r>
           </a:p>
           <a:p>
             <a:pPr lvl="3"/>
             <a:r>
-              <a:rPr lang="en-US" smtClean="0"/>
+              <a:rPr lang="en-US"/>
               <a:t>Fourth level</a:t>
             </a:r>
           </a:p>
           <a:p>
             <a:pPr lvl="4"/>
             <a:r>
-              <a:rPr lang="en-US" smtClean="0"/>
+              <a:rPr lang="en-US"/>
               <a:t>Fifth level</a:t>
             </a:r>
-            <a:endParaRPr lang="en-US"/>
           </a:p>
         </p:txBody>
       </p:sp>
@@ -629,10 +628,9 @@
           </a:lstStyle>
           <a:p>
             <a:r>
-              <a:rPr lang="en-US" smtClean="0"/>
+              <a:rPr lang="en-US"/>
               <a:t>Click to edit Master title style</a:t>
             </a:r>
-            <a:endParaRPr lang="en-US"/>
           </a:p>
         </p:txBody>
       </p:sp>
@@ -694,10 +692,9 @@
           </a:lstStyle>
           <a:p>
             <a:r>
-              <a:rPr lang="en-US" smtClean="0"/>
+              <a:rPr lang="en-US"/>
               <a:t>Click to edit Master subtitle style</a:t>
             </a:r>
-            <a:endParaRPr lang="en-US"/>
           </a:p>
         </p:txBody>
       </p:sp>
@@ -718,7 +715,7 @@
           <a:p>
             <a:fld id="{2B908699-CE29-634D-83B5-1061B2BD35A6}" type="datetimeFigureOut">
               <a:rPr lang="en-US" smtClean="0"/>
-              <a:t>2/4/19</a:t>
+              <a:t>2/4/20</a:t>
             </a:fld>
             <a:endParaRPr lang="en-US"/>
           </a:p>
@@ -812,10 +809,9 @@
           <a:lstStyle/>
           <a:p>
             <a:r>
-              <a:rPr lang="en-US" smtClean="0"/>
+              <a:rPr lang="en-US"/>
               <a:t>Click to edit Master title style</a:t>
             </a:r>
-            <a:endParaRPr lang="en-US"/>
           </a:p>
         </p:txBody>
       </p:sp>
@@ -836,38 +832,37 @@
           <a:p>
             <a:pPr lvl="0"/>
             <a:r>
-              <a:rPr lang="en-US" smtClean="0"/>
+              <a:rPr lang="en-US"/>
               <a:t>Click to edit Master text styles</a:t>
             </a:r>
           </a:p>
           <a:p>
             <a:pPr lvl="1"/>
             <a:r>
-              <a:rPr lang="en-US" smtClean="0"/>
+              <a:rPr lang="en-US"/>
               <a:t>Second level</a:t>
             </a:r>
           </a:p>
           <a:p>
             <a:pPr lvl="2"/>
             <a:r>
-              <a:rPr lang="en-US" smtClean="0"/>
+              <a:rPr lang="en-US"/>
               <a:t>Third level</a:t>
             </a:r>
           </a:p>
           <a:p>
             <a:pPr lvl="3"/>
             <a:r>
-              <a:rPr lang="en-US" smtClean="0"/>
+              <a:rPr lang="en-US"/>
               <a:t>Fourth level</a:t>
             </a:r>
           </a:p>
           <a:p>
             <a:pPr lvl="4"/>
             <a:r>
-              <a:rPr lang="en-US" smtClean="0"/>
+              <a:rPr lang="en-US"/>
               <a:t>Fifth level</a:t>
             </a:r>
-            <a:endParaRPr lang="en-US"/>
           </a:p>
         </p:txBody>
       </p:sp>
@@ -888,7 +883,7 @@
           <a:p>
             <a:fld id="{2B908699-CE29-634D-83B5-1061B2BD35A6}" type="datetimeFigureOut">
               <a:rPr lang="en-US" smtClean="0"/>
-              <a:t>2/4/19</a:t>
+              <a:t>2/4/20</a:t>
             </a:fld>
             <a:endParaRPr lang="en-US"/>
           </a:p>
@@ -987,10 +982,9 @@
           <a:lstStyle/>
           <a:p>
             <a:r>
-              <a:rPr lang="en-US" smtClean="0"/>
+              <a:rPr lang="en-US"/>
               <a:t>Click to edit Master title style</a:t>
             </a:r>
-            <a:endParaRPr lang="en-US"/>
           </a:p>
         </p:txBody>
       </p:sp>
@@ -1016,38 +1010,37 @@
           <a:p>
             <a:pPr lvl="0"/>
             <a:r>
-              <a:rPr lang="en-US" smtClean="0"/>
+              <a:rPr lang="en-US"/>
               <a:t>Click to edit Master text styles</a:t>
             </a:r>
           </a:p>
           <a:p>
             <a:pPr lvl="1"/>
             <a:r>
-              <a:rPr lang="en-US" smtClean="0"/>
+              <a:rPr lang="en-US"/>
               <a:t>Second level</a:t>
             </a:r>
           </a:p>
           <a:p>
             <a:pPr lvl="2"/>
             <a:r>
-              <a:rPr lang="en-US" smtClean="0"/>
+              <a:rPr lang="en-US"/>
               <a:t>Third level</a:t>
             </a:r>
           </a:p>
           <a:p>
             <a:pPr lvl="3"/>
             <a:r>
-              <a:rPr lang="en-US" smtClean="0"/>
+              <a:rPr lang="en-US"/>
               <a:t>Fourth level</a:t>
             </a:r>
           </a:p>
           <a:p>
             <a:pPr lvl="4"/>
             <a:r>
-              <a:rPr lang="en-US" smtClean="0"/>
+              <a:rPr lang="en-US"/>
               <a:t>Fifth level</a:t>
             </a:r>
-            <a:endParaRPr lang="en-US"/>
           </a:p>
         </p:txBody>
       </p:sp>
@@ -1068,7 +1061,7 @@
           <a:p>
             <a:fld id="{2B908699-CE29-634D-83B5-1061B2BD35A6}" type="datetimeFigureOut">
               <a:rPr lang="en-US" smtClean="0"/>
-              <a:t>2/4/19</a:t>
+              <a:t>2/4/20</a:t>
             </a:fld>
             <a:endParaRPr lang="en-US"/>
           </a:p>
@@ -1126,13 +1119,6 @@
   <p:clrMapOvr>
     <a:masterClrMapping/>
   </p:clrMapOvr>
-  <p:timing>
-    <p:tnLst>
-      <p:par>
-        <p:cTn id="1" dur="indefinite" restart="never" nodeType="tmRoot"/>
-      </p:par>
-    </p:tnLst>
-  </p:timing>
 </p:sldLayout>
 </file>
 
@@ -1169,10 +1155,9 @@
           <a:lstStyle/>
           <a:p>
             <a:r>
-              <a:rPr lang="en-US" smtClean="0"/>
+              <a:rPr lang="en-US"/>
               <a:t>Click to edit Master title style</a:t>
             </a:r>
-            <a:endParaRPr lang="en-US"/>
           </a:p>
         </p:txBody>
       </p:sp>
@@ -1193,38 +1178,37 @@
           <a:p>
             <a:pPr lvl="0"/>
             <a:r>
-              <a:rPr lang="en-US" smtClean="0"/>
+              <a:rPr lang="en-US"/>
               <a:t>Click to edit Master text styles</a:t>
             </a:r>
           </a:p>
           <a:p>
             <a:pPr lvl="1"/>
             <a:r>
-              <a:rPr lang="en-US" smtClean="0"/>
+              <a:rPr lang="en-US"/>
               <a:t>Second level</a:t>
             </a:r>
           </a:p>
           <a:p>
             <a:pPr lvl="2"/>
             <a:r>
-              <a:rPr lang="en-US" smtClean="0"/>
+              <a:rPr lang="en-US"/>
               <a:t>Third level</a:t>
             </a:r>
           </a:p>
           <a:p>
             <a:pPr lvl="3"/>
             <a:r>
-              <a:rPr lang="en-US" smtClean="0"/>
+              <a:rPr lang="en-US"/>
               <a:t>Fourth level</a:t>
             </a:r>
           </a:p>
           <a:p>
             <a:pPr lvl="4"/>
             <a:r>
-              <a:rPr lang="en-US" smtClean="0"/>
+              <a:rPr lang="en-US"/>
               <a:t>Fifth level</a:t>
             </a:r>
-            <a:endParaRPr lang="en-US"/>
           </a:p>
         </p:txBody>
       </p:sp>
@@ -1245,7 +1229,7 @@
           <a:p>
             <a:fld id="{2B908699-CE29-634D-83B5-1061B2BD35A6}" type="datetimeFigureOut">
               <a:rPr lang="en-US" smtClean="0"/>
-              <a:t>2/4/19</a:t>
+              <a:t>2/4/20</a:t>
             </a:fld>
             <a:endParaRPr lang="en-US"/>
           </a:p>
@@ -1348,10 +1332,9 @@
           </a:lstStyle>
           <a:p>
             <a:r>
-              <a:rPr lang="en-US" smtClean="0"/>
+              <a:rPr lang="en-US"/>
               <a:t>Click to edit Master title style</a:t>
             </a:r>
-            <a:endParaRPr lang="en-US"/>
           </a:p>
         </p:txBody>
       </p:sp>
@@ -1468,7 +1451,7 @@
           <a:p>
             <a:pPr lvl="0"/>
             <a:r>
-              <a:rPr lang="en-US" smtClean="0"/>
+              <a:rPr lang="en-US"/>
               <a:t>Click to edit Master text styles</a:t>
             </a:r>
           </a:p>
@@ -1491,7 +1474,7 @@
           <a:p>
             <a:fld id="{2B908699-CE29-634D-83B5-1061B2BD35A6}" type="datetimeFigureOut">
               <a:rPr lang="en-US" smtClean="0"/>
-              <a:t>2/4/19</a:t>
+              <a:t>2/4/20</a:t>
             </a:fld>
             <a:endParaRPr lang="en-US"/>
           </a:p>
@@ -1585,10 +1568,9 @@
           <a:lstStyle/>
           <a:p>
             <a:r>
-              <a:rPr lang="en-US" smtClean="0"/>
+              <a:rPr lang="en-US"/>
               <a:t>Click to edit Master title style</a:t>
             </a:r>
-            <a:endParaRPr lang="en-US"/>
           </a:p>
         </p:txBody>
       </p:sp>
@@ -1614,38 +1596,37 @@
           <a:p>
             <a:pPr lvl="0"/>
             <a:r>
-              <a:rPr lang="en-US" smtClean="0"/>
+              <a:rPr lang="en-US"/>
               <a:t>Click to edit Master text styles</a:t>
             </a:r>
           </a:p>
           <a:p>
             <a:pPr lvl="1"/>
             <a:r>
-              <a:rPr lang="en-US" smtClean="0"/>
+              <a:rPr lang="en-US"/>
               <a:t>Second level</a:t>
             </a:r>
           </a:p>
           <a:p>
             <a:pPr lvl="2"/>
             <a:r>
-              <a:rPr lang="en-US" smtClean="0"/>
+              <a:rPr lang="en-US"/>
               <a:t>Third level</a:t>
             </a:r>
           </a:p>
           <a:p>
             <a:pPr lvl="3"/>
             <a:r>
-              <a:rPr lang="en-US" smtClean="0"/>
+              <a:rPr lang="en-US"/>
               <a:t>Fourth level</a:t>
             </a:r>
           </a:p>
           <a:p>
             <a:pPr lvl="4"/>
             <a:r>
-              <a:rPr lang="en-US" smtClean="0"/>
+              <a:rPr lang="en-US"/>
               <a:t>Fifth level</a:t>
             </a:r>
-            <a:endParaRPr lang="en-US"/>
           </a:p>
         </p:txBody>
       </p:sp>
@@ -1671,38 +1652,37 @@
           <a:p>
             <a:pPr lvl="0"/>
             <a:r>
-              <a:rPr lang="en-US" smtClean="0"/>
+              <a:rPr lang="en-US"/>
               <a:t>Click to edit Master text styles</a:t>
             </a:r>
           </a:p>
           <a:p>
             <a:pPr lvl="1"/>
             <a:r>
-              <a:rPr lang="en-US" smtClean="0"/>
+              <a:rPr lang="en-US"/>
               <a:t>Second level</a:t>
             </a:r>
           </a:p>
           <a:p>
             <a:pPr lvl="2"/>
             <a:r>
-              <a:rPr lang="en-US" smtClean="0"/>
+              <a:rPr lang="en-US"/>
               <a:t>Third level</a:t>
             </a:r>
           </a:p>
           <a:p>
             <a:pPr lvl="3"/>
             <a:r>
-              <a:rPr lang="en-US" smtClean="0"/>
+              <a:rPr lang="en-US"/>
               <a:t>Fourth level</a:t>
             </a:r>
           </a:p>
           <a:p>
             <a:pPr lvl="4"/>
             <a:r>
-              <a:rPr lang="en-US" smtClean="0"/>
+              <a:rPr lang="en-US"/>
               <a:t>Fifth level</a:t>
             </a:r>
-            <a:endParaRPr lang="en-US"/>
           </a:p>
         </p:txBody>
       </p:sp>
@@ -1723,7 +1703,7 @@
           <a:p>
             <a:fld id="{2B908699-CE29-634D-83B5-1061B2BD35A6}" type="datetimeFigureOut">
               <a:rPr lang="en-US" smtClean="0"/>
-              <a:t>2/4/19</a:t>
+              <a:t>2/4/20</a:t>
             </a:fld>
             <a:endParaRPr lang="en-US"/>
           </a:p>
@@ -1822,10 +1802,9 @@
           <a:lstStyle/>
           <a:p>
             <a:r>
-              <a:rPr lang="en-US" smtClean="0"/>
+              <a:rPr lang="en-US"/>
               <a:t>Click to edit Master title style</a:t>
             </a:r>
-            <a:endParaRPr lang="en-US"/>
           </a:p>
         </p:txBody>
       </p:sp>
@@ -1888,7 +1867,7 @@
           <a:p>
             <a:pPr lvl="0"/>
             <a:r>
-              <a:rPr lang="en-US" smtClean="0"/>
+              <a:rPr lang="en-US"/>
               <a:t>Click to edit Master text styles</a:t>
             </a:r>
           </a:p>
@@ -1916,38 +1895,37 @@
           <a:p>
             <a:pPr lvl="0"/>
             <a:r>
-              <a:rPr lang="en-US" smtClean="0"/>
+              <a:rPr lang="en-US"/>
               <a:t>Click to edit Master text styles</a:t>
             </a:r>
           </a:p>
           <a:p>
             <a:pPr lvl="1"/>
             <a:r>
-              <a:rPr lang="en-US" smtClean="0"/>
+              <a:rPr lang="en-US"/>
               <a:t>Second level</a:t>
             </a:r>
           </a:p>
           <a:p>
             <a:pPr lvl="2"/>
             <a:r>
-              <a:rPr lang="en-US" smtClean="0"/>
+              <a:rPr lang="en-US"/>
               <a:t>Third level</a:t>
             </a:r>
           </a:p>
           <a:p>
             <a:pPr lvl="3"/>
             <a:r>
-              <a:rPr lang="en-US" smtClean="0"/>
+              <a:rPr lang="en-US"/>
               <a:t>Fourth level</a:t>
             </a:r>
           </a:p>
           <a:p>
             <a:pPr lvl="4"/>
             <a:r>
-              <a:rPr lang="en-US" smtClean="0"/>
+              <a:rPr lang="en-US"/>
               <a:t>Fifth level</a:t>
             </a:r>
-            <a:endParaRPr lang="en-US"/>
           </a:p>
         </p:txBody>
       </p:sp>
@@ -2010,7 +1988,7 @@
           <a:p>
             <a:pPr lvl="0"/>
             <a:r>
-              <a:rPr lang="en-US" smtClean="0"/>
+              <a:rPr lang="en-US"/>
               <a:t>Click to edit Master text styles</a:t>
             </a:r>
           </a:p>
@@ -2038,38 +2016,37 @@
           <a:p>
             <a:pPr lvl="0"/>
             <a:r>
-              <a:rPr lang="en-US" smtClean="0"/>
+              <a:rPr lang="en-US"/>
               <a:t>Click to edit Master text styles</a:t>
             </a:r>
           </a:p>
           <a:p>
             <a:pPr lvl="1"/>
             <a:r>
-              <a:rPr lang="en-US" smtClean="0"/>
+              <a:rPr lang="en-US"/>
               <a:t>Second level</a:t>
             </a:r>
           </a:p>
           <a:p>
             <a:pPr lvl="2"/>
             <a:r>
-              <a:rPr lang="en-US" smtClean="0"/>
+              <a:rPr lang="en-US"/>
               <a:t>Third level</a:t>
             </a:r>
           </a:p>
           <a:p>
             <a:pPr lvl="3"/>
             <a:r>
-              <a:rPr lang="en-US" smtClean="0"/>
+              <a:rPr lang="en-US"/>
               <a:t>Fourth level</a:t>
             </a:r>
           </a:p>
           <a:p>
             <a:pPr lvl="4"/>
             <a:r>
-              <a:rPr lang="en-US" smtClean="0"/>
+              <a:rPr lang="en-US"/>
               <a:t>Fifth level</a:t>
             </a:r>
-            <a:endParaRPr lang="en-US"/>
           </a:p>
         </p:txBody>
       </p:sp>
@@ -2090,7 +2067,7 @@
           <a:p>
             <a:fld id="{2B908699-CE29-634D-83B5-1061B2BD35A6}" type="datetimeFigureOut">
               <a:rPr lang="en-US" smtClean="0"/>
-              <a:t>2/4/19</a:t>
+              <a:t>2/4/20</a:t>
             </a:fld>
             <a:endParaRPr lang="en-US"/>
           </a:p>
@@ -2184,10 +2161,9 @@
           <a:lstStyle/>
           <a:p>
             <a:r>
-              <a:rPr lang="en-US" smtClean="0"/>
+              <a:rPr lang="en-US"/>
               <a:t>Click to edit Master title style</a:t>
             </a:r>
-            <a:endParaRPr lang="en-US"/>
           </a:p>
         </p:txBody>
       </p:sp>
@@ -2208,7 +2184,7 @@
           <a:p>
             <a:fld id="{2B908699-CE29-634D-83B5-1061B2BD35A6}" type="datetimeFigureOut">
               <a:rPr lang="en-US" smtClean="0"/>
-              <a:t>2/4/19</a:t>
+              <a:t>2/4/20</a:t>
             </a:fld>
             <a:endParaRPr lang="en-US"/>
           </a:p>
@@ -2303,7 +2279,7 @@
           <a:p>
             <a:fld id="{2B908699-CE29-634D-83B5-1061B2BD35A6}" type="datetimeFigureOut">
               <a:rPr lang="en-US" smtClean="0"/>
-              <a:t>2/4/19</a:t>
+              <a:t>2/4/20</a:t>
             </a:fld>
             <a:endParaRPr lang="en-US"/>
           </a:p>
@@ -2406,10 +2382,9 @@
           </a:lstStyle>
           <a:p>
             <a:r>
-              <a:rPr lang="en-US" smtClean="0"/>
+              <a:rPr lang="en-US"/>
               <a:t>Click to edit Master title style</a:t>
             </a:r>
-            <a:endParaRPr lang="en-US"/>
           </a:p>
         </p:txBody>
       </p:sp>
@@ -2463,38 +2438,37 @@
           <a:p>
             <a:pPr lvl="0"/>
             <a:r>
-              <a:rPr lang="en-US" smtClean="0"/>
+              <a:rPr lang="en-US"/>
               <a:t>Click to edit Master text styles</a:t>
             </a:r>
           </a:p>
           <a:p>
             <a:pPr lvl="1"/>
             <a:r>
-              <a:rPr lang="en-US" smtClean="0"/>
+              <a:rPr lang="en-US"/>
               <a:t>Second level</a:t>
             </a:r>
           </a:p>
           <a:p>
             <a:pPr lvl="2"/>
             <a:r>
-              <a:rPr lang="en-US" smtClean="0"/>
+              <a:rPr lang="en-US"/>
               <a:t>Third level</a:t>
             </a:r>
           </a:p>
           <a:p>
             <a:pPr lvl="3"/>
             <a:r>
-              <a:rPr lang="en-US" smtClean="0"/>
+              <a:rPr lang="en-US"/>
               <a:t>Fourth level</a:t>
             </a:r>
           </a:p>
           <a:p>
             <a:pPr lvl="4"/>
             <a:r>
-              <a:rPr lang="en-US" smtClean="0"/>
+              <a:rPr lang="en-US"/>
               <a:t>Fifth level</a:t>
             </a:r>
-            <a:endParaRPr lang="en-US"/>
           </a:p>
         </p:txBody>
       </p:sp>
@@ -2557,7 +2531,7 @@
           <a:p>
             <a:pPr lvl="0"/>
             <a:r>
-              <a:rPr lang="en-US" smtClean="0"/>
+              <a:rPr lang="en-US"/>
               <a:t>Click to edit Master text styles</a:t>
             </a:r>
           </a:p>
@@ -2580,7 +2554,7 @@
           <a:p>
             <a:fld id="{2B908699-CE29-634D-83B5-1061B2BD35A6}" type="datetimeFigureOut">
               <a:rPr lang="en-US" smtClean="0"/>
-              <a:t>2/4/19</a:t>
+              <a:t>2/4/20</a:t>
             </a:fld>
             <a:endParaRPr lang="en-US"/>
           </a:p>
@@ -2683,10 +2657,9 @@
           </a:lstStyle>
           <a:p>
             <a:r>
-              <a:rPr lang="en-US" smtClean="0"/>
+              <a:rPr lang="en-US"/>
               <a:t>Click to edit Master title style</a:t>
             </a:r>
-            <a:endParaRPr lang="en-US"/>
           </a:p>
         </p:txBody>
       </p:sp>
@@ -2810,7 +2783,7 @@
           <a:p>
             <a:pPr lvl="0"/>
             <a:r>
-              <a:rPr lang="en-US" smtClean="0"/>
+              <a:rPr lang="en-US"/>
               <a:t>Click to edit Master text styles</a:t>
             </a:r>
           </a:p>
@@ -2833,7 +2806,7 @@
           <a:p>
             <a:fld id="{2B908699-CE29-634D-83B5-1061B2BD35A6}" type="datetimeFigureOut">
               <a:rPr lang="en-US" smtClean="0"/>
-              <a:t>2/4/19</a:t>
+              <a:t>2/4/20</a:t>
             </a:fld>
             <a:endParaRPr lang="en-US"/>
           </a:p>
@@ -2942,10 +2915,9 @@
           <a:lstStyle/>
           <a:p>
             <a:r>
-              <a:rPr lang="en-US" smtClean="0"/>
+              <a:rPr lang="en-US"/>
               <a:t>Click to edit Master title style</a:t>
             </a:r>
-            <a:endParaRPr lang="en-US"/>
           </a:p>
         </p:txBody>
       </p:sp>
@@ -2976,38 +2948,37 @@
           <a:p>
             <a:pPr lvl="0"/>
             <a:r>
-              <a:rPr lang="en-US" smtClean="0"/>
+              <a:rPr lang="en-US"/>
               <a:t>Click to edit Master text styles</a:t>
             </a:r>
           </a:p>
           <a:p>
             <a:pPr lvl="1"/>
             <a:r>
-              <a:rPr lang="en-US" smtClean="0"/>
+              <a:rPr lang="en-US"/>
               <a:t>Second level</a:t>
             </a:r>
           </a:p>
           <a:p>
             <a:pPr lvl="2"/>
             <a:r>
-              <a:rPr lang="en-US" smtClean="0"/>
+              <a:rPr lang="en-US"/>
               <a:t>Third level</a:t>
             </a:r>
           </a:p>
           <a:p>
             <a:pPr lvl="3"/>
             <a:r>
-              <a:rPr lang="en-US" smtClean="0"/>
+              <a:rPr lang="en-US"/>
               <a:t>Fourth level</a:t>
             </a:r>
           </a:p>
           <a:p>
             <a:pPr lvl="4"/>
             <a:r>
-              <a:rPr lang="en-US" smtClean="0"/>
+              <a:rPr lang="en-US"/>
               <a:t>Fifth level</a:t>
             </a:r>
-            <a:endParaRPr lang="en-US"/>
           </a:p>
         </p:txBody>
       </p:sp>
@@ -3046,7 +3017,7 @@
           <a:p>
             <a:fld id="{2B908699-CE29-634D-83B5-1061B2BD35A6}" type="datetimeFigureOut">
               <a:rPr lang="en-US" smtClean="0"/>
-              <a:t>2/4/19</a:t>
+              <a:t>2/4/20</a:t>
             </a:fld>
             <a:endParaRPr lang="en-US"/>
           </a:p>
@@ -3485,55 +3456,72 @@
           <a:p>
             <a:pPr algn="l"/>
             <a:r>
-              <a:rPr lang="en-US" dirty="0" smtClean="0"/>
+              <a:rPr lang="en-US" dirty="0"/>
               <a:t>Hypothesis Testing</a:t>
             </a:r>
             <a:br>
-              <a:rPr lang="en-US" dirty="0" smtClean="0"/>
+              <a:rPr lang="en-US" dirty="0"/>
             </a:br>
             <a:r>
-              <a:rPr lang="en-US" sz="4000" dirty="0" smtClean="0"/>
+              <a:rPr lang="en-US" sz="4000" dirty="0"/>
               <a:t>Biology 683</a:t>
-            </a:r>
-            <a:br>
-              <a:rPr lang="en-US" sz="4000" dirty="0" smtClean="0"/>
-            </a:br>
-            <a:r>
-              <a:rPr lang="en-US" sz="4000" dirty="0" smtClean="0"/>
-              <a:t/>
-            </a:r>
-            <a:br>
-              <a:rPr lang="en-US" sz="4000" dirty="0" smtClean="0"/>
-            </a:br>
-            <a:r>
-              <a:rPr lang="en-US" sz="4000" dirty="0" smtClean="0"/>
-              <a:t>Lecture 4</a:t>
-            </a:r>
-            <a:br>
-              <a:rPr lang="en-US" sz="4000" dirty="0" smtClean="0"/>
-            </a:br>
-            <a:r>
-              <a:rPr lang="en-US" sz="4000" dirty="0" smtClean="0"/>
-              <a:t/>
-            </a:r>
-            <a:br>
-              <a:rPr lang="en-US" sz="4000" dirty="0" smtClean="0"/>
-            </a:br>
-            <a:r>
-              <a:rPr lang="en-US" sz="4000" dirty="0"/>
-              <a:t/>
             </a:r>
             <a:br>
               <a:rPr lang="en-US" sz="4000" dirty="0"/>
             </a:br>
-            <a:r>
-              <a:rPr lang="en-US" sz="2800" dirty="0" smtClean="0"/>
+            <a:br>
+              <a:rPr lang="en-US" sz="4000" dirty="0"/>
+            </a:br>
+            <a:r>
+              <a:rPr lang="en-US" sz="4000" dirty="0"/>
+              <a:t>Lecture 4</a:t>
+            </a:r>
+            <a:br>
+              <a:rPr lang="en-US" sz="4000" dirty="0"/>
+            </a:br>
+            <a:br>
+              <a:rPr lang="en-US" sz="4000" dirty="0"/>
+            </a:br>
+            <a:br>
+              <a:rPr lang="en-US" sz="4000" dirty="0"/>
+            </a:br>
+            <a:r>
+              <a:rPr lang="en-US" sz="2800" dirty="0"/>
               <a:t>Heath Blackmon</a:t>
             </a:r>
-            <a:endParaRPr lang="en-US" sz="2800" dirty="0"/>
           </a:p>
         </p:txBody>
       </p:sp>
+      <p:pic>
+        <p:nvPicPr>
+          <p:cNvPr id="3" name="Picture 2">
+            <a:extLst>
+              <a:ext uri="{FF2B5EF4-FFF2-40B4-BE49-F238E27FC236}">
+                <a16:creationId xmlns:a16="http://schemas.microsoft.com/office/drawing/2014/main" id="{E120C28B-B540-AF42-9938-173DEDB6B9CA}"/>
+              </a:ext>
+            </a:extLst>
+          </p:cNvPr>
+          <p:cNvPicPr>
+            <a:picLocks noChangeAspect="1"/>
+          </p:cNvPicPr>
+          <p:nvPr/>
+        </p:nvPicPr>
+        <p:blipFill>
+          <a:blip r:embed="rId2"/>
+          <a:stretch>
+            <a:fillRect/>
+          </a:stretch>
+        </p:blipFill>
+        <p:spPr>
+          <a:xfrm>
+            <a:off x="7811146" y="355815"/>
+            <a:ext cx="3897070" cy="5896436"/>
+          </a:xfrm>
+          <a:prstGeom prst="rect">
+            <a:avLst/>
+          </a:prstGeom>
+        </p:spPr>
+      </p:pic>
     </p:spTree>
     <p:extLst>
       <p:ext uri="{BB962C8B-B14F-4D97-AF65-F5344CB8AC3E}">
@@ -3544,13 +3532,6 @@
   <p:clrMapOvr>
     <a:masterClrMapping/>
   </p:clrMapOvr>
-  <p:timing>
-    <p:tnLst>
-      <p:par>
-        <p:cTn id="1" dur="indefinite" restart="never" nodeType="tmRoot"/>
-      </p:par>
-    </p:tnLst>
-  </p:timing>
 </p:sld>
 </file>
 
@@ -3648,12 +3629,8 @@
           <a:lstStyle/>
           <a:p>
             <a:r>
-              <a:rPr lang="en-US" sz="3200" dirty="0" smtClean="0"/>
-              <a:t>Occurs </a:t>
-            </a:r>
-            <a:r>
               <a:rPr lang="en-US" sz="3200" dirty="0"/>
-              <a:t>when measured subjects are not independent draws from the population </a:t>
+              <a:t>Occurs when measured subjects are not independent draws from the population </a:t>
             </a:r>
           </a:p>
           <a:p>
@@ -3665,18 +3642,9 @@
               <a:buAutoNum type="arabicPeriod"/>
             </a:pPr>
             <a:r>
-              <a:rPr lang="en-US" sz="2400" dirty="0" smtClean="0"/>
-              <a:t>10 </a:t>
-            </a:r>
-            <a:r>
               <a:rPr lang="en-US" sz="2400" dirty="0"/>
-              <a:t>rats are studied and tested on three consecutive days, resulting in 15 observations for the control group and 15 observations for the treatment </a:t>
-            </a:r>
-            <a:r>
-              <a:rPr lang="en-US" sz="2400" dirty="0" smtClean="0"/>
-              <a:t>groups</a:t>
-            </a:r>
-            <a:endParaRPr lang="en-US" sz="2400" dirty="0"/>
+              <a:t>10 rats are studied and tested on three consecutive days, resulting in 15 observations for the control group and 15 observations for the treatment groups</a:t>
+            </a:r>
           </a:p>
           <a:p>
             <a:pPr marL="457200" indent="-457200">
@@ -3684,20 +3652,8 @@
               <a:buAutoNum type="arabicPeriod"/>
             </a:pPr>
             <a:r>
-              <a:rPr lang="en-US" sz="2400" dirty="0" smtClean="0"/>
-              <a:t>The </a:t>
-            </a:r>
-            <a:r>
               <a:rPr lang="en-US" sz="2400" dirty="0"/>
-              <a:t>experiment is conducted in two tanks: tank 1 has </a:t>
-            </a:r>
-            <a:r>
-              <a:rPr lang="en-US" sz="2400" dirty="0" smtClean="0"/>
-              <a:t>hormone </a:t>
-            </a:r>
-            <a:r>
-              <a:rPr lang="en-US" sz="2400" dirty="0"/>
-              <a:t>added, tank 2 is the control tank. 10 fish are tested per tank. </a:t>
+              <a:t>The experiment is conducted in two tanks: tank 1 has hormone added, tank 2 is the control tank. 10 fish are tested per tank. </a:t>
             </a:r>
           </a:p>
           <a:p>
@@ -3706,36 +3662,8 @@
               <a:buAutoNum type="arabicPeriod"/>
             </a:pPr>
             <a:r>
-              <a:rPr lang="en-US" sz="2400" dirty="0" smtClean="0"/>
-              <a:t>We </a:t>
-            </a:r>
-            <a:r>
               <a:rPr lang="en-US" sz="2400" dirty="0"/>
-              <a:t>are testing for the effects of </a:t>
-            </a:r>
-            <a:r>
-              <a:rPr lang="en-US" sz="2400" dirty="0" smtClean="0"/>
-              <a:t>mating system on genome size. </a:t>
-            </a:r>
-            <a:r>
-              <a:rPr lang="en-US" sz="2400" dirty="0"/>
-              <a:t>We use </a:t>
-            </a:r>
-            <a:r>
-              <a:rPr lang="en-US" sz="2400" dirty="0" smtClean="0"/>
-              <a:t>5 outbreeding insects </a:t>
-            </a:r>
-            <a:r>
-              <a:rPr lang="en-US" sz="2400" dirty="0"/>
-              <a:t>and 5 </a:t>
-            </a:r>
-            <a:r>
-              <a:rPr lang="en-US" sz="2400" dirty="0" smtClean="0"/>
-              <a:t>inbreeding species of beetles.</a:t>
-            </a:r>
-            <a:r>
-              <a:rPr lang="en-US" sz="2400" dirty="0"/>
-              <a:t> </a:t>
+              <a:t>We are testing for the effects of mating system on genome size. We use 5 outbreeding insects and 5 inbreeding species of beetles. </a:t>
             </a:r>
           </a:p>
           <a:p>
@@ -3744,44 +3672,8 @@
               <a:buAutoNum type="arabicPeriod"/>
             </a:pPr>
             <a:r>
-              <a:rPr lang="en-US" sz="2400" dirty="0" smtClean="0"/>
-              <a:t>Beetles </a:t>
-            </a:r>
-            <a:r>
               <a:rPr lang="en-US" sz="2400" dirty="0"/>
-              <a:t>are segregated by sex into two </a:t>
-            </a:r>
-            <a:r>
-              <a:rPr lang="en-US" sz="2400" dirty="0" smtClean="0"/>
-              <a:t>vials, </a:t>
-            </a:r>
-            <a:r>
-              <a:rPr lang="en-US" sz="2400" dirty="0"/>
-              <a:t>with 10 individuals per </a:t>
-            </a:r>
-            <a:r>
-              <a:rPr lang="en-US" sz="2400" dirty="0" smtClean="0"/>
-              <a:t>vial. </a:t>
-            </a:r>
-            <a:r>
-              <a:rPr lang="en-US" sz="2400" dirty="0"/>
-              <a:t>I draw a </a:t>
-            </a:r>
-            <a:r>
-              <a:rPr lang="en-US" sz="2400" dirty="0" smtClean="0"/>
-              <a:t>male and female </a:t>
-            </a:r>
-            <a:r>
-              <a:rPr lang="en-US" sz="2400" dirty="0"/>
-              <a:t>at random and test them, returning them to the </a:t>
-            </a:r>
-            <a:r>
-              <a:rPr lang="en-US" sz="2400" dirty="0" smtClean="0"/>
-              <a:t>vials </a:t>
-            </a:r>
-            <a:r>
-              <a:rPr lang="en-US" sz="2400" dirty="0"/>
-              <a:t>at the end. I perform a total of 40 such tests. What’s the problem? </a:t>
+              <a:t>Beetles are segregated by sex into two vials, with 10 individuals per vial. I draw a male and female at random and test them, returning them to the vials at the end. I perform a total of 40 such tests. What’s the problem? </a:t>
             </a:r>
           </a:p>
         </p:txBody>
@@ -4115,16 +4007,8 @@
               <a:buChar char="•"/>
             </a:pPr>
             <a:r>
-              <a:rPr lang="en-US" sz="3600" dirty="0" smtClean="0"/>
-              <a:t>A </a:t>
-            </a:r>
-            <a:r>
               <a:rPr lang="en-US" sz="3600" dirty="0"/>
-              <a:t>biological replicate involves a new, independent test </a:t>
-            </a:r>
-            <a:r>
-              <a:rPr lang="en-US" sz="3600" dirty="0" smtClean="0"/>
-              <a:t>subject</a:t>
+              <a:t>A biological replicate involves a new, independent test subject</a:t>
             </a:r>
           </a:p>
           <a:p>
@@ -4140,16 +4024,8 @@
               <a:buChar char="•"/>
             </a:pPr>
             <a:r>
-              <a:rPr lang="en-US" sz="3600" dirty="0" smtClean="0"/>
-              <a:t>A </a:t>
-            </a:r>
-            <a:r>
               <a:rPr lang="en-US" sz="3600" dirty="0"/>
-              <a:t>technical replicate involves repeating the same procedure on a new sample from the same </a:t>
-            </a:r>
-            <a:r>
-              <a:rPr lang="en-US" sz="3600" dirty="0" smtClean="0"/>
-              <a:t>subject</a:t>
+              <a:t>A technical replicate involves repeating the same procedure on a new sample from the same subject</a:t>
             </a:r>
           </a:p>
           <a:p>
@@ -4165,18 +4041,9 @@
               <a:buChar char="•"/>
             </a:pPr>
             <a:r>
-              <a:rPr lang="en-US" sz="3600" dirty="0" smtClean="0"/>
-              <a:t>Technical </a:t>
-            </a:r>
-            <a:r>
               <a:rPr lang="en-US" sz="3600" dirty="0"/>
-              <a:t>replicates do not contribute to your estimates of population-level parameters, but they can increase the precision of measurements on </a:t>
-            </a:r>
-            <a:r>
-              <a:rPr lang="en-US" sz="3600" dirty="0" smtClean="0"/>
-              <a:t>individuals</a:t>
-            </a:r>
-            <a:endParaRPr lang="en-US" sz="3600" dirty="0"/>
+              <a:t>Technical replicates do not contribute to your estimates of population-level parameters, but they can increase the precision of measurements on individuals</a:t>
+            </a:r>
           </a:p>
         </p:txBody>
       </p:sp>
@@ -4190,13 +4057,6 @@
   <p:clrMapOvr>
     <a:masterClrMapping/>
   </p:clrMapOvr>
-  <p:timing>
-    <p:tnLst>
-      <p:par>
-        <p:cTn id="1" dur="indefinite" restart="never" nodeType="tmRoot"/>
-      </p:par>
-    </p:tnLst>
-  </p:timing>
 </p:sld>
 </file>
 
@@ -4254,18 +4114,13 @@
           <a:p>
             <a:pPr algn="ctr"/>
             <a:r>
-              <a:rPr lang="en-US" b="1" dirty="0" smtClean="0">
+              <a:rPr lang="en-US" b="1" dirty="0">
                 <a:solidFill>
                   <a:schemeClr val="bg1"/>
                 </a:solidFill>
               </a:rPr>
               <a:t>Which kind of replication</a:t>
             </a:r>
-            <a:endParaRPr lang="en-US" b="1" dirty="0">
-              <a:solidFill>
-                <a:schemeClr val="bg1"/>
-              </a:solidFill>
-            </a:endParaRPr>
           </a:p>
         </p:txBody>
       </p:sp>
@@ -4295,21 +4150,16 @@
               <a:buChar char="•"/>
             </a:pPr>
             <a:r>
-              <a:rPr lang="en-US" sz="3600" dirty="0" smtClean="0"/>
-              <a:t>In </a:t>
-            </a:r>
-            <a:r>
               <a:rPr lang="en-US" sz="3600" dirty="0"/>
-              <a:t>general, biological replicates are superior to technical replicates, because biological replicates increase power. </a:t>
-            </a:r>
-            <a:endParaRPr lang="en-US" sz="3600" dirty="0" smtClean="0"/>
+              <a:t>In general, biological replicates are superior to technical replicates, because biological replicates increase power. </a:t>
+            </a:r>
           </a:p>
           <a:p>
             <a:pPr marL="514350" indent="-514350">
               <a:buFont typeface="Arial" charset="0"/>
               <a:buChar char="•"/>
             </a:pPr>
-            <a:endParaRPr lang="en-US" sz="3600" dirty="0" smtClean="0"/>
+            <a:endParaRPr lang="en-US" sz="3600" dirty="0"/>
           </a:p>
           <a:p>
             <a:pPr marL="514350" indent="-514350">
@@ -4317,12 +4167,8 @@
               <a:buChar char="•"/>
             </a:pPr>
             <a:r>
-              <a:rPr lang="en-US" sz="3600" dirty="0" smtClean="0"/>
-              <a:t>Technical </a:t>
-            </a:r>
-            <a:r>
               <a:rPr lang="en-US" sz="3600" dirty="0"/>
-              <a:t>replicates are useful when the technique in question sometimes produces extremely inaccurate results, which must be pruned from the dataset. An example is qPCR, where occasional extreme outliers are common. </a:t>
+              <a:t>Technical replicates are useful when the technique in question sometimes produces extremely inaccurate results, which must be pruned from the dataset. An example is qPCR, where occasional extreme outliers are common. </a:t>
             </a:r>
           </a:p>
         </p:txBody>
@@ -4337,13 +4183,6 @@
   <p:clrMapOvr>
     <a:masterClrMapping/>
   </p:clrMapOvr>
-  <p:timing>
-    <p:tnLst>
-      <p:par>
-        <p:cTn id="1" dur="indefinite" restart="never" nodeType="tmRoot"/>
-      </p:par>
-    </p:tnLst>
-  </p:timing>
 </p:sld>
 </file>
 
@@ -4437,12 +4276,8 @@
               <a:buChar char="•"/>
             </a:pPr>
             <a:r>
-              <a:rPr lang="en-US" sz="2800" dirty="0" smtClean="0"/>
-              <a:t>Ensure </a:t>
-            </a:r>
-            <a:r>
               <a:rPr lang="en-US" sz="2800" dirty="0"/>
-              <a:t>as much as possible that controls and experimental individuals are from identical populations (except for the factor of interest) </a:t>
+              <a:t>Ensure as much as possible that controls and experimental individuals are from identical populations (except for the factor of interest) </a:t>
             </a:r>
           </a:p>
           <a:p>
@@ -4450,7 +4285,7 @@
               <a:buFont typeface="Arial" charset="0"/>
               <a:buChar char="•"/>
             </a:pPr>
-            <a:endParaRPr lang="en-US" sz="2800" dirty="0" smtClean="0"/>
+            <a:endParaRPr lang="en-US" sz="2800" dirty="0"/>
           </a:p>
           <a:p>
             <a:pPr marL="457200" indent="-457200">
@@ -4458,12 +4293,8 @@
               <a:buChar char="•"/>
             </a:pPr>
             <a:r>
-              <a:rPr lang="en-US" sz="2800" dirty="0" smtClean="0"/>
-              <a:t>Treat </a:t>
-            </a:r>
-            <a:r>
               <a:rPr lang="en-US" sz="2800" dirty="0"/>
-              <a:t>your controls as similarly as possible to the experimental subjects (sham injections, placebos, etc.) </a:t>
+              <a:t>Treat your controls as similarly as possible to the experimental subjects (sham injections, placebos, etc.) </a:t>
             </a:r>
           </a:p>
           <a:p>
@@ -4471,7 +4302,7 @@
               <a:buFont typeface="Arial" charset="0"/>
               <a:buChar char="•"/>
             </a:pPr>
-            <a:endParaRPr lang="en-US" sz="2800" dirty="0" smtClean="0"/>
+            <a:endParaRPr lang="en-US" sz="2800" dirty="0"/>
           </a:p>
           <a:p>
             <a:pPr marL="457200" indent="-457200">
@@ -4479,12 +4310,8 @@
               <a:buChar char="•"/>
             </a:pPr>
             <a:r>
-              <a:rPr lang="en-US" sz="2800" dirty="0" smtClean="0"/>
-              <a:t>Conduct </a:t>
-            </a:r>
-            <a:r>
               <a:rPr lang="en-US" sz="2800" dirty="0"/>
-              <a:t>your control manipulations in parallel with your experimental manipulations </a:t>
+              <a:t>Conduct your control manipulations in parallel with your experimental manipulations </a:t>
             </a:r>
           </a:p>
           <a:p>
@@ -4492,7 +4319,7 @@
               <a:buFont typeface="Arial" charset="0"/>
               <a:buChar char="•"/>
             </a:pPr>
-            <a:endParaRPr lang="en-US" sz="2800" dirty="0" smtClean="0"/>
+            <a:endParaRPr lang="en-US" sz="2800" dirty="0"/>
           </a:p>
           <a:p>
             <a:pPr marL="457200" indent="-457200">
@@ -4500,12 +4327,8 @@
               <a:buChar char="•"/>
             </a:pPr>
             <a:r>
-              <a:rPr lang="en-US" sz="2800" dirty="0" smtClean="0"/>
-              <a:t>Think </a:t>
-            </a:r>
-            <a:r>
               <a:rPr lang="en-US" sz="2800" dirty="0"/>
-              <a:t>about all possible confounding variables and establish a plan to eliminate or correct for them before you start! </a:t>
+              <a:t>Think about all possible confounding variables and establish a plan to eliminate or correct for them before you start! </a:t>
             </a:r>
           </a:p>
         </p:txBody>
@@ -4822,7 +4645,7 @@
         <p:spPr>
           <a:xfrm>
             <a:off x="237995" y="1161821"/>
-            <a:ext cx="11786991" cy="5170646"/>
+            <a:ext cx="11786991" cy="4585871"/>
           </a:xfrm>
           <a:prstGeom prst="rect">
             <a:avLst/>
@@ -4835,91 +4658,57 @@
           <a:lstStyle/>
           <a:p>
             <a:r>
-              <a:rPr lang="en-US" sz="2800" dirty="0" smtClean="0"/>
-              <a:t>You </a:t>
-            </a:r>
-            <a:r>
               <a:rPr lang="en-US" sz="2800" dirty="0"/>
-              <a:t>should approach everything you do in the lab from the perspective of an experiment </a:t>
-            </a:r>
-          </a:p>
-          <a:p>
-            <a:endParaRPr lang="en-US" sz="1600" dirty="0" smtClean="0"/>
-          </a:p>
-          <a:p>
-            <a:r>
-              <a:rPr lang="en-US" sz="2800" dirty="0" smtClean="0"/>
-              <a:t>Always </a:t>
-            </a:r>
+              <a:t>You should approach everything you do in the lab from the perspective of an experiment </a:t>
+            </a:r>
+          </a:p>
+          <a:p>
+            <a:endParaRPr lang="en-US" sz="1600" dirty="0"/>
+          </a:p>
+          <a:p>
             <a:r>
               <a:rPr lang="en-US" sz="2800" dirty="0"/>
-              <a:t>do the appropriate controls for PCR, transformations, etc. </a:t>
-            </a:r>
-          </a:p>
-          <a:p>
-            <a:endParaRPr lang="en-US" sz="1600" dirty="0" smtClean="0"/>
-          </a:p>
-          <a:p>
-            <a:r>
-              <a:rPr lang="en-US" sz="2800" dirty="0" smtClean="0"/>
-              <a:t>Troubleshooting </a:t>
-            </a:r>
+              <a:t>Always do the appropriate controls for PCR, transformations, etc. </a:t>
+            </a:r>
+          </a:p>
+          <a:p>
+            <a:endParaRPr lang="en-US" sz="1600" dirty="0"/>
+          </a:p>
+          <a:p>
             <a:r>
               <a:rPr lang="en-US" sz="2800" dirty="0"/>
-              <a:t>is experimenting </a:t>
-            </a:r>
-          </a:p>
-          <a:p>
-            <a:endParaRPr lang="en-US" sz="1600" dirty="0" smtClean="0"/>
-          </a:p>
-          <a:p>
-            <a:r>
-              <a:rPr lang="en-US" sz="2800" dirty="0" smtClean="0"/>
-              <a:t>Think </a:t>
-            </a:r>
+              <a:t>Troubleshooting is experimenting </a:t>
+            </a:r>
+          </a:p>
+          <a:p>
+            <a:endParaRPr lang="en-US" sz="1600" dirty="0"/>
+          </a:p>
+          <a:p>
             <a:r>
               <a:rPr lang="en-US" sz="2800" dirty="0"/>
-              <a:t>about how you will describe the experiment before you embark on it </a:t>
-            </a:r>
-          </a:p>
-          <a:p>
-            <a:endParaRPr lang="en-US" sz="1600" dirty="0" smtClean="0"/>
-          </a:p>
-          <a:p>
-            <a:r>
-              <a:rPr lang="en-US" sz="2800" dirty="0" smtClean="0"/>
-              <a:t>You </a:t>
-            </a:r>
+              <a:t>Think about how you will describe the experiment before you embark on it </a:t>
+            </a:r>
+          </a:p>
+          <a:p>
+            <a:endParaRPr lang="en-US" sz="1600" dirty="0"/>
+          </a:p>
+          <a:p>
             <a:r>
               <a:rPr lang="en-US" sz="2800" dirty="0"/>
-              <a:t>will see that simplicity is extremely valuable </a:t>
-            </a:r>
-          </a:p>
-          <a:p>
-            <a:endParaRPr lang="en-US" sz="1600" dirty="0" smtClean="0"/>
-          </a:p>
-          <a:p>
-            <a:r>
-              <a:rPr lang="en-US" sz="2800" dirty="0" smtClean="0"/>
-              <a:t>Think </a:t>
-            </a:r>
+              <a:t>You will see that simplicity is extremely valuable </a:t>
+            </a:r>
+          </a:p>
+          <a:p>
+            <a:endParaRPr lang="en-US" sz="1600" dirty="0"/>
+          </a:p>
+          <a:p>
             <a:r>
               <a:rPr lang="en-US" sz="2800" dirty="0"/>
-              <a:t>about the analysis you will do before you get started </a:t>
-            </a:r>
-          </a:p>
-          <a:p>
-            <a:endParaRPr lang="en-US" sz="1600" dirty="0" smtClean="0"/>
-          </a:p>
-          <a:p>
-            <a:r>
-              <a:rPr lang="en-US" sz="2800" dirty="0" smtClean="0"/>
-              <a:t>In </a:t>
-            </a:r>
-            <a:r>
-              <a:rPr lang="en-US" sz="2800" dirty="0"/>
-              <a:t>science, if you don’t publish it, then you didn’t do it </a:t>
-            </a:r>
+              <a:t>Think about the analysis you will do before you get started </a:t>
+            </a:r>
+          </a:p>
+          <a:p>
+            <a:endParaRPr lang="en-US" sz="1600" dirty="0"/>
           </a:p>
         </p:txBody>
       </p:sp>
@@ -5235,55 +5024,6 @@
                       </p:childTnLst>
                     </p:cTn>
                   </p:par>
-                  <p:par>
-                    <p:cTn id="27" fill="hold">
-                      <p:stCondLst>
-                        <p:cond delay="indefinite"/>
-                      </p:stCondLst>
-                      <p:childTnLst>
-                        <p:par>
-                          <p:cTn id="28" fill="hold">
-                            <p:stCondLst>
-                              <p:cond delay="0"/>
-                            </p:stCondLst>
-                            <p:childTnLst>
-                              <p:par>
-                                <p:cTn id="29" presetID="1" presetClass="entr" presetSubtype="0" fill="hold" nodeType="clickEffect">
-                                  <p:stCondLst>
-                                    <p:cond delay="0"/>
-                                  </p:stCondLst>
-                                  <p:childTnLst>
-                                    <p:set>
-                                      <p:cBhvr>
-                                        <p:cTn id="30" dur="1" fill="hold">
-                                          <p:stCondLst>
-                                            <p:cond delay="0"/>
-                                          </p:stCondLst>
-                                        </p:cTn>
-                                        <p:tgtEl>
-                                          <p:spTgt spid="4">
-                                            <p:txEl>
-                                              <p:pRg st="12" end="12"/>
-                                            </p:txEl>
-                                          </p:spTgt>
-                                        </p:tgtEl>
-                                        <p:attrNameLst>
-                                          <p:attrName>style.visibility</p:attrName>
-                                        </p:attrNameLst>
-                                      </p:cBhvr>
-                                      <p:to>
-                                        <p:strVal val="visible"/>
-                                      </p:to>
-                                    </p:set>
-                                  </p:childTnLst>
-                                </p:cTn>
-                              </p:par>
-                            </p:childTnLst>
-                          </p:cTn>
-                        </p:par>
-                      </p:childTnLst>
-                    </p:cTn>
-                  </p:par>
                 </p:childTnLst>
               </p:cTn>
               <p:prevCondLst>
@@ -5397,12 +5137,8 @@
               <a:lstStyle/>
               <a:p>
                 <a:r>
-                  <a:rPr lang="en-US" sz="2800" dirty="0" smtClean="0"/>
-                  <a:t>To </a:t>
-                </a:r>
-                <a:r>
                   <a:rPr lang="en-US" sz="2800" dirty="0"/>
-                  <a:t>analyze your data, you will need a statistical hypothesis to go with your scientific hypothesis </a:t>
+                  <a:t>To analyze your data, you will need a statistical hypothesis to go with your scientific hypothesis </a:t>
                 </a:r>
               </a:p>
               <a:p>
@@ -5410,12 +5146,8 @@
               </a:p>
               <a:p>
                 <a:r>
-                  <a:rPr lang="en-US" sz="2800" dirty="0" smtClean="0"/>
-                  <a:t>A </a:t>
-                </a:r>
-                <a:r>
                   <a:rPr lang="en-US" sz="2800" dirty="0"/>
-                  <a:t>statistical hypothesis is most easily constructed as a null hypothesis </a:t>
+                  <a:t>A statistical hypothesis is most easily constructed as a null hypothesis </a:t>
                 </a:r>
               </a:p>
               <a:p>
@@ -5423,16 +5155,8 @@
               </a:p>
               <a:p>
                 <a:r>
-                  <a:rPr lang="en-US" sz="2800" dirty="0" smtClean="0"/>
-                  <a:t>A </a:t>
-                </a:r>
-                <a:r>
                   <a:rPr lang="en-US" sz="2800" dirty="0"/>
-                  <a:t>null hypothesis posits that the factor of interest has no </a:t>
-                </a:r>
-                <a:r>
-                  <a:rPr lang="en-US" sz="2800" dirty="0" smtClean="0"/>
-                  <a:t>effect</a:t>
+                  <a:t>A null hypothesis posits that the factor of interest has no effect</a:t>
                 </a:r>
               </a:p>
               <a:p>
@@ -5441,7 +5165,7 @@
               <a:p>
                 <a:pPr lvl="1"/>
                 <a:r>
-                  <a:rPr lang="en-US" sz="2800" dirty="0" smtClean="0"/>
+                  <a:rPr lang="en-US" sz="2800" dirty="0"/>
                   <a:t>Frequentist test we will be looking at p-value </a:t>
                 </a:r>
                 <a14:m>
@@ -5487,7 +5211,7 @@
                     </m:r>
                   </m:oMath>
                 </a14:m>
-                <a:endParaRPr lang="en-US" sz="2800" dirty="0" smtClean="0"/>
+                <a:endParaRPr lang="en-US" sz="2800" dirty="0"/>
               </a:p>
               <a:p>
                 <a:pPr lvl="1"/>
@@ -5496,14 +5220,13 @@
               <a:p>
                 <a:pPr lvl="1"/>
                 <a:r>
-                  <a:rPr lang="en-US" sz="2800" dirty="0" smtClean="0"/>
+                  <a:rPr lang="en-US" sz="2800" dirty="0"/>
                   <a:t>Bayesian approach tells us if the posterior estimate of the parameter of interest overlap in our two treatments.</a:t>
                 </a:r>
-                <a:endParaRPr lang="en-US" sz="2800" dirty="0"/>
               </a:p>
               <a:p>
                 <a:pPr lvl="1"/>
-                <a:endParaRPr lang="en-US" sz="2800" dirty="0" smtClean="0"/>
+                <a:endParaRPr lang="en-US" sz="2800" dirty="0"/>
               </a:p>
               <a:p>
                 <a:pPr lvl="1"/>
@@ -5925,16 +5648,8 @@
           <a:lstStyle/>
           <a:p>
             <a:r>
-              <a:rPr lang="en-US" sz="2800" dirty="0" smtClean="0"/>
-              <a:t>Fertilizer </a:t>
-            </a:r>
-            <a:r>
               <a:rPr lang="en-US" sz="2800" dirty="0"/>
-              <a:t>has no effect on the growth rate of oak </a:t>
-            </a:r>
-            <a:r>
-              <a:rPr lang="en-US" sz="2800" dirty="0" smtClean="0"/>
-              <a:t>trees.</a:t>
+              <a:t>Fertilizer has no effect on the growth rate of oak trees.</a:t>
             </a:r>
           </a:p>
           <a:p>
@@ -5942,16 +5657,8 @@
           </a:p>
           <a:p>
             <a:r>
-              <a:rPr lang="en-US" sz="2800" dirty="0" smtClean="0"/>
-              <a:t>Blocking </a:t>
-            </a:r>
-            <a:r>
               <a:rPr lang="en-US" sz="2800" dirty="0"/>
-              <a:t>olfactory cues has no effect on mate choice in swordtail fishes</a:t>
-            </a:r>
-            <a:r>
-              <a:rPr lang="en-US" sz="2800" dirty="0" smtClean="0"/>
-              <a:t>.</a:t>
+              <a:t>Blocking olfactory cues has no effect on mate choice in swordtail fishes.</a:t>
             </a:r>
           </a:p>
           <a:p>
@@ -5962,7 +5669,7 @@
           </a:p>
           <a:p>
             <a:r>
-              <a:rPr lang="en-US" sz="2800" dirty="0" smtClean="0"/>
+              <a:rPr lang="en-US" sz="2800" dirty="0"/>
               <a:t>Rates of genome evolution are the same in two populations.</a:t>
             </a:r>
           </a:p>
@@ -5971,33 +5678,13 @@
           </a:p>
           <a:p>
             <a:r>
-              <a:rPr lang="en-US" sz="2800" dirty="0" smtClean="0"/>
-              <a:t>Mutations </a:t>
-            </a:r>
-            <a:r>
               <a:rPr lang="en-US" sz="2800" dirty="0"/>
-              <a:t>in </a:t>
-            </a:r>
-            <a:r>
-              <a:rPr lang="en-US" sz="2800" dirty="0" smtClean="0"/>
-              <a:t>the 5’ UTR of msl-2 have </a:t>
-            </a:r>
-            <a:r>
-              <a:rPr lang="en-US" sz="2800" dirty="0"/>
-              <a:t>no effect on </a:t>
-            </a:r>
-            <a:r>
-              <a:rPr lang="en-US" sz="2800" dirty="0" smtClean="0"/>
-              <a:t>translation.</a:t>
-            </a:r>
-            <a:r>
-              <a:rPr lang="en-US" sz="2800" dirty="0"/>
-              <a:t> </a:t>
+              <a:t>Mutations in the 5’ UTR of msl-2 have no effect on translation. </a:t>
             </a:r>
           </a:p>
           <a:p>
             <a:pPr lvl="1"/>
-            <a:endParaRPr lang="en-US" sz="2800" dirty="0" smtClean="0"/>
+            <a:endParaRPr lang="en-US" sz="2800" dirty="0"/>
           </a:p>
           <a:p>
             <a:pPr lvl="1"/>
@@ -6015,13 +5702,6 @@
   <p:clrMapOvr>
     <a:masterClrMapping/>
   </p:clrMapOvr>
-  <p:timing>
-    <p:tnLst>
-      <p:par>
-        <p:cTn id="1" dur="indefinite" restart="never" nodeType="tmRoot"/>
-      </p:par>
-    </p:tnLst>
-  </p:timing>
 </p:sld>
 </file>
 
@@ -6115,12 +5795,8 @@
               <a:buChar char="•"/>
             </a:pPr>
             <a:r>
-              <a:rPr lang="en-US" sz="2800" dirty="0" smtClean="0"/>
-              <a:t>Your </a:t>
-            </a:r>
-            <a:r>
               <a:rPr lang="en-US" sz="2800" dirty="0"/>
-              <a:t>statistical test will attempt to reject the null hypothesis </a:t>
+              <a:t>Your statistical test will attempt to reject the null hypothesis </a:t>
             </a:r>
           </a:p>
           <a:p>
@@ -6128,7 +5804,7 @@
               <a:buFont typeface="Arial" charset="0"/>
               <a:buChar char="•"/>
             </a:pPr>
-            <a:endParaRPr lang="en-US" sz="2800" dirty="0" smtClean="0"/>
+            <a:endParaRPr lang="en-US" sz="2800" dirty="0"/>
           </a:p>
           <a:p>
             <a:pPr marL="457200" indent="-457200">
@@ -6136,28 +5812,16 @@
               <a:buChar char="•"/>
             </a:pPr>
             <a:r>
-              <a:rPr lang="en-US" sz="2800" dirty="0" smtClean="0"/>
-              <a:t>If </a:t>
-            </a:r>
-            <a:r>
               <a:rPr lang="en-US" sz="2800" dirty="0"/>
-              <a:t>you reject the null, then one of the alternative hypotheses must be </a:t>
-            </a:r>
-            <a:r>
-              <a:rPr lang="en-US" sz="2800" dirty="0" smtClean="0"/>
-              <a:t>true </a:t>
-            </a:r>
-            <a:r>
-              <a:rPr lang="mr-IN" sz="2800" dirty="0" smtClean="0"/>
+              <a:t>If you reject the null, then one of the alternative hypotheses must be true </a:t>
+            </a:r>
+            <a:r>
+              <a:rPr lang="mr-IN" sz="2800" dirty="0"/>
               <a:t>–</a:t>
             </a:r>
             <a:r>
-              <a:rPr lang="en-US" sz="2800" dirty="0" smtClean="0"/>
-              <a:t> though not necessarily the one you think is coolest!</a:t>
-            </a:r>
-            <a:r>
               <a:rPr lang="en-US" sz="2800" dirty="0"/>
-              <a:t> </a:t>
+              <a:t> though not necessarily the one you think is coolest! </a:t>
             </a:r>
           </a:p>
           <a:p>
@@ -6165,7 +5829,7 @@
               <a:buFont typeface="Arial" charset="0"/>
               <a:buChar char="•"/>
             </a:pPr>
-            <a:endParaRPr lang="en-US" sz="2800" dirty="0" smtClean="0"/>
+            <a:endParaRPr lang="en-US" sz="2800" dirty="0"/>
           </a:p>
           <a:p>
             <a:pPr marL="457200" indent="-457200">
@@ -6173,12 +5837,8 @@
               <a:buChar char="•"/>
             </a:pPr>
             <a:r>
-              <a:rPr lang="en-US" sz="2800" dirty="0" smtClean="0"/>
-              <a:t>You </a:t>
-            </a:r>
-            <a:r>
               <a:rPr lang="en-US" sz="2800" dirty="0"/>
-              <a:t>cannot </a:t>
+              <a:t>You cannot </a:t>
             </a:r>
             <a:r>
               <a:rPr lang="en-US" sz="2800" b="1" u="sng" dirty="0"/>
@@ -6186,13 +5846,8 @@
             </a:r>
             <a:r>
               <a:rPr lang="en-US" sz="2800" dirty="0"/>
-              <a:t> </a:t>
-            </a:r>
-            <a:r>
-              <a:rPr lang="en-US" sz="2800" dirty="0" smtClean="0"/>
-              <a:t>a hypothesis, but </a:t>
-            </a:r>
-            <a:endParaRPr lang="en-US" sz="2800" dirty="0" smtClean="0"/>
+              <a:t> a hypothesis, but </a:t>
+            </a:r>
           </a:p>
           <a:p>
             <a:pPr marL="914400" lvl="1" indent="-457200">
@@ -6201,13 +5856,8 @@
             </a:pPr>
             <a:r>
               <a:rPr lang="en-US" sz="2800" dirty="0"/>
-              <a:t>As frequentist you can find support for an alternative or reject the null</a:t>
-            </a:r>
-            <a:r>
-              <a:rPr lang="en-US" sz="2800" dirty="0" smtClean="0"/>
-              <a:t>.</a:t>
-            </a:r>
-            <a:endParaRPr lang="en-US" sz="2800" dirty="0"/>
+              <a:t>As frequentist you can find support for an alternative by rejecting the null.</a:t>
+            </a:r>
           </a:p>
           <a:p>
             <a:pPr marL="914400" lvl="1" indent="-457200">
@@ -6216,23 +5866,7 @@
             </a:pPr>
             <a:r>
               <a:rPr lang="en-US" sz="2800" dirty="0"/>
-              <a:t>As </a:t>
-            </a:r>
-            <a:r>
-              <a:rPr lang="en-US" sz="2800" dirty="0" smtClean="0"/>
-              <a:t>Bayesian </a:t>
-            </a:r>
-            <a:r>
-              <a:rPr lang="en-US" sz="2800" dirty="0"/>
-              <a:t>you can </a:t>
-            </a:r>
-            <a:r>
-              <a:rPr lang="en-US" sz="2800" dirty="0" smtClean="0"/>
-              <a:t>compare support for two competing hypotheses.</a:t>
-            </a:r>
-            <a:r>
-              <a:rPr lang="en-US" sz="2800" dirty="0"/>
-              <a:t> </a:t>
+              <a:t>As Bayesian you can compare support for two competing hypotheses. </a:t>
             </a:r>
           </a:p>
           <a:p>
@@ -6255,13 +5889,6 @@
   <p:clrMapOvr>
     <a:masterClrMapping/>
   </p:clrMapOvr>
-  <p:timing>
-    <p:tnLst>
-      <p:par>
-        <p:cTn id="1" dur="indefinite" restart="never" nodeType="tmRoot"/>
-      </p:par>
-    </p:tnLst>
-  </p:timing>
 </p:sld>
 </file>
 
@@ -6351,56 +5978,40 @@
           <a:lstStyle/>
           <a:p>
             <a:r>
-              <a:rPr lang="en-US" sz="2800" dirty="0" smtClean="0"/>
-              <a:t>Type </a:t>
-            </a:r>
-            <a:r>
               <a:rPr lang="en-US" sz="2800" dirty="0"/>
-              <a:t>I error refers to rejecting a true null hypothesis </a:t>
-            </a:r>
-          </a:p>
-          <a:p>
-            <a:endParaRPr lang="en-US" sz="2800" dirty="0" smtClean="0"/>
-          </a:p>
-          <a:p>
-            <a:r>
-              <a:rPr lang="en-US" sz="2800" dirty="0" smtClean="0"/>
-              <a:t>Type </a:t>
-            </a:r>
+              <a:t>Type I error refers to rejecting a true null hypothesis </a:t>
+            </a:r>
+          </a:p>
+          <a:p>
+            <a:endParaRPr lang="en-US" sz="2800" dirty="0"/>
+          </a:p>
+          <a:p>
             <a:r>
               <a:rPr lang="en-US" sz="2800" dirty="0"/>
-              <a:t>II error refers to failing to reject a false null hypothesis </a:t>
-            </a:r>
-          </a:p>
-          <a:p>
-            <a:endParaRPr lang="en-US" sz="2800" dirty="0" smtClean="0"/>
-          </a:p>
-          <a:p>
-            <a:r>
-              <a:rPr lang="en-US" sz="2800" dirty="0" smtClean="0"/>
-              <a:t>Power </a:t>
-            </a:r>
+              <a:t>Type II error refers to failing to reject a false null hypothesis </a:t>
+            </a:r>
+          </a:p>
+          <a:p>
+            <a:endParaRPr lang="en-US" sz="2800" dirty="0"/>
+          </a:p>
+          <a:p>
             <a:r>
               <a:rPr lang="en-US" sz="2800" dirty="0"/>
-              <a:t>is a description of our probability of rejecting a false null hypothesis </a:t>
-            </a:r>
-          </a:p>
-          <a:p>
-            <a:endParaRPr lang="en-US" sz="2800" dirty="0" smtClean="0"/>
-          </a:p>
-          <a:p>
-            <a:r>
-              <a:rPr lang="en-US" sz="2800" dirty="0" smtClean="0"/>
-              <a:t>We </a:t>
-            </a:r>
+              <a:t>Power is a description of our probability of rejecting a false null hypothesis </a:t>
+            </a:r>
+          </a:p>
+          <a:p>
+            <a:endParaRPr lang="en-US" sz="2800" dirty="0"/>
+          </a:p>
+          <a:p>
             <a:r>
               <a:rPr lang="en-US" sz="2800" dirty="0"/>
-              <a:t>usually set up statistical tests to avoid Type I errors, at the expense of possibly committing Type II errors </a:t>
+              <a:t>We usually set up statistical tests to avoid Type I errors, at the expense of possibly committing Type II errors </a:t>
             </a:r>
           </a:p>
           <a:p>
             <a:pPr lvl="1"/>
-            <a:endParaRPr lang="en-US" sz="2800" dirty="0" smtClean="0"/>
+            <a:endParaRPr lang="en-US" sz="2800" dirty="0"/>
           </a:p>
           <a:p>
             <a:pPr lvl="1"/>
@@ -6431,7 +6042,7 @@
           <a:lstStyle/>
           <a:p>
             <a:r>
-              <a:rPr lang="en-US" sz="3200" b="1" dirty="0" smtClean="0">
+              <a:rPr lang="en-US" sz="3200" b="1" dirty="0">
                 <a:solidFill>
                   <a:srgbClr val="C00000"/>
                 </a:solidFill>
@@ -6441,7 +6052,7 @@
           </a:p>
           <a:p>
             <a:r>
-              <a:rPr lang="en-US" sz="3200" b="1" dirty="0" smtClean="0">
+              <a:rPr lang="en-US" sz="3200" b="1" dirty="0">
                 <a:solidFill>
                   <a:srgbClr val="C00000"/>
                 </a:solidFill>
@@ -6449,7 +6060,7 @@
               <a:t>1 </a:t>
             </a:r>
             <a:r>
-              <a:rPr lang="mr-IN" sz="3200" b="1" dirty="0" smtClean="0">
+              <a:rPr lang="mr-IN" sz="3200" b="1" dirty="0">
                 <a:solidFill>
                   <a:srgbClr val="C00000"/>
                 </a:solidFill>
@@ -6457,18 +6068,13 @@
               <a:t>–</a:t>
             </a:r>
             <a:r>
-              <a:rPr lang="en-US" sz="3200" b="1" dirty="0" smtClean="0">
+              <a:rPr lang="en-US" sz="3200" b="1" dirty="0">
                 <a:solidFill>
                   <a:srgbClr val="C00000"/>
                 </a:solidFill>
               </a:rPr>
               <a:t> Type 2 error = POWER</a:t>
             </a:r>
-            <a:endParaRPr lang="en-US" sz="3200" b="1" dirty="0">
-              <a:solidFill>
-                <a:srgbClr val="C00000"/>
-              </a:solidFill>
-            </a:endParaRPr>
           </a:p>
         </p:txBody>
       </p:sp>
@@ -6482,13 +6088,6 @@
   <p:clrMapOvr>
     <a:masterClrMapping/>
   </p:clrMapOvr>
-  <p:timing>
-    <p:tnLst>
-      <p:par>
-        <p:cTn id="1" dur="indefinite" restart="never" nodeType="tmRoot"/>
-      </p:par>
-    </p:tnLst>
-  </p:timing>
 </p:sld>
 </file>
 
@@ -6578,26 +6177,17 @@
           <a:lstStyle/>
           <a:p>
             <a:r>
-              <a:rPr lang="en-US" sz="2800" dirty="0" smtClean="0"/>
-              <a:t>Several </a:t>
-            </a:r>
-            <a:r>
               <a:rPr lang="en-US" sz="2800" dirty="0"/>
-              <a:t>chapters in the book deal with this topic </a:t>
-            </a:r>
-            <a:endParaRPr lang="en-US" sz="2800" dirty="0" smtClean="0"/>
+              <a:t>Several chapters in the book deal with this topic </a:t>
+            </a:r>
           </a:p>
           <a:p>
             <a:endParaRPr lang="en-US" sz="2800" dirty="0"/>
           </a:p>
           <a:p>
             <a:r>
-              <a:rPr lang="en-US" sz="2800" dirty="0" smtClean="0"/>
-              <a:t>The </a:t>
-            </a:r>
-            <a:r>
               <a:rPr lang="en-US" sz="2800" dirty="0"/>
-              <a:t>experiment boils down to this: </a:t>
+              <a:t>The experiment boils down to this: </a:t>
             </a:r>
           </a:p>
           <a:p>
@@ -6606,12 +6196,8 @@
               <a:buChar char="•"/>
             </a:pPr>
             <a:r>
-              <a:rPr lang="en-US" sz="2800" dirty="0" smtClean="0"/>
-              <a:t>I </a:t>
-            </a:r>
-            <a:r>
               <a:rPr lang="en-US" sz="2800" dirty="0"/>
-              <a:t>have identified two groups </a:t>
+              <a:t>I have identified two groups </a:t>
             </a:r>
           </a:p>
           <a:p>
@@ -6620,12 +6206,8 @@
               <a:buChar char="•"/>
             </a:pPr>
             <a:r>
-              <a:rPr lang="en-US" sz="2800" dirty="0" smtClean="0"/>
-              <a:t>The </a:t>
-            </a:r>
-            <a:r>
               <a:rPr lang="en-US" sz="2800" dirty="0"/>
-              <a:t>groups differ with respect to one factor </a:t>
+              <a:t>The groups differ with respect to one factor </a:t>
             </a:r>
           </a:p>
           <a:p>
@@ -6634,12 +6216,8 @@
               <a:buChar char="•"/>
             </a:pPr>
             <a:r>
-              <a:rPr lang="en-US" sz="2800" dirty="0" smtClean="0"/>
-              <a:t>I </a:t>
-            </a:r>
-            <a:r>
               <a:rPr lang="en-US" sz="2800" dirty="0"/>
-              <a:t>am interested in the frequency of occurrence of something else as a function of this factor </a:t>
+              <a:t>I am interested in the frequency of occurrence of something else as a function of this factor </a:t>
             </a:r>
           </a:p>
           <a:p>
@@ -6647,16 +6225,12 @@
               <a:buFont typeface="Arial" charset="0"/>
               <a:buChar char="•"/>
             </a:pPr>
-            <a:endParaRPr lang="en-US" sz="2800" dirty="0" smtClean="0"/>
-          </a:p>
-          <a:p>
-            <a:r>
-              <a:rPr lang="en-US" sz="2800" dirty="0" smtClean="0"/>
-              <a:t>When </a:t>
-            </a:r>
+            <a:endParaRPr lang="en-US" sz="2800" dirty="0"/>
+          </a:p>
+          <a:p>
             <a:r>
               <a:rPr lang="en-US" sz="2800" dirty="0"/>
-              <a:t>would this type of problem come up in the biological sciences? </a:t>
+              <a:t>When would this type of problem come up in the biological sciences? </a:t>
             </a:r>
           </a:p>
           <a:p>
@@ -6675,13 +6249,6 @@
   <p:clrMapOvr>
     <a:masterClrMapping/>
   </p:clrMapOvr>
-  <p:timing>
-    <p:tnLst>
-      <p:par>
-        <p:cTn id="1" dur="indefinite" restart="never" nodeType="tmRoot"/>
-      </p:par>
-    </p:tnLst>
-  </p:timing>
 </p:sld>
 </file>
 
@@ -6737,18 +6304,13 @@
           <a:p>
             <a:pPr algn="ctr"/>
             <a:r>
-              <a:rPr lang="en-US" b="1" dirty="0" smtClean="0">
+              <a:rPr lang="en-US" b="1" dirty="0">
                 <a:solidFill>
                   <a:schemeClr val="bg1"/>
                 </a:solidFill>
               </a:rPr>
               <a:t>Last week</a:t>
             </a:r>
-            <a:endParaRPr lang="en-US" b="1" dirty="0">
-              <a:solidFill>
-                <a:schemeClr val="bg1"/>
-              </a:solidFill>
-            </a:endParaRPr>
           </a:p>
         </p:txBody>
       </p:sp>
@@ -6773,29 +6335,32 @@
           </a:bodyPr>
           <a:lstStyle/>
           <a:p>
-            <a:pPr marL="742950" indent="-742950">
-              <a:buFont typeface="+mj-lt"/>
-              <a:buAutoNum type="arabicPeriod"/>
-            </a:pPr>
-            <a:r>
-              <a:rPr lang="en-US" sz="4000" dirty="0" smtClean="0"/>
-              <a:t>Give a biological example of a conditional probability.</a:t>
-            </a:r>
-          </a:p>
-          <a:p>
-            <a:pPr marL="742950" indent="-742950">
-              <a:buFont typeface="+mj-lt"/>
-              <a:buAutoNum type="arabicPeriod"/>
-            </a:pPr>
+            <a:r>
+              <a:rPr lang="en-US" sz="4000" dirty="0"/>
+              <a:t>Homework: Filenames!!!</a:t>
+            </a:r>
+          </a:p>
+          <a:p>
+            <a:r>
+              <a:rPr lang="en-US" sz="4000" dirty="0" err="1">
+                <a:solidFill>
+                  <a:srgbClr val="FF0000"/>
+                </a:solidFill>
+              </a:rPr>
+              <a:t>lastname-hw.xxx</a:t>
+            </a:r>
+            <a:endParaRPr lang="en-US" sz="4000" dirty="0">
+              <a:solidFill>
+                <a:srgbClr val="FF0000"/>
+              </a:solidFill>
+            </a:endParaRPr>
+          </a:p>
+          <a:p>
             <a:endParaRPr lang="en-US" sz="4000" dirty="0"/>
           </a:p>
           <a:p>
-            <a:pPr marL="742950" indent="-742950">
-              <a:buFont typeface="+mj-lt"/>
-              <a:buAutoNum type="arabicPeriod"/>
-            </a:pPr>
-            <a:r>
-              <a:rPr lang="en-US" sz="4000" dirty="0" smtClean="0"/>
+            <a:r>
+              <a:rPr lang="en-US" sz="4000" dirty="0"/>
               <a:t>Describe a difference between a Bayesian and frequentist approach to statistics.</a:t>
             </a:r>
             <a:endParaRPr lang="en-US" sz="2800" dirty="0"/>
@@ -6812,13 +6377,6 @@
   <p:clrMapOvr>
     <a:masterClrMapping/>
   </p:clrMapOvr>
-  <p:timing>
-    <p:tnLst>
-      <p:par>
-        <p:cTn id="1" dur="indefinite" restart="never" nodeType="tmRoot"/>
-      </p:par>
-    </p:tnLst>
-  </p:timing>
 </p:sld>
 </file>
 
@@ -6912,14 +6470,9 @@
               <a:buChar char="•"/>
             </a:pPr>
             <a:r>
-              <a:rPr lang="en-US" sz="2800" dirty="0" smtClean="0"/>
-              <a:t>Epidemiological </a:t>
-            </a:r>
-            <a:r>
               <a:rPr lang="en-US" sz="2800" dirty="0"/>
-              <a:t>Studies </a:t>
-            </a:r>
-            <a:endParaRPr lang="en-US" sz="2800" dirty="0" smtClean="0"/>
+              <a:t>Epidemiological Studies </a:t>
+            </a:r>
           </a:p>
           <a:p>
             <a:pPr marL="457200" indent="-457200">
@@ -6931,7 +6484,7 @@
           <a:p>
             <a:pPr lvl="1"/>
             <a:r>
-              <a:rPr lang="en-US" sz="2800" dirty="0" smtClean="0"/>
+              <a:rPr lang="en-US" sz="2800" dirty="0"/>
               <a:t>Does </a:t>
             </a:r>
             <a:r>
@@ -6946,12 +6499,8 @@
           <a:p>
             <a:pPr lvl="2"/>
             <a:r>
-              <a:rPr lang="en-US" sz="2800" dirty="0" smtClean="0"/>
-              <a:t>Compare </a:t>
-            </a:r>
-            <a:r>
               <a:rPr lang="en-US" sz="2800" dirty="0"/>
-              <a:t>proportion of </a:t>
+              <a:t>Compare proportion of </a:t>
             </a:r>
             <a:r>
               <a:rPr lang="en-US" sz="2800" dirty="0" err="1"/>
@@ -6959,11 +6508,7 @@
             </a:r>
             <a:r>
               <a:rPr lang="en-US" sz="2800" dirty="0"/>
-              <a:t> infected people with Guillain-Barre to the proportion of uninfected people with </a:t>
-            </a:r>
-            <a:r>
-              <a:rPr lang="en-US" sz="2800" dirty="0" smtClean="0"/>
-              <a:t>Guillain-Barre</a:t>
+              <a:t> infected people with Guillain-Barre to the proportion of uninfected people with Guillain-Barre</a:t>
             </a:r>
           </a:p>
           <a:p>
@@ -6976,12 +6521,8 @@
           <a:p>
             <a:pPr lvl="1"/>
             <a:r>
-              <a:rPr lang="en-US" sz="2800" dirty="0" smtClean="0"/>
-              <a:t>Eating </a:t>
-            </a:r>
-            <a:r>
               <a:rPr lang="en-US" sz="2800" dirty="0"/>
-              <a:t>at Chipotle causes </a:t>
+              <a:t>Eating at Chipotle causes </a:t>
             </a:r>
             <a:r>
               <a:rPr lang="en-US" sz="2800" i="1" dirty="0"/>
@@ -6991,7 +6532,6 @@
               <a:rPr lang="en-US" sz="2800" dirty="0"/>
               <a:t>infections. </a:t>
             </a:r>
-            <a:endParaRPr lang="en-US" sz="2800" dirty="0" smtClean="0"/>
           </a:p>
           <a:p>
             <a:pPr lvl="1"/>
@@ -7000,7 +6540,7 @@
           <a:p>
             <a:pPr lvl="1"/>
             <a:r>
-              <a:rPr lang="en-US" sz="2800" dirty="0" smtClean="0"/>
+              <a:rPr lang="en-US" sz="2800" dirty="0"/>
               <a:t>Does </a:t>
             </a:r>
             <a:r>
@@ -7034,13 +6574,6 @@
   <p:clrMapOvr>
     <a:masterClrMapping/>
   </p:clrMapOvr>
-  <p:timing>
-    <p:tnLst>
-      <p:par>
-        <p:cTn id="1" dur="indefinite" restart="never" nodeType="tmRoot"/>
-      </p:par>
-    </p:tnLst>
-  </p:timing>
 </p:sld>
 </file>
 
@@ -7130,25 +6663,17 @@
           <a:lstStyle/>
           <a:p>
             <a:r>
-              <a:rPr lang="en-US" sz="2800" dirty="0" smtClean="0"/>
-              <a:t>An </a:t>
-            </a:r>
-            <a:r>
               <a:rPr lang="en-US" sz="2800" dirty="0"/>
-              <a:t>exact test to determine whether or not the observed proportion adheres to the expected proportion under the null hypothesis </a:t>
-            </a:r>
-          </a:p>
-          <a:p>
-            <a:endParaRPr lang="en-US" sz="2800" dirty="0" smtClean="0"/>
-          </a:p>
-          <a:p>
-            <a:r>
-              <a:rPr lang="en-US" sz="2800" dirty="0" smtClean="0"/>
-              <a:t>Some </a:t>
-            </a:r>
+              <a:t>An exact test to determine whether or not the observed proportion adheres to the expected proportion under the null hypothesis </a:t>
+            </a:r>
+          </a:p>
+          <a:p>
+            <a:endParaRPr lang="en-US" sz="2800" dirty="0"/>
+          </a:p>
+          <a:p>
             <a:r>
               <a:rPr lang="en-US" sz="2800" dirty="0"/>
-              <a:t>possible uses: </a:t>
+              <a:t>Some possible uses: </a:t>
             </a:r>
           </a:p>
           <a:p>
@@ -7157,12 +6682,8 @@
               <a:buChar char="•"/>
             </a:pPr>
             <a:r>
-              <a:rPr lang="en-US" sz="2800" dirty="0" smtClean="0"/>
-              <a:t>Are </a:t>
-            </a:r>
-            <a:r>
               <a:rPr lang="en-US" sz="2800" dirty="0"/>
-              <a:t>frogs equally likely to be right or left handed? </a:t>
+              <a:t>Are frogs equally likely to be right or left handed? </a:t>
             </a:r>
           </a:p>
           <a:p>
@@ -7171,12 +6692,8 @@
               <a:buChar char="•"/>
             </a:pPr>
             <a:r>
-              <a:rPr lang="en-US" sz="2800" dirty="0" smtClean="0"/>
-              <a:t>Is </a:t>
-            </a:r>
-            <a:r>
               <a:rPr lang="en-US" sz="2800" dirty="0"/>
-              <a:t>the sex ratio half male and half female? </a:t>
+              <a:t>Is the sex ratio half male and half female? </a:t>
             </a:r>
           </a:p>
           <a:p>
@@ -7185,14 +6702,9 @@
               <a:buChar char="•"/>
             </a:pPr>
             <a:r>
-              <a:rPr lang="en-US" sz="2800" dirty="0" smtClean="0"/>
-              <a:t>Are </a:t>
-            </a:r>
-            <a:r>
               <a:rPr lang="en-US" sz="2800" dirty="0"/>
-              <a:t>the offspring phenotypes a 3:1 ratio? </a:t>
-            </a:r>
-            <a:endParaRPr lang="en-US" sz="2800" dirty="0" smtClean="0"/>
+              <a:t>Are the offspring phenotypes a 3:1 ratio? </a:t>
+            </a:r>
           </a:p>
           <a:p>
             <a:pPr marL="914400" lvl="1" indent="-457200">
@@ -7200,10 +6712,9 @@
               <a:buChar char="•"/>
             </a:pPr>
             <a:r>
-              <a:rPr lang="en-US" sz="2800" dirty="0" smtClean="0"/>
+              <a:rPr lang="en-US" sz="2800" dirty="0"/>
               <a:t>Do some beetles win more fights?</a:t>
             </a:r>
-            <a:endParaRPr lang="en-US" sz="2800" dirty="0"/>
           </a:p>
           <a:p>
             <a:pPr lvl="1"/>
@@ -7228,13 +6739,6 @@
   <p:clrMapOvr>
     <a:masterClrMapping/>
   </p:clrMapOvr>
-  <p:timing>
-    <p:tnLst>
-      <p:par>
-        <p:cTn id="1" dur="indefinite" restart="never" nodeType="tmRoot"/>
-      </p:par>
-    </p:tnLst>
-  </p:timing>
 </p:sld>
 </file>
 
@@ -7311,7 +6815,7 @@
         <p:spPr>
           <a:xfrm>
             <a:off x="237995" y="1161821"/>
-            <a:ext cx="11786991" cy="3970318"/>
+            <a:ext cx="11786991" cy="4401205"/>
           </a:xfrm>
           <a:prstGeom prst="rect">
             <a:avLst/>
@@ -7324,50 +6828,34 @@
           <a:lstStyle/>
           <a:p>
             <a:r>
-              <a:rPr lang="en-US" sz="2800" dirty="0" smtClean="0"/>
-              <a:t>As </a:t>
-            </a:r>
-            <a:r>
               <a:rPr lang="en-US" sz="2800" dirty="0"/>
-              <a:t>in most statistical tests, a test statistic is compared to a distribution </a:t>
-            </a:r>
-          </a:p>
-          <a:p>
-            <a:endParaRPr lang="en-US" sz="2800" dirty="0" smtClean="0"/>
-          </a:p>
-          <a:p>
-            <a:r>
-              <a:rPr lang="en-US" sz="2800" dirty="0" smtClean="0"/>
-              <a:t>In </a:t>
-            </a:r>
+              <a:t>As in most statistical tests, a test statistic is compared to a distribution </a:t>
+            </a:r>
+          </a:p>
+          <a:p>
+            <a:endParaRPr lang="en-US" sz="2800" dirty="0"/>
+          </a:p>
+          <a:p>
+            <a:r>
+              <a:rPr lang="en-US" sz="2800" b="1" dirty="0">
+                <a:solidFill>
+                  <a:srgbClr val="FF0000"/>
+                </a:solidFill>
+              </a:rPr>
+              <a:t>In this case, the test statistic is just the observed number (number of right-handed toads, number of females in the population, number of fights won) </a:t>
+            </a:r>
+          </a:p>
+          <a:p>
+            <a:endParaRPr lang="en-US" sz="2800" b="1" dirty="0">
+              <a:solidFill>
+                <a:srgbClr val="FF0000"/>
+              </a:solidFill>
+            </a:endParaRPr>
+          </a:p>
+          <a:p>
             <a:r>
               <a:rPr lang="en-US" sz="2800" dirty="0"/>
-              <a:t>this case, the test statistic is just the observed number (number of right-handed toads, number of females in the </a:t>
-            </a:r>
-            <a:r>
-              <a:rPr lang="en-US" sz="2800" dirty="0" smtClean="0"/>
-              <a:t>population, number of fights won)</a:t>
-            </a:r>
-            <a:r>
-              <a:rPr lang="en-US" sz="2800" dirty="0"/>
-              <a:t> </a:t>
-            </a:r>
-          </a:p>
-          <a:p>
-            <a:endParaRPr lang="en-US" sz="2800" dirty="0" smtClean="0"/>
-          </a:p>
-          <a:p>
-            <a:r>
-              <a:rPr lang="en-US" sz="2800" dirty="0" smtClean="0"/>
-              <a:t>Note </a:t>
-            </a:r>
-            <a:r>
-              <a:rPr lang="en-US" sz="2800" dirty="0"/>
-              <a:t>that this test is only appropriate when there are two categories of </a:t>
-            </a:r>
-            <a:r>
-              <a:rPr lang="en-US" sz="2800" dirty="0" smtClean="0"/>
-              <a:t>individuals</a:t>
+              <a:t>Note that this test is only appropriate when there are two categories of individuals and your hypothesis allows you to provide a probability of the outcomes.</a:t>
             </a:r>
           </a:p>
           <a:p>
@@ -7389,13 +6877,6 @@
   <p:clrMapOvr>
     <a:masterClrMapping/>
   </p:clrMapOvr>
-  <p:timing>
-    <p:tnLst>
-      <p:par>
-        <p:cTn id="1" dur="indefinite" restart="never" nodeType="tmRoot"/>
-      </p:par>
-    </p:tnLst>
-  </p:timing>
 </p:sld>
 </file>
 
@@ -7485,7 +6966,7 @@
           <a:lstStyle/>
           <a:p>
             <a:r>
-              <a:rPr lang="en-US" sz="2800" dirty="0" smtClean="0"/>
+              <a:rPr lang="en-US" sz="2800" dirty="0"/>
               <a:t>With the binomial test our null hypothesis is the probability of one of the two outcomes.  This probability and the number of observations defines the distribution we will compare our observation to.</a:t>
             </a:r>
           </a:p>
@@ -7496,14 +6977,14 @@
             </a:endParaRPr>
           </a:p>
           <a:p>
-            <a:endParaRPr lang="en-US" sz="2800" dirty="0" smtClean="0">
+            <a:endParaRPr lang="en-US" sz="2800" dirty="0">
               <a:ea typeface="Cambria Math" charset="0"/>
               <a:cs typeface="Cambria Math" charset="0"/>
             </a:endParaRPr>
           </a:p>
           <a:p>
             <a:r>
-              <a:rPr lang="en-US" sz="2800" b="0" dirty="0" smtClean="0">
+              <a:rPr lang="en-US" sz="2800" b="0" dirty="0">
                 <a:ea typeface="Cambria Math" charset="0"/>
                 <a:cs typeface="Cambria Math" charset="0"/>
               </a:rPr>
@@ -7597,13 +7078,6 @@
   <p:clrMapOvr>
     <a:masterClrMapping/>
   </p:clrMapOvr>
-  <p:timing>
-    <p:tnLst>
-      <p:par>
-        <p:cTn id="1" dur="indefinite" restart="never" nodeType="tmRoot"/>
-      </p:par>
-    </p:tnLst>
-  </p:timing>
 </p:sld>
 </file>
 
@@ -7694,15 +7168,15 @@
           <a:lstStyle/>
           <a:p>
             <a:r>
-              <a:rPr lang="en-US" sz="2800" dirty="0" smtClean="0"/>
+              <a:rPr lang="en-US" sz="2800" dirty="0"/>
               <a:t>Lets look at an example with sex ratio.  You are hybridizing closely related species (with XY sex chromosomes) so you know Haldane’s rule states that the males might be more rare.  When you survey the offspring you find 23 males out of 65 offspring.  Does this result support Haldane’s rule </a:t>
             </a:r>
             <a:r>
-              <a:rPr lang="en-US" sz="2800" dirty="0" err="1" smtClean="0"/>
+              <a:rPr lang="en-US" sz="2800" dirty="0" err="1"/>
               <a:t>occuring</a:t>
             </a:r>
             <a:r>
-              <a:rPr lang="en-US" sz="2800" dirty="0" smtClean="0"/>
+              <a:rPr lang="en-US" sz="2800" dirty="0"/>
               <a:t> in your system?</a:t>
             </a:r>
           </a:p>
@@ -7750,13 +7224,6 @@
   <p:clrMapOvr>
     <a:masterClrMapping/>
   </p:clrMapOvr>
-  <p:timing>
-    <p:tnLst>
-      <p:par>
-        <p:cTn id="1" dur="indefinite" restart="never" nodeType="tmRoot"/>
-      </p:par>
-    </p:tnLst>
-  </p:timing>
 </p:sld>
 </file>
 
@@ -7847,15 +7314,15 @@
           <a:lstStyle/>
           <a:p>
             <a:r>
-              <a:rPr lang="en-US" sz="2800" dirty="0" smtClean="0"/>
+              <a:rPr lang="en-US" sz="2800" dirty="0"/>
               <a:t>Lets look at an example with sex ratio.  You are hybridizing closely related species (with XY sex chromosomes) so you know Haldane’s rule states that the males might be more rare.  When you survey the offspring you find 23 males out of 65 offspring.  Does this result support Haldane’s rule </a:t>
             </a:r>
             <a:r>
-              <a:rPr lang="en-US" sz="2800" dirty="0" err="1" smtClean="0"/>
+              <a:rPr lang="en-US" sz="2800" dirty="0" err="1"/>
               <a:t>occuring</a:t>
             </a:r>
             <a:r>
-              <a:rPr lang="en-US" sz="2800" dirty="0" smtClean="0"/>
+              <a:rPr lang="en-US" sz="2800" dirty="0"/>
               <a:t> in your system?</a:t>
             </a:r>
           </a:p>
@@ -7904,13 +7371,6 @@
   <p:clrMapOvr>
     <a:masterClrMapping/>
   </p:clrMapOvr>
-  <p:timing>
-    <p:tnLst>
-      <p:par>
-        <p:cTn id="1" dur="indefinite" restart="never" nodeType="tmRoot"/>
-      </p:par>
-    </p:tnLst>
-  </p:timing>
 </p:sld>
 </file>
 
@@ -8001,30 +7461,21 @@
           <a:lstStyle/>
           <a:p>
             <a:r>
-              <a:rPr lang="en-US" sz="2800" dirty="0" err="1" smtClean="0"/>
+              <a:rPr lang="en-US" sz="2800" dirty="0" err="1"/>
               <a:t>binom.test</a:t>
             </a:r>
             <a:r>
               <a:rPr lang="en-US" sz="2800" dirty="0"/>
-              <a:t> </a:t>
-            </a:r>
-            <a:r>
-              <a:rPr lang="en-US" sz="2800" dirty="0" smtClean="0"/>
-              <a:t>has an argument </a:t>
-            </a:r>
-            <a:r>
-              <a:rPr lang="en-US" sz="2800" dirty="0" smtClean="0">
+              <a:t> has an argument </a:t>
+            </a:r>
+            <a:r>
+              <a:rPr lang="en-US" sz="2800" dirty="0">
                 <a:latin typeface="Andale Mono" charset="0"/>
                 <a:ea typeface="Andale Mono" charset="0"/>
                 <a:cs typeface="Andale Mono" charset="0"/>
               </a:rPr>
               <a:t>alternative</a:t>
             </a:r>
-            <a:endParaRPr lang="en-US" sz="2800" dirty="0">
-              <a:latin typeface="Andale Mono" charset="0"/>
-              <a:ea typeface="Andale Mono" charset="0"/>
-              <a:cs typeface="Andale Mono" charset="0"/>
-            </a:endParaRPr>
           </a:p>
         </p:txBody>
       </p:sp>
@@ -8098,13 +7549,6 @@
   <p:clrMapOvr>
     <a:masterClrMapping/>
   </p:clrMapOvr>
-  <p:timing>
-    <p:tnLst>
-      <p:par>
-        <p:cTn id="1" dur="indefinite" restart="never" nodeType="tmRoot"/>
-      </p:par>
-    </p:tnLst>
-  </p:timing>
 </p:sld>
 </file>
 
@@ -8195,21 +7639,21 @@
           <a:lstStyle/>
           <a:p>
             <a:r>
-              <a:rPr lang="en-US" sz="2800" b="1" dirty="0" smtClean="0"/>
+              <a:rPr lang="en-US" sz="2800" b="1" dirty="0"/>
               <a:t>Alternative = </a:t>
             </a:r>
             <a:r>
-              <a:rPr lang="en-US" sz="2800" b="1" dirty="0" err="1" smtClean="0"/>
+              <a:rPr lang="en-US" sz="2800" b="1" dirty="0" err="1"/>
               <a:t>two.sided</a:t>
             </a:r>
-            <a:endParaRPr lang="en-US" sz="2800" b="1" dirty="0" smtClean="0"/>
-          </a:p>
-          <a:p>
-            <a:endParaRPr lang="en-US" sz="2800" b="1" dirty="0" smtClean="0"/>
-          </a:p>
-          <a:p>
-            <a:r>
-              <a:rPr lang="en-US" sz="2800" dirty="0" smtClean="0"/>
+            <a:endParaRPr lang="en-US" sz="2800" b="1" dirty="0"/>
+          </a:p>
+          <a:p>
+            <a:endParaRPr lang="en-US" sz="2800" b="1" dirty="0"/>
+          </a:p>
+          <a:p>
+            <a:r>
+              <a:rPr lang="en-US" sz="2800" dirty="0"/>
               <a:t>What is the probability that I would see a skew in the sex ratio this great or greater.  </a:t>
             </a:r>
           </a:p>
@@ -8218,10 +7662,9 @@
           </a:p>
           <a:p>
             <a:r>
-              <a:rPr lang="en-US" sz="2800" dirty="0" smtClean="0"/>
+              <a:rPr lang="en-US" sz="2800" dirty="0"/>
               <a:t>In this case our observed number of males was -1.2 standard deviations from the mean.  So our p-value is the area under the curves above 1.2SD and below -1.2SD.</a:t>
             </a:r>
-            <a:endParaRPr lang="en-US" sz="2800" dirty="0"/>
           </a:p>
         </p:txBody>
       </p:sp>
@@ -8278,10 +7721,9 @@
           <a:lstStyle/>
           <a:p>
             <a:r>
-              <a:rPr lang="en-US" dirty="0" smtClean="0"/>
+              <a:rPr lang="en-US" dirty="0"/>
               <a:t>-1.2 SD</a:t>
             </a:r>
-            <a:endParaRPr lang="en-US" dirty="0"/>
           </a:p>
         </p:txBody>
       </p:sp>
@@ -8308,10 +7750,9 @@
           <a:lstStyle/>
           <a:p>
             <a:r>
-              <a:rPr lang="en-US" smtClean="0"/>
+              <a:rPr lang="en-US"/>
               <a:t>1.2 SD</a:t>
             </a:r>
-            <a:endParaRPr lang="en-US"/>
           </a:p>
         </p:txBody>
       </p:sp>
@@ -8395,13 +7836,6 @@
   <p:clrMapOvr>
     <a:masterClrMapping/>
   </p:clrMapOvr>
-  <p:timing>
-    <p:tnLst>
-      <p:par>
-        <p:cTn id="1" dur="indefinite" restart="never" nodeType="tmRoot"/>
-      </p:par>
-    </p:tnLst>
-  </p:timing>
 </p:sld>
 </file>
 
@@ -8522,16 +7956,16 @@
           <a:lstStyle/>
           <a:p>
             <a:r>
-              <a:rPr lang="en-US" sz="2800" b="1" dirty="0" smtClean="0"/>
+              <a:rPr lang="en-US" sz="2800" b="1" dirty="0"/>
               <a:t>Alternative = greater</a:t>
             </a:r>
           </a:p>
           <a:p>
-            <a:endParaRPr lang="en-US" sz="2800" b="1" dirty="0" smtClean="0"/>
-          </a:p>
-          <a:p>
-            <a:r>
-              <a:rPr lang="en-US" sz="2800" dirty="0" smtClean="0"/>
+            <a:endParaRPr lang="en-US" sz="2800" b="1" dirty="0"/>
+          </a:p>
+          <a:p>
+            <a:r>
+              <a:rPr lang="en-US" sz="2800" dirty="0"/>
               <a:t>What is the probability that I would see a larger number of males.  </a:t>
             </a:r>
           </a:p>
@@ -8540,10 +7974,9 @@
           </a:p>
           <a:p>
             <a:r>
-              <a:rPr lang="en-US" sz="2800" dirty="0" smtClean="0"/>
+              <a:rPr lang="en-US" sz="2800" dirty="0"/>
               <a:t>In this case our observed number of males was -1.2 standard deviations from the mean.  So our p-value is the area under the curves above -1.2SD.</a:t>
             </a:r>
-            <a:endParaRPr lang="en-US" sz="2800" dirty="0"/>
           </a:p>
         </p:txBody>
       </p:sp>
@@ -8570,10 +8003,9 @@
           <a:lstStyle/>
           <a:p>
             <a:r>
-              <a:rPr lang="en-US" dirty="0" smtClean="0"/>
+              <a:rPr lang="en-US" dirty="0"/>
               <a:t>-1.2 SD</a:t>
             </a:r>
-            <a:endParaRPr lang="en-US" dirty="0"/>
           </a:p>
         </p:txBody>
       </p:sp>
@@ -8622,13 +8054,6 @@
   <p:clrMapOvr>
     <a:masterClrMapping/>
   </p:clrMapOvr>
-  <p:timing>
-    <p:tnLst>
-      <p:par>
-        <p:cTn id="1" dur="indefinite" restart="never" nodeType="tmRoot"/>
-      </p:par>
-    </p:tnLst>
-  </p:timing>
 </p:sld>
 </file>
 
@@ -8749,16 +8174,16 @@
           <a:lstStyle/>
           <a:p>
             <a:r>
-              <a:rPr lang="en-US" sz="2800" b="1" dirty="0" smtClean="0"/>
+              <a:rPr lang="en-US" sz="2800" b="1" dirty="0"/>
               <a:t>Alternative = less</a:t>
             </a:r>
           </a:p>
           <a:p>
-            <a:endParaRPr lang="en-US" sz="2800" b="1" dirty="0" smtClean="0"/>
-          </a:p>
-          <a:p>
-            <a:r>
-              <a:rPr lang="en-US" sz="2800" dirty="0" smtClean="0"/>
+            <a:endParaRPr lang="en-US" sz="2800" b="1" dirty="0"/>
+          </a:p>
+          <a:p>
+            <a:r>
+              <a:rPr lang="en-US" sz="2800" dirty="0"/>
               <a:t>What is the probability that I would see this many or fewer males.  </a:t>
             </a:r>
           </a:p>
@@ -8767,10 +8192,9 @@
           </a:p>
           <a:p>
             <a:r>
-              <a:rPr lang="en-US" sz="2800" dirty="0" smtClean="0"/>
+              <a:rPr lang="en-US" sz="2800" dirty="0"/>
               <a:t>In this case our observed number of males was -1.2 standard deviations from the mean.  So our p-value is the area under the curves below -1.2SD.</a:t>
             </a:r>
-            <a:endParaRPr lang="en-US" sz="2800" dirty="0"/>
           </a:p>
         </p:txBody>
       </p:sp>
@@ -8797,10 +8221,9 @@
           <a:lstStyle/>
           <a:p>
             <a:r>
-              <a:rPr lang="en-US" dirty="0" smtClean="0"/>
+              <a:rPr lang="en-US" dirty="0"/>
               <a:t>-1.2 SD</a:t>
             </a:r>
-            <a:endParaRPr lang="en-US" dirty="0"/>
           </a:p>
         </p:txBody>
       </p:sp>
@@ -8849,13 +8272,6 @@
   <p:clrMapOvr>
     <a:masterClrMapping/>
   </p:clrMapOvr>
-  <p:timing>
-    <p:tnLst>
-      <p:par>
-        <p:cTn id="1" dur="indefinite" restart="never" nodeType="tmRoot"/>
-      </p:par>
-    </p:tnLst>
-  </p:timing>
 </p:sld>
 </file>
 
@@ -8911,18 +8327,13 @@
           <a:p>
             <a:pPr algn="ctr"/>
             <a:r>
-              <a:rPr lang="en-US" b="1" dirty="0" smtClean="0">
+              <a:rPr lang="en-US" b="1" dirty="0">
                 <a:solidFill>
                   <a:schemeClr val="bg1"/>
                 </a:solidFill>
               </a:rPr>
               <a:t>Today</a:t>
             </a:r>
-            <a:endParaRPr lang="en-US" b="1" dirty="0">
-              <a:solidFill>
-                <a:schemeClr val="bg1"/>
-              </a:solidFill>
-            </a:endParaRPr>
           </a:p>
         </p:txBody>
       </p:sp>
@@ -8954,7 +8365,7 @@
                   <a:buAutoNum type="arabicPeriod"/>
                 </a:pPr>
                 <a:r>
-                  <a:rPr lang="en-US" sz="4000" dirty="0" smtClean="0"/>
+                  <a:rPr lang="en-US" sz="4000" dirty="0"/>
                   <a:t>General experimental considerations</a:t>
                 </a:r>
               </a:p>
@@ -8963,7 +8374,7 @@
                   <a:buFont typeface="+mj-lt"/>
                   <a:buAutoNum type="arabicPeriod"/>
                 </a:pPr>
-                <a:endParaRPr lang="en-US" sz="4000" dirty="0" smtClean="0"/>
+                <a:endParaRPr lang="en-US" sz="4000" dirty="0"/>
               </a:p>
               <a:p>
                 <a:pPr marL="742950" indent="-742950">
@@ -8971,7 +8382,7 @@
                   <a:buAutoNum type="arabicPeriod"/>
                 </a:pPr>
                 <a:r>
-                  <a:rPr lang="en-US" sz="4000" dirty="0" smtClean="0"/>
+                  <a:rPr lang="en-US" sz="4000" dirty="0"/>
                   <a:t>Binomial test</a:t>
                 </a:r>
               </a:p>
@@ -8993,7 +8404,7 @@
                       <m:sSupPr>
                         <m:ctrlPr>
                           <a:rPr lang="en-US" sz="4000" i="1" smtClean="0">
-                            <a:latin typeface="Cambria Math" charset="0"/>
+                            <a:latin typeface="Cambria Math" panose="02040503050406030204" pitchFamily="18" charset="0"/>
                           </a:rPr>
                         </m:ctrlPr>
                       </m:sSupPr>
@@ -9022,7 +8433,7 @@
                   </m:oMath>
                 </a14:m>
                 <a:r>
-                  <a:rPr lang="en-US" sz="4000" dirty="0" smtClean="0"/>
+                  <a:rPr lang="en-US" sz="4000" dirty="0"/>
                   <a:t>  Test</a:t>
                 </a:r>
               </a:p>
@@ -9078,13 +8489,6 @@
   <p:clrMapOvr>
     <a:masterClrMapping/>
   </p:clrMapOvr>
-  <p:timing>
-    <p:tnLst>
-      <p:par>
-        <p:cTn id="1" dur="indefinite" restart="never" nodeType="tmRoot"/>
-      </p:par>
-    </p:tnLst>
-  </p:timing>
 </p:sld>
 </file>
 
@@ -9175,28 +8579,8 @@
           <a:lstStyle/>
           <a:p>
             <a:r>
-              <a:rPr lang="en-US" sz="2800" dirty="0" smtClean="0"/>
-              <a:t>This </a:t>
-            </a:r>
-            <a:r>
               <a:rPr lang="en-US" sz="2800" dirty="0"/>
-              <a:t>populations shows a significant departure from a 1:1 sex ratio (</a:t>
-            </a:r>
-            <a:r>
-              <a:rPr lang="en-US" sz="2800" dirty="0" smtClean="0"/>
-              <a:t>0.35, </a:t>
-            </a:r>
-            <a:r>
-              <a:rPr lang="en-US" sz="2800" dirty="0"/>
-              <a:t>95% CI: </a:t>
-            </a:r>
-            <a:r>
-              <a:rPr lang="en-US" sz="2800" dirty="0" smtClean="0"/>
-              <a:t>0.24-0.48, </a:t>
-            </a:r>
-            <a:r>
-              <a:rPr lang="en-US" sz="2800" dirty="0"/>
-              <a:t>binomial test, </a:t>
+              <a:t>This populations shows a significant departure from a 1:1 sex ratio (0.35, 95% CI: 0.24-0.48, binomial test, </a:t>
             </a:r>
             <a:r>
               <a:rPr lang="en-US" sz="2800" i="1" dirty="0"/>
@@ -9204,11 +8588,7 @@
             </a:r>
             <a:r>
               <a:rPr lang="en-US" sz="2800" dirty="0"/>
-              <a:t>= </a:t>
-            </a:r>
-            <a:r>
-              <a:rPr lang="en-US" sz="2800" dirty="0" smtClean="0"/>
-              <a:t>65, </a:t>
+              <a:t>= 65, </a:t>
             </a:r>
             <a:r>
               <a:rPr lang="en-US" sz="2800" i="1" dirty="0"/>
@@ -9216,28 +8596,16 @@
             </a:r>
             <a:r>
               <a:rPr lang="en-US" sz="2800" dirty="0"/>
-              <a:t>&lt; </a:t>
-            </a:r>
-            <a:r>
-              <a:rPr lang="en-US" sz="2800" dirty="0" smtClean="0"/>
-              <a:t>0.025).</a:t>
-            </a:r>
+              <a:t>&lt; 0.025). </a:t>
+            </a:r>
+          </a:p>
+          <a:p>
+            <a:endParaRPr lang="en-US" sz="2800" dirty="0"/>
+          </a:p>
+          <a:p>
             <a:r>
               <a:rPr lang="en-US" sz="2800" dirty="0"/>
-              <a:t> </a:t>
-            </a:r>
-          </a:p>
-          <a:p>
-            <a:endParaRPr lang="en-US" sz="2800" dirty="0" smtClean="0"/>
-          </a:p>
-          <a:p>
-            <a:r>
-              <a:rPr lang="en-US" sz="2800" dirty="0" smtClean="0"/>
-              <a:t>For </a:t>
-            </a:r>
-            <a:r>
-              <a:rPr lang="en-US" sz="2800" dirty="0"/>
-              <a:t>very small </a:t>
+              <a:t>For very small </a:t>
             </a:r>
             <a:r>
               <a:rPr lang="en-US" sz="2800" i="1" dirty="0"/>
@@ -9255,40 +8623,31 @@
               <a:rPr lang="en-US" sz="2800" dirty="0"/>
               <a:t>is very small (&lt; 0.001 or &lt; 0.0001). </a:t>
             </a:r>
-            <a:endParaRPr lang="en-US" sz="2800" dirty="0" smtClean="0"/>
           </a:p>
           <a:p>
             <a:endParaRPr lang="en-US" sz="2800" dirty="0"/>
           </a:p>
           <a:p>
             <a:r>
-              <a:rPr lang="en-US" sz="2800" dirty="0" smtClean="0"/>
+              <a:rPr lang="en-US" sz="2800" dirty="0"/>
               <a:t>Most journals/</a:t>
             </a:r>
             <a:r>
-              <a:rPr lang="en-US" sz="2800" dirty="0" err="1" smtClean="0"/>
+              <a:rPr lang="en-US" sz="2800" dirty="0" err="1"/>
               <a:t>subdisciplines</a:t>
             </a:r>
             <a:r>
-              <a:rPr lang="en-US" sz="2800" dirty="0" smtClean="0"/>
-              <a:t> will have conventions about how certain tests are presented.</a:t>
-            </a:r>
-            <a:r>
               <a:rPr lang="en-US" sz="2800" dirty="0"/>
-              <a:t> </a:t>
-            </a:r>
-          </a:p>
-          <a:p>
-            <a:endParaRPr lang="en-US" sz="2800" dirty="0" smtClean="0"/>
-          </a:p>
-          <a:p>
-            <a:r>
-              <a:rPr lang="en-US" sz="2800" dirty="0" smtClean="0"/>
-              <a:t>Most journals italicize mathematical </a:t>
-            </a:r>
+              <a:t> will have conventions about how certain tests are presented. </a:t>
+            </a:r>
+          </a:p>
+          <a:p>
+            <a:endParaRPr lang="en-US" sz="2800" dirty="0"/>
+          </a:p>
+          <a:p>
             <a:r>
               <a:rPr lang="en-US" sz="2800" dirty="0"/>
-              <a:t>variables, so </a:t>
+              <a:t>Most journals italicize mathematical variables, so </a:t>
             </a:r>
             <a:r>
               <a:rPr lang="en-US" sz="2800" i="1" dirty="0"/>
@@ -9319,13 +8678,6 @@
   <p:clrMapOvr>
     <a:masterClrMapping/>
   </p:clrMapOvr>
-  <p:timing>
-    <p:tnLst>
-      <p:par>
-        <p:cTn id="1" dur="indefinite" restart="never" nodeType="tmRoot"/>
-      </p:par>
-    </p:tnLst>
-  </p:timing>
 </p:sld>
 </file>
 
@@ -9393,7 +8745,7 @@
                             <a:solidFill>
                               <a:schemeClr val="bg1"/>
                             </a:solidFill>
-                            <a:latin typeface="Cambria Math" charset="0"/>
+                            <a:latin typeface="Cambria Math" panose="02040503050406030204" pitchFamily="18" charset="0"/>
                           </a:rPr>
                         </m:ctrlPr>
                       </m:sSupPr>
@@ -9433,21 +8785,8 @@
                       <a:schemeClr val="bg1"/>
                     </a:solidFill>
                   </a:rPr>
-                  <a:t> </a:t>
+                  <a:t>  Test</a:t>
                 </a:r>
-                <a:r>
-                  <a:rPr lang="en-US" b="1" dirty="0" smtClean="0">
-                    <a:solidFill>
-                      <a:schemeClr val="bg1"/>
-                    </a:solidFill>
-                  </a:rPr>
-                  <a:t> Test</a:t>
-                </a:r>
-                <a:endParaRPr lang="en-US" b="1" dirty="0">
-                  <a:solidFill>
-                    <a:schemeClr val="bg1"/>
-                  </a:solidFill>
-                </a:endParaRPr>
               </a:p>
             </p:txBody>
           </p:sp>
@@ -9513,50 +8852,39 @@
           <a:lstStyle/>
           <a:p>
             <a:r>
-              <a:rPr lang="en-US" sz="2800" dirty="0" smtClean="0"/>
-              <a:t>This </a:t>
-            </a:r>
-            <a:r>
               <a:rPr lang="en-US" sz="2800" dirty="0"/>
-              <a:t>test compares the observed number in each category to expectations based on the null hypothesis (if there are only two categories, it approximates the binomial test) </a:t>
-            </a:r>
-            <a:endParaRPr lang="en-US" sz="2800" dirty="0" smtClean="0"/>
-          </a:p>
-          <a:p>
-            <a:endParaRPr lang="en-US" sz="2800" dirty="0" smtClean="0"/>
-          </a:p>
-          <a:p>
-            <a:r>
-              <a:rPr lang="en-US" sz="2800" dirty="0" smtClean="0"/>
-              <a:t>It </a:t>
-            </a:r>
+              <a:t>This test compares the observed number in each category to expectations based on the null hypothesis (if there are only two categories, it approximates the binomial test with probability of 50%) </a:t>
+            </a:r>
+          </a:p>
+          <a:p>
+            <a:endParaRPr lang="en-US" sz="2800" dirty="0"/>
+          </a:p>
+          <a:p>
             <a:r>
               <a:rPr lang="en-US" sz="2800" dirty="0"/>
-              <a:t>can also be used to test for independence of two variables, and then it is called a contingency χ2-test. </a:t>
-            </a:r>
-            <a:endParaRPr lang="en-US" sz="2800" dirty="0" smtClean="0"/>
+              <a:t>It can also be used to test for independence of two variables, and then it is called a contingency χ2-test. </a:t>
+            </a:r>
           </a:p>
           <a:p>
             <a:endParaRPr lang="en-US" sz="2800" dirty="0"/>
           </a:p>
           <a:p>
             <a:r>
-              <a:rPr lang="en-US" sz="2800" dirty="0" smtClean="0"/>
+              <a:rPr lang="en-US" sz="2800" dirty="0"/>
               <a:t>We will use data from the Titanic and </a:t>
             </a:r>
           </a:p>
           <a:p>
             <a:r>
-              <a:rPr lang="en-US" sz="2800" dirty="0" smtClean="0"/>
+              <a:rPr lang="en-US" sz="2800" dirty="0"/>
               <a:t>see if some females were more likely to </a:t>
             </a:r>
           </a:p>
           <a:p>
             <a:r>
-              <a:rPr lang="en-US" sz="2800" dirty="0" smtClean="0"/>
+              <a:rPr lang="en-US" sz="2800" dirty="0"/>
               <a:t>survive than others.</a:t>
             </a:r>
-            <a:endParaRPr lang="en-US" sz="2800" dirty="0"/>
           </a:p>
         </p:txBody>
       </p:sp>
@@ -9585,9 +8913,27 @@
                 <a:tableStyleId>{5C22544A-7EE6-4342-B048-85BDC9FD1C3A}</a:tableStyleId>
               </a:tblPr>
               <a:tblGrid>
-                <a:gridCol w="1680923"/>
-                <a:gridCol w="1680923"/>
-                <a:gridCol w="1680923"/>
+                <a:gridCol w="1680923">
+                  <a:extLst>
+                    <a:ext uri="{9D8B030D-6E8A-4147-A177-3AD203B41FA5}">
+                      <a16:colId xmlns:a16="http://schemas.microsoft.com/office/drawing/2014/main" val="20000"/>
+                    </a:ext>
+                  </a:extLst>
+                </a:gridCol>
+                <a:gridCol w="1680923">
+                  <a:extLst>
+                    <a:ext uri="{9D8B030D-6E8A-4147-A177-3AD203B41FA5}">
+                      <a16:colId xmlns:a16="http://schemas.microsoft.com/office/drawing/2014/main" val="20001"/>
+                    </a:ext>
+                  </a:extLst>
+                </a:gridCol>
+                <a:gridCol w="1680923">
+                  <a:extLst>
+                    <a:ext uri="{9D8B030D-6E8A-4147-A177-3AD203B41FA5}">
+                      <a16:colId xmlns:a16="http://schemas.microsoft.com/office/drawing/2014/main" val="20002"/>
+                    </a:ext>
+                  </a:extLst>
+                </a:gridCol>
               </a:tblGrid>
               <a:tr h="464829">
                 <a:tc gridSpan="3">
@@ -9597,13 +8943,22 @@
                     <a:p>
                       <a:pPr algn="ctr"/>
                       <a:r>
-                        <a:rPr lang="en-US" dirty="0" smtClean="0"/>
+                        <a:rPr lang="en-US" dirty="0"/>
                         <a:t>Female adults on the Titanic</a:t>
                       </a:r>
+                    </a:p>
+                  </a:txBody>
+                  <a:tcPr anchor="ctr"/>
+                </a:tc>
+                <a:tc hMerge="1">
+                  <a:txBody>
+                    <a:bodyPr/>
+                    <a:lstStyle/>
+                    <a:p>
                       <a:endParaRPr lang="en-US" dirty="0"/>
                     </a:p>
                   </a:txBody>
-                  <a:tcPr anchor="ctr"/>
+                  <a:tcPr/>
                 </a:tc>
                 <a:tc hMerge="1">
                   <a:txBody>
@@ -9615,16 +8970,11 @@
                   </a:txBody>
                   <a:tcPr/>
                 </a:tc>
-                <a:tc hMerge="1">
-                  <a:txBody>
-                    <a:bodyPr/>
-                    <a:lstStyle/>
-                    <a:p>
-                      <a:endParaRPr lang="en-US" dirty="0"/>
-                    </a:p>
-                  </a:txBody>
-                  <a:tcPr/>
-                </a:tc>
+                <a:extLst>
+                  <a:ext uri="{0D108BD9-81ED-4DB2-BD59-A6C34878D82A}">
+                    <a16:rowId xmlns:a16="http://schemas.microsoft.com/office/drawing/2014/main" val="10000"/>
+                  </a:ext>
+                </a:extLst>
               </a:tr>
               <a:tr h="438411">
                 <a:tc>
@@ -9645,10 +8995,9 @@
                     <a:p>
                       <a:pPr algn="ctr"/>
                       <a:r>
-                        <a:rPr lang="en-US" dirty="0" smtClean="0"/>
+                        <a:rPr lang="en-US" dirty="0"/>
                         <a:t>Survived</a:t>
                       </a:r>
-                      <a:endParaRPr lang="en-US" dirty="0"/>
                     </a:p>
                   </a:txBody>
                   <a:tcPr anchor="ctr"/>
@@ -9660,14 +9009,18 @@
                     <a:p>
                       <a:pPr algn="ctr"/>
                       <a:r>
-                        <a:rPr lang="en-US" dirty="0" smtClean="0"/>
+                        <a:rPr lang="en-US" dirty="0"/>
                         <a:t>Died</a:t>
                       </a:r>
-                      <a:endParaRPr lang="en-US" dirty="0"/>
                     </a:p>
                   </a:txBody>
                   <a:tcPr anchor="ctr"/>
                 </a:tc>
+                <a:extLst>
+                  <a:ext uri="{0D108BD9-81ED-4DB2-BD59-A6C34878D82A}">
+                    <a16:rowId xmlns:a16="http://schemas.microsoft.com/office/drawing/2014/main" val="10001"/>
+                  </a:ext>
+                </a:extLst>
               </a:tr>
               <a:tr h="438410">
                 <a:tc>
@@ -9677,10 +9030,9 @@
                     <a:p>
                       <a:pPr algn="ctr"/>
                       <a:r>
-                        <a:rPr lang="en-US" dirty="0" smtClean="0"/>
+                        <a:rPr lang="en-US" dirty="0"/>
                         <a:t>1st</a:t>
                       </a:r>
-                      <a:endParaRPr lang="en-US" dirty="0"/>
                     </a:p>
                   </a:txBody>
                   <a:tcPr anchor="ctr"/>
@@ -9692,10 +9044,9 @@
                     <a:p>
                       <a:pPr algn="ctr"/>
                       <a:r>
-                        <a:rPr lang="en-US" dirty="0" smtClean="0"/>
+                        <a:rPr lang="en-US" dirty="0"/>
                         <a:t>140</a:t>
                       </a:r>
-                      <a:endParaRPr lang="en-US" dirty="0"/>
                     </a:p>
                   </a:txBody>
                   <a:tcPr anchor="ctr"/>
@@ -9707,14 +9058,18 @@
                     <a:p>
                       <a:pPr algn="ctr"/>
                       <a:r>
-                        <a:rPr lang="en-US" dirty="0" smtClean="0"/>
+                        <a:rPr lang="en-US" dirty="0"/>
                         <a:t>4</a:t>
                       </a:r>
-                      <a:endParaRPr lang="en-US" dirty="0"/>
                     </a:p>
                   </a:txBody>
                   <a:tcPr anchor="ctr"/>
                 </a:tc>
+                <a:extLst>
+                  <a:ext uri="{0D108BD9-81ED-4DB2-BD59-A6C34878D82A}">
+                    <a16:rowId xmlns:a16="http://schemas.microsoft.com/office/drawing/2014/main" val="10002"/>
+                  </a:ext>
+                </a:extLst>
               </a:tr>
               <a:tr h="400833">
                 <a:tc>
@@ -9724,10 +9079,9 @@
                     <a:p>
                       <a:pPr algn="ctr"/>
                       <a:r>
-                        <a:rPr lang="en-US" dirty="0" smtClean="0"/>
+                        <a:rPr lang="en-US" dirty="0"/>
                         <a:t>2nd</a:t>
                       </a:r>
-                      <a:endParaRPr lang="en-US" dirty="0"/>
                     </a:p>
                   </a:txBody>
                   <a:tcPr anchor="ctr"/>
@@ -9739,10 +9093,9 @@
                     <a:p>
                       <a:pPr algn="ctr"/>
                       <a:r>
-                        <a:rPr lang="en-US" dirty="0" smtClean="0"/>
+                        <a:rPr lang="en-US" dirty="0"/>
                         <a:t>80</a:t>
                       </a:r>
-                      <a:endParaRPr lang="en-US" dirty="0"/>
                     </a:p>
                   </a:txBody>
                   <a:tcPr anchor="ctr"/>
@@ -9754,14 +9107,18 @@
                     <a:p>
                       <a:pPr algn="ctr"/>
                       <a:r>
-                        <a:rPr lang="en-US" dirty="0" smtClean="0"/>
+                        <a:rPr lang="en-US" dirty="0"/>
                         <a:t>13</a:t>
                       </a:r>
-                      <a:endParaRPr lang="en-US" dirty="0"/>
                     </a:p>
                   </a:txBody>
                   <a:tcPr anchor="ctr"/>
                 </a:tc>
+                <a:extLst>
+                  <a:ext uri="{0D108BD9-81ED-4DB2-BD59-A6C34878D82A}">
+                    <a16:rowId xmlns:a16="http://schemas.microsoft.com/office/drawing/2014/main" val="10003"/>
+                  </a:ext>
+                </a:extLst>
               </a:tr>
               <a:tr h="400833">
                 <a:tc>
@@ -9771,10 +9128,9 @@
                     <a:p>
                       <a:pPr algn="ctr"/>
                       <a:r>
-                        <a:rPr lang="en-US" dirty="0" smtClean="0"/>
+                        <a:rPr lang="en-US" dirty="0"/>
                         <a:t>3rd</a:t>
                       </a:r>
-                      <a:endParaRPr lang="en-US" dirty="0"/>
                     </a:p>
                   </a:txBody>
                   <a:tcPr anchor="ctr"/>
@@ -9786,10 +9142,9 @@
                     <a:p>
                       <a:pPr algn="ctr"/>
                       <a:r>
-                        <a:rPr lang="en-US" dirty="0" smtClean="0"/>
+                        <a:rPr lang="en-US" dirty="0"/>
                         <a:t>76</a:t>
                       </a:r>
-                      <a:endParaRPr lang="en-US" dirty="0"/>
                     </a:p>
                   </a:txBody>
                   <a:tcPr anchor="ctr"/>
@@ -9801,14 +9156,18 @@
                     <a:p>
                       <a:pPr algn="ctr"/>
                       <a:r>
-                        <a:rPr lang="en-US" dirty="0" smtClean="0"/>
+                        <a:rPr lang="en-US" dirty="0"/>
                         <a:t>89</a:t>
                       </a:r>
-                      <a:endParaRPr lang="en-US" dirty="0"/>
                     </a:p>
                   </a:txBody>
                   <a:tcPr anchor="ctr"/>
                 </a:tc>
+                <a:extLst>
+                  <a:ext uri="{0D108BD9-81ED-4DB2-BD59-A6C34878D82A}">
+                    <a16:rowId xmlns:a16="http://schemas.microsoft.com/office/drawing/2014/main" val="10004"/>
+                  </a:ext>
+                </a:extLst>
               </a:tr>
               <a:tr h="425885">
                 <a:tc>
@@ -9818,10 +9177,9 @@
                     <a:p>
                       <a:pPr algn="ctr"/>
                       <a:r>
-                        <a:rPr lang="en-US" dirty="0" smtClean="0"/>
+                        <a:rPr lang="en-US" dirty="0"/>
                         <a:t>Crew</a:t>
                       </a:r>
-                      <a:endParaRPr lang="en-US" dirty="0"/>
                     </a:p>
                   </a:txBody>
                   <a:tcPr anchor="ctr"/>
@@ -9833,10 +9191,9 @@
                     <a:p>
                       <a:pPr algn="ctr"/>
                       <a:r>
-                        <a:rPr lang="en-US" dirty="0" smtClean="0"/>
+                        <a:rPr lang="en-US" dirty="0"/>
                         <a:t>20</a:t>
                       </a:r>
-                      <a:endParaRPr lang="en-US" dirty="0"/>
                     </a:p>
                   </a:txBody>
                   <a:tcPr anchor="ctr"/>
@@ -9848,14 +9205,18 @@
                     <a:p>
                       <a:pPr algn="ctr"/>
                       <a:r>
-                        <a:rPr lang="en-US" dirty="0" smtClean="0"/>
+                        <a:rPr lang="en-US" dirty="0"/>
                         <a:t>3</a:t>
                       </a:r>
-                      <a:endParaRPr lang="en-US" dirty="0"/>
                     </a:p>
                   </a:txBody>
                   <a:tcPr anchor="ctr"/>
                 </a:tc>
+                <a:extLst>
+                  <a:ext uri="{0D108BD9-81ED-4DB2-BD59-A6C34878D82A}">
+                    <a16:rowId xmlns:a16="http://schemas.microsoft.com/office/drawing/2014/main" val="10005"/>
+                  </a:ext>
+                </a:extLst>
               </a:tr>
             </a:tbl>
           </a:graphicData>
@@ -10155,7 +9516,7 @@
                             <a:solidFill>
                               <a:schemeClr val="bg1"/>
                             </a:solidFill>
-                            <a:latin typeface="Cambria Math" charset="0"/>
+                            <a:latin typeface="Cambria Math" panose="02040503050406030204" pitchFamily="18" charset="0"/>
                           </a:rPr>
                         </m:ctrlPr>
                       </m:sSupPr>
@@ -10195,21 +9556,8 @@
                       <a:schemeClr val="bg1"/>
                     </a:solidFill>
                   </a:rPr>
-                  <a:t> </a:t>
+                  <a:t>  Test</a:t>
                 </a:r>
-                <a:r>
-                  <a:rPr lang="en-US" b="1" dirty="0" smtClean="0">
-                    <a:solidFill>
-                      <a:schemeClr val="bg1"/>
-                    </a:solidFill>
-                  </a:rPr>
-                  <a:t> Test</a:t>
-                </a:r>
-                <a:endParaRPr lang="en-US" b="1" dirty="0">
-                  <a:solidFill>
-                    <a:schemeClr val="bg1"/>
-                  </a:solidFill>
-                </a:endParaRPr>
               </a:p>
             </p:txBody>
           </p:sp>
@@ -10277,12 +9625,8 @@
               <a:lstStyle/>
               <a:p>
                 <a:r>
-                  <a:rPr lang="en-US" sz="2800" dirty="0" smtClean="0"/>
-                  <a:t>To calculate the statistic we just sum up the standardized deviations from the expected </a:t>
-                </a:r>
-                <a:r>
                   <a:rPr lang="en-US" sz="2800" dirty="0"/>
-                  <a:t>values in each category. </a:t>
+                  <a:t>To calculate the statistic we just sum up the standardized deviations from the expected values in each category. </a:t>
                 </a:r>
               </a:p>
               <a:p>
@@ -10297,7 +9641,7 @@
                         <m:sSupPr>
                           <m:ctrlPr>
                             <a:rPr lang="en-US" sz="2800" i="1" smtClean="0">
-                              <a:latin typeface="Cambria Math" charset="0"/>
+                              <a:latin typeface="Cambria Math" panose="02040503050406030204" pitchFamily="18" charset="0"/>
                             </a:rPr>
                           </m:ctrlPr>
                         </m:sSupPr>
@@ -10331,7 +9675,7 @@
                           <m:chr m:val="∑"/>
                           <m:ctrlPr>
                             <a:rPr lang="is-IS" sz="2800" b="0" i="1" smtClean="0">
-                              <a:latin typeface="Cambria Math" charset="0"/>
+                              <a:latin typeface="Cambria Math" panose="02040503050406030204" pitchFamily="18" charset="0"/>
                             </a:rPr>
                           </m:ctrlPr>
                         </m:naryPr>
@@ -10365,7 +9709,7 @@
                             <m:fPr>
                               <m:ctrlPr>
                                 <a:rPr lang="mr-IN" sz="2800" b="0" i="1" smtClean="0">
-                                  <a:latin typeface="Cambria Math" charset="0"/>
+                                  <a:latin typeface="Cambria Math" panose="02040503050406030204" pitchFamily="18" charset="0"/>
                                 </a:rPr>
                               </m:ctrlPr>
                             </m:fPr>
@@ -10374,7 +9718,7 @@
                                 <m:sSupPr>
                                   <m:ctrlPr>
                                     <a:rPr lang="mr-IN" sz="2800" b="0" i="1" smtClean="0">
-                                      <a:latin typeface="Cambria Math" charset="0"/>
+                                      <a:latin typeface="Cambria Math" panose="02040503050406030204" pitchFamily="18" charset="0"/>
                                     </a:rPr>
                                   </m:ctrlPr>
                                 </m:sSupPr>
@@ -10383,7 +9727,7 @@
                                     <m:dPr>
                                       <m:ctrlPr>
                                         <a:rPr lang="mr-IN" sz="2800" b="0" i="1" smtClean="0">
-                                          <a:latin typeface="Cambria Math" charset="0"/>
+                                          <a:latin typeface="Cambria Math" panose="02040503050406030204" pitchFamily="18" charset="0"/>
                                         </a:rPr>
                                       </m:ctrlPr>
                                     </m:dPr>
@@ -10392,7 +9736,7 @@
                                         <m:sSubPr>
                                           <m:ctrlPr>
                                             <a:rPr lang="en-US" sz="2800" b="0" i="1" smtClean="0">
-                                              <a:latin typeface="Cambria Math" charset="0"/>
+                                              <a:latin typeface="Cambria Math" panose="02040503050406030204" pitchFamily="18" charset="0"/>
                                             </a:rPr>
                                           </m:ctrlPr>
                                         </m:sSubPr>
@@ -10423,7 +9767,7 @@
                                         <m:sSubPr>
                                           <m:ctrlPr>
                                             <a:rPr lang="en-US" sz="2800" b="0" i="1" smtClean="0">
-                                              <a:latin typeface="Cambria Math" charset="0"/>
+                                              <a:latin typeface="Cambria Math" panose="02040503050406030204" pitchFamily="18" charset="0"/>
                                             </a:rPr>
                                           </m:ctrlPr>
                                         </m:sSubPr>
@@ -10462,7 +9806,7 @@
                                 <m:sSubPr>
                                   <m:ctrlPr>
                                     <a:rPr lang="en-US" sz="2800" b="0" i="1" smtClean="0">
-                                      <a:latin typeface="Cambria Math" charset="0"/>
+                                      <a:latin typeface="Cambria Math" panose="02040503050406030204" pitchFamily="18" charset="0"/>
                                     </a:rPr>
                                   </m:ctrlPr>
                                 </m:sSubPr>
@@ -10490,7 +9834,7 @@
                     </m:oMath>
                   </m:oMathPara>
                 </a14:m>
-                <a:endParaRPr lang="en-US" sz="2800" dirty="0" smtClean="0"/>
+                <a:endParaRPr lang="en-US" sz="2800" dirty="0"/>
               </a:p>
               <a:p>
                 <a:endParaRPr lang="en-US" sz="2800" dirty="0"/>
@@ -10547,13 +9891,6 @@
   <p:clrMapOvr>
     <a:masterClrMapping/>
   </p:clrMapOvr>
-  <p:timing>
-    <p:tnLst>
-      <p:par>
-        <p:cTn id="1" dur="indefinite" restart="never" nodeType="tmRoot"/>
-      </p:par>
-    </p:tnLst>
-  </p:timing>
 </p:sld>
 </file>
 
@@ -10621,7 +9958,7 @@
                             <a:solidFill>
                               <a:schemeClr val="bg1"/>
                             </a:solidFill>
-                            <a:latin typeface="Cambria Math" charset="0"/>
+                            <a:latin typeface="Cambria Math" panose="02040503050406030204" pitchFamily="18" charset="0"/>
                           </a:rPr>
                         </m:ctrlPr>
                       </m:sSupPr>
@@ -10661,21 +9998,8 @@
                       <a:schemeClr val="bg1"/>
                     </a:solidFill>
                   </a:rPr>
-                  <a:t> </a:t>
+                  <a:t>  Test</a:t>
                 </a:r>
-                <a:r>
-                  <a:rPr lang="en-US" b="1" dirty="0" smtClean="0">
-                    <a:solidFill>
-                      <a:schemeClr val="bg1"/>
-                    </a:solidFill>
-                  </a:rPr>
-                  <a:t> Test</a:t>
-                </a:r>
-                <a:endParaRPr lang="en-US" b="1" dirty="0">
-                  <a:solidFill>
-                    <a:schemeClr val="bg1"/>
-                  </a:solidFill>
-                </a:endParaRPr>
               </a:p>
             </p:txBody>
           </p:sp>
@@ -10743,10 +10067,9 @@
               <a:lstStyle/>
               <a:p>
                 <a:r>
-                  <a:rPr lang="en-US" sz="2800" dirty="0" smtClean="0"/>
+                  <a:rPr lang="en-US" sz="2800" dirty="0"/>
                   <a:t>To calculate the statistic we just sum up the standardized deviations from the expected values in each category. </a:t>
                 </a:r>
-                <a:endParaRPr lang="en-US" sz="2800" dirty="0"/>
               </a:p>
               <a:p>
                 <a:pPr/>
@@ -10760,7 +10083,7 @@
                         <m:sSupPr>
                           <m:ctrlPr>
                             <a:rPr lang="en-US" sz="2800" i="1" smtClean="0">
-                              <a:latin typeface="Cambria Math" charset="0"/>
+                              <a:latin typeface="Cambria Math" panose="02040503050406030204" pitchFamily="18" charset="0"/>
                             </a:rPr>
                           </m:ctrlPr>
                         </m:sSupPr>
@@ -10794,7 +10117,7 @@
                           <m:chr m:val="∑"/>
                           <m:ctrlPr>
                             <a:rPr lang="is-IS" sz="2800" b="0" i="1" smtClean="0">
-                              <a:latin typeface="Cambria Math" charset="0"/>
+                              <a:latin typeface="Cambria Math" panose="02040503050406030204" pitchFamily="18" charset="0"/>
                             </a:rPr>
                           </m:ctrlPr>
                         </m:naryPr>
@@ -10828,7 +10151,7 @@
                             <m:fPr>
                               <m:ctrlPr>
                                 <a:rPr lang="mr-IN" sz="2800" b="0" i="1" smtClean="0">
-                                  <a:latin typeface="Cambria Math" charset="0"/>
+                                  <a:latin typeface="Cambria Math" panose="02040503050406030204" pitchFamily="18" charset="0"/>
                                 </a:rPr>
                               </m:ctrlPr>
                             </m:fPr>
@@ -10837,7 +10160,7 @@
                                 <m:sSupPr>
                                   <m:ctrlPr>
                                     <a:rPr lang="mr-IN" sz="2800" b="0" i="1" smtClean="0">
-                                      <a:latin typeface="Cambria Math" charset="0"/>
+                                      <a:latin typeface="Cambria Math" panose="02040503050406030204" pitchFamily="18" charset="0"/>
                                     </a:rPr>
                                   </m:ctrlPr>
                                 </m:sSupPr>
@@ -10846,7 +10169,7 @@
                                     <m:dPr>
                                       <m:ctrlPr>
                                         <a:rPr lang="mr-IN" sz="2800" b="0" i="1" smtClean="0">
-                                          <a:latin typeface="Cambria Math" charset="0"/>
+                                          <a:latin typeface="Cambria Math" panose="02040503050406030204" pitchFamily="18" charset="0"/>
                                         </a:rPr>
                                       </m:ctrlPr>
                                     </m:dPr>
@@ -10855,7 +10178,7 @@
                                         <m:sSubPr>
                                           <m:ctrlPr>
                                             <a:rPr lang="en-US" sz="2800" b="0" i="1" smtClean="0">
-                                              <a:latin typeface="Cambria Math" charset="0"/>
+                                              <a:latin typeface="Cambria Math" panose="02040503050406030204" pitchFamily="18" charset="0"/>
                                             </a:rPr>
                                           </m:ctrlPr>
                                         </m:sSubPr>
@@ -10886,7 +10209,7 @@
                                         <m:sSubPr>
                                           <m:ctrlPr>
                                             <a:rPr lang="en-US" sz="2800" b="0" i="1" smtClean="0">
-                                              <a:latin typeface="Cambria Math" charset="0"/>
+                                              <a:latin typeface="Cambria Math" panose="02040503050406030204" pitchFamily="18" charset="0"/>
                                             </a:rPr>
                                           </m:ctrlPr>
                                         </m:sSubPr>
@@ -10925,7 +10248,7 @@
                                 <m:sSubPr>
                                   <m:ctrlPr>
                                     <a:rPr lang="en-US" sz="2800" b="0" i="1" smtClean="0">
-                                      <a:latin typeface="Cambria Math" charset="0"/>
+                                      <a:latin typeface="Cambria Math" panose="02040503050406030204" pitchFamily="18" charset="0"/>
                                     </a:rPr>
                                   </m:ctrlPr>
                                 </m:sSubPr>
@@ -10953,7 +10276,7 @@
                     </m:oMath>
                   </m:oMathPara>
                 </a14:m>
-                <a:endParaRPr lang="en-US" sz="2800" dirty="0" smtClean="0"/>
+                <a:endParaRPr lang="en-US" sz="2800" dirty="0"/>
               </a:p>
               <a:p>
                 <a:endParaRPr lang="en-US" sz="2800" dirty="0"/>
@@ -11025,10 +10348,34 @@
                 <a:tableStyleId>{5C22544A-7EE6-4342-B048-85BDC9FD1C3A}</a:tableStyleId>
               </a:tblPr>
               <a:tblGrid>
-                <a:gridCol w="1260692"/>
-                <a:gridCol w="1260692"/>
-                <a:gridCol w="1260692"/>
-                <a:gridCol w="1260692"/>
+                <a:gridCol w="1260692">
+                  <a:extLst>
+                    <a:ext uri="{9D8B030D-6E8A-4147-A177-3AD203B41FA5}">
+                      <a16:colId xmlns:a16="http://schemas.microsoft.com/office/drawing/2014/main" val="20000"/>
+                    </a:ext>
+                  </a:extLst>
+                </a:gridCol>
+                <a:gridCol w="1260692">
+                  <a:extLst>
+                    <a:ext uri="{9D8B030D-6E8A-4147-A177-3AD203B41FA5}">
+                      <a16:colId xmlns:a16="http://schemas.microsoft.com/office/drawing/2014/main" val="20001"/>
+                    </a:ext>
+                  </a:extLst>
+                </a:gridCol>
+                <a:gridCol w="1260692">
+                  <a:extLst>
+                    <a:ext uri="{9D8B030D-6E8A-4147-A177-3AD203B41FA5}">
+                      <a16:colId xmlns:a16="http://schemas.microsoft.com/office/drawing/2014/main" val="20002"/>
+                    </a:ext>
+                  </a:extLst>
+                </a:gridCol>
+                <a:gridCol w="1260692">
+                  <a:extLst>
+                    <a:ext uri="{9D8B030D-6E8A-4147-A177-3AD203B41FA5}">
+                      <a16:colId xmlns:a16="http://schemas.microsoft.com/office/drawing/2014/main" val="20003"/>
+                    </a:ext>
+                  </a:extLst>
+                </a:gridCol>
               </a:tblGrid>
               <a:tr h="464829">
                 <a:tc gridSpan="3">
@@ -11038,10 +10385,9 @@
                     <a:p>
                       <a:pPr algn="ctr"/>
                       <a:r>
-                        <a:rPr lang="en-US" dirty="0" smtClean="0"/>
+                        <a:rPr lang="en-US" dirty="0"/>
                         <a:t>Female adults on the Titanic</a:t>
                       </a:r>
-                      <a:endParaRPr lang="en-US" dirty="0"/>
                     </a:p>
                   </a:txBody>
                   <a:tcPr anchor="ctr"/>
@@ -11077,6 +10423,11 @@
                   </a:txBody>
                   <a:tcPr anchor="ctr"/>
                 </a:tc>
+                <a:extLst>
+                  <a:ext uri="{0D108BD9-81ED-4DB2-BD59-A6C34878D82A}">
+                    <a16:rowId xmlns:a16="http://schemas.microsoft.com/office/drawing/2014/main" val="10000"/>
+                  </a:ext>
+                </a:extLst>
               </a:tr>
               <a:tr h="438411">
                 <a:tc>
@@ -11097,10 +10448,9 @@
                     <a:p>
                       <a:pPr algn="ctr"/>
                       <a:r>
-                        <a:rPr lang="en-US" dirty="0" smtClean="0"/>
+                        <a:rPr lang="en-US" dirty="0"/>
                         <a:t>Survived</a:t>
                       </a:r>
-                      <a:endParaRPr lang="en-US" dirty="0"/>
                     </a:p>
                   </a:txBody>
                   <a:tcPr anchor="ctr"/>
@@ -11112,10 +10462,9 @@
                     <a:p>
                       <a:pPr algn="ctr"/>
                       <a:r>
-                        <a:rPr lang="en-US" dirty="0" smtClean="0"/>
+                        <a:rPr lang="en-US" dirty="0"/>
                         <a:t>Died</a:t>
                       </a:r>
-                      <a:endParaRPr lang="en-US" dirty="0"/>
                     </a:p>
                   </a:txBody>
                   <a:tcPr anchor="ctr"/>
@@ -11127,7 +10476,7 @@
                     <a:p>
                       <a:pPr algn="ctr"/>
                       <a:r>
-                        <a:rPr lang="en-US" dirty="0" smtClean="0">
+                        <a:rPr lang="en-US" dirty="0">
                           <a:solidFill>
                             <a:schemeClr val="tx1">
                               <a:lumMod val="65000"/>
@@ -11137,18 +10486,15 @@
                         </a:rPr>
                         <a:t>total</a:t>
                       </a:r>
-                      <a:endParaRPr lang="en-US" dirty="0">
-                        <a:solidFill>
-                          <a:schemeClr val="tx1">
-                            <a:lumMod val="65000"/>
-                            <a:lumOff val="35000"/>
-                          </a:schemeClr>
-                        </a:solidFill>
-                      </a:endParaRPr>
                     </a:p>
                   </a:txBody>
                   <a:tcPr anchor="ctr"/>
                 </a:tc>
+                <a:extLst>
+                  <a:ext uri="{0D108BD9-81ED-4DB2-BD59-A6C34878D82A}">
+                    <a16:rowId xmlns:a16="http://schemas.microsoft.com/office/drawing/2014/main" val="10001"/>
+                  </a:ext>
+                </a:extLst>
               </a:tr>
               <a:tr h="438410">
                 <a:tc>
@@ -11158,10 +10504,9 @@
                     <a:p>
                       <a:pPr algn="ctr"/>
                       <a:r>
-                        <a:rPr lang="en-US" dirty="0" smtClean="0"/>
+                        <a:rPr lang="en-US" dirty="0"/>
                         <a:t>1st</a:t>
                       </a:r>
-                      <a:endParaRPr lang="en-US" dirty="0"/>
                     </a:p>
                   </a:txBody>
                   <a:tcPr anchor="ctr"/>
@@ -11173,10 +10518,9 @@
                     <a:p>
                       <a:pPr algn="ctr"/>
                       <a:r>
-                        <a:rPr lang="en-US" dirty="0" smtClean="0"/>
+                        <a:rPr lang="en-US" dirty="0"/>
                         <a:t>140</a:t>
                       </a:r>
-                      <a:endParaRPr lang="en-US" dirty="0"/>
                     </a:p>
                   </a:txBody>
                   <a:tcPr anchor="ctr"/>
@@ -11188,10 +10532,9 @@
                     <a:p>
                       <a:pPr algn="ctr"/>
                       <a:r>
-                        <a:rPr lang="en-US" dirty="0" smtClean="0"/>
+                        <a:rPr lang="en-US" dirty="0"/>
                         <a:t>4</a:t>
                       </a:r>
-                      <a:endParaRPr lang="en-US" dirty="0"/>
                     </a:p>
                   </a:txBody>
                   <a:tcPr anchor="ctr"/>
@@ -11203,7 +10546,7 @@
                     <a:p>
                       <a:pPr algn="ctr"/>
                       <a:r>
-                        <a:rPr lang="en-US" dirty="0" smtClean="0">
+                        <a:rPr lang="en-US" dirty="0">
                           <a:solidFill>
                             <a:schemeClr val="tx1">
                               <a:lumMod val="65000"/>
@@ -11213,18 +10556,15 @@
                         </a:rPr>
                         <a:t>144</a:t>
                       </a:r>
-                      <a:endParaRPr lang="en-US" dirty="0">
-                        <a:solidFill>
-                          <a:schemeClr val="tx1">
-                            <a:lumMod val="65000"/>
-                            <a:lumOff val="35000"/>
-                          </a:schemeClr>
-                        </a:solidFill>
-                      </a:endParaRPr>
                     </a:p>
                   </a:txBody>
                   <a:tcPr anchor="ctr"/>
                 </a:tc>
+                <a:extLst>
+                  <a:ext uri="{0D108BD9-81ED-4DB2-BD59-A6C34878D82A}">
+                    <a16:rowId xmlns:a16="http://schemas.microsoft.com/office/drawing/2014/main" val="10002"/>
+                  </a:ext>
+                </a:extLst>
               </a:tr>
               <a:tr h="400833">
                 <a:tc>
@@ -11234,10 +10574,9 @@
                     <a:p>
                       <a:pPr algn="ctr"/>
                       <a:r>
-                        <a:rPr lang="en-US" dirty="0" smtClean="0"/>
+                        <a:rPr lang="en-US" dirty="0"/>
                         <a:t>2nd</a:t>
                       </a:r>
-                      <a:endParaRPr lang="en-US" dirty="0"/>
                     </a:p>
                   </a:txBody>
                   <a:tcPr anchor="ctr"/>
@@ -11249,10 +10588,9 @@
                     <a:p>
                       <a:pPr algn="ctr"/>
                       <a:r>
-                        <a:rPr lang="en-US" dirty="0" smtClean="0"/>
+                        <a:rPr lang="en-US" dirty="0"/>
                         <a:t>80</a:t>
                       </a:r>
-                      <a:endParaRPr lang="en-US" dirty="0"/>
                     </a:p>
                   </a:txBody>
                   <a:tcPr anchor="ctr"/>
@@ -11264,10 +10602,9 @@
                     <a:p>
                       <a:pPr algn="ctr"/>
                       <a:r>
-                        <a:rPr lang="en-US" dirty="0" smtClean="0"/>
+                        <a:rPr lang="en-US" dirty="0"/>
                         <a:t>13</a:t>
                       </a:r>
-                      <a:endParaRPr lang="en-US" dirty="0"/>
                     </a:p>
                   </a:txBody>
                   <a:tcPr anchor="ctr"/>
@@ -11279,7 +10616,7 @@
                     <a:p>
                       <a:pPr algn="ctr"/>
                       <a:r>
-                        <a:rPr lang="en-US" dirty="0" smtClean="0">
+                        <a:rPr lang="en-US" dirty="0">
                           <a:solidFill>
                             <a:schemeClr val="tx1">
                               <a:lumMod val="65000"/>
@@ -11289,18 +10626,15 @@
                         </a:rPr>
                         <a:t>93</a:t>
                       </a:r>
-                      <a:endParaRPr lang="en-US" dirty="0">
-                        <a:solidFill>
-                          <a:schemeClr val="tx1">
-                            <a:lumMod val="65000"/>
-                            <a:lumOff val="35000"/>
-                          </a:schemeClr>
-                        </a:solidFill>
-                      </a:endParaRPr>
                     </a:p>
                   </a:txBody>
                   <a:tcPr anchor="ctr"/>
                 </a:tc>
+                <a:extLst>
+                  <a:ext uri="{0D108BD9-81ED-4DB2-BD59-A6C34878D82A}">
+                    <a16:rowId xmlns:a16="http://schemas.microsoft.com/office/drawing/2014/main" val="10003"/>
+                  </a:ext>
+                </a:extLst>
               </a:tr>
               <a:tr h="400833">
                 <a:tc>
@@ -11310,10 +10644,9 @@
                     <a:p>
                       <a:pPr algn="ctr"/>
                       <a:r>
-                        <a:rPr lang="en-US" dirty="0" smtClean="0"/>
+                        <a:rPr lang="en-US" dirty="0"/>
                         <a:t>3rd</a:t>
                       </a:r>
-                      <a:endParaRPr lang="en-US" dirty="0"/>
                     </a:p>
                   </a:txBody>
                   <a:tcPr anchor="ctr"/>
@@ -11325,10 +10658,9 @@
                     <a:p>
                       <a:pPr algn="ctr"/>
                       <a:r>
-                        <a:rPr lang="en-US" dirty="0" smtClean="0"/>
+                        <a:rPr lang="en-US" dirty="0"/>
                         <a:t>76</a:t>
                       </a:r>
-                      <a:endParaRPr lang="en-US" dirty="0"/>
                     </a:p>
                   </a:txBody>
                   <a:tcPr anchor="ctr"/>
@@ -11340,10 +10672,9 @@
                     <a:p>
                       <a:pPr algn="ctr"/>
                       <a:r>
-                        <a:rPr lang="en-US" dirty="0" smtClean="0"/>
+                        <a:rPr lang="en-US" dirty="0"/>
                         <a:t>89</a:t>
                       </a:r>
-                      <a:endParaRPr lang="en-US" dirty="0"/>
                     </a:p>
                   </a:txBody>
                   <a:tcPr anchor="ctr"/>
@@ -11355,7 +10686,7 @@
                     <a:p>
                       <a:pPr algn="ctr"/>
                       <a:r>
-                        <a:rPr lang="en-US" dirty="0" smtClean="0">
+                        <a:rPr lang="en-US" dirty="0">
                           <a:solidFill>
                             <a:schemeClr val="tx1">
                               <a:lumMod val="65000"/>
@@ -11365,18 +10696,15 @@
                         </a:rPr>
                         <a:t>165</a:t>
                       </a:r>
-                      <a:endParaRPr lang="en-US" dirty="0">
-                        <a:solidFill>
-                          <a:schemeClr val="tx1">
-                            <a:lumMod val="65000"/>
-                            <a:lumOff val="35000"/>
-                          </a:schemeClr>
-                        </a:solidFill>
-                      </a:endParaRPr>
                     </a:p>
                   </a:txBody>
                   <a:tcPr anchor="ctr"/>
                 </a:tc>
+                <a:extLst>
+                  <a:ext uri="{0D108BD9-81ED-4DB2-BD59-A6C34878D82A}">
+                    <a16:rowId xmlns:a16="http://schemas.microsoft.com/office/drawing/2014/main" val="10004"/>
+                  </a:ext>
+                </a:extLst>
               </a:tr>
               <a:tr h="425885">
                 <a:tc>
@@ -11386,10 +10714,9 @@
                     <a:p>
                       <a:pPr algn="ctr"/>
                       <a:r>
-                        <a:rPr lang="en-US" dirty="0" smtClean="0"/>
+                        <a:rPr lang="en-US" dirty="0"/>
                         <a:t>Crew</a:t>
                       </a:r>
-                      <a:endParaRPr lang="en-US" dirty="0"/>
                     </a:p>
                   </a:txBody>
                   <a:tcPr anchor="ctr"/>
@@ -11401,10 +10728,9 @@
                     <a:p>
                       <a:pPr algn="ctr"/>
                       <a:r>
-                        <a:rPr lang="en-US" dirty="0" smtClean="0"/>
+                        <a:rPr lang="en-US" dirty="0"/>
                         <a:t>20</a:t>
                       </a:r>
-                      <a:endParaRPr lang="en-US" dirty="0"/>
                     </a:p>
                   </a:txBody>
                   <a:tcPr anchor="ctr"/>
@@ -11416,10 +10742,9 @@
                     <a:p>
                       <a:pPr algn="ctr"/>
                       <a:r>
-                        <a:rPr lang="en-US" dirty="0" smtClean="0"/>
+                        <a:rPr lang="en-US" dirty="0"/>
                         <a:t>3</a:t>
                       </a:r>
-                      <a:endParaRPr lang="en-US" dirty="0"/>
                     </a:p>
                   </a:txBody>
                   <a:tcPr anchor="ctr"/>
@@ -11431,7 +10756,7 @@
                     <a:p>
                       <a:pPr algn="ctr"/>
                       <a:r>
-                        <a:rPr lang="en-US" dirty="0" smtClean="0">
+                        <a:rPr lang="en-US" dirty="0">
                           <a:solidFill>
                             <a:schemeClr val="tx1">
                               <a:lumMod val="65000"/>
@@ -11441,18 +10766,15 @@
                         </a:rPr>
                         <a:t>23</a:t>
                       </a:r>
-                      <a:endParaRPr lang="en-US" dirty="0">
-                        <a:solidFill>
-                          <a:schemeClr val="tx1">
-                            <a:lumMod val="65000"/>
-                            <a:lumOff val="35000"/>
-                          </a:schemeClr>
-                        </a:solidFill>
-                      </a:endParaRPr>
                     </a:p>
                   </a:txBody>
                   <a:tcPr anchor="ctr"/>
                 </a:tc>
+                <a:extLst>
+                  <a:ext uri="{0D108BD9-81ED-4DB2-BD59-A6C34878D82A}">
+                    <a16:rowId xmlns:a16="http://schemas.microsoft.com/office/drawing/2014/main" val="10005"/>
+                  </a:ext>
+                </a:extLst>
               </a:tr>
               <a:tr h="425885">
                 <a:tc>
@@ -11462,7 +10784,7 @@
                     <a:p>
                       <a:pPr algn="ctr"/>
                       <a:r>
-                        <a:rPr lang="en-US" dirty="0" smtClean="0">
+                        <a:rPr lang="en-US" dirty="0">
                           <a:solidFill>
                             <a:schemeClr val="tx1">
                               <a:lumMod val="65000"/>
@@ -11472,14 +10794,6 @@
                         </a:rPr>
                         <a:t>total</a:t>
                       </a:r>
-                      <a:endParaRPr lang="en-US" dirty="0">
-                        <a:solidFill>
-                          <a:schemeClr val="tx1">
-                            <a:lumMod val="65000"/>
-                            <a:lumOff val="35000"/>
-                          </a:schemeClr>
-                        </a:solidFill>
-                      </a:endParaRPr>
                     </a:p>
                   </a:txBody>
                   <a:tcPr anchor="ctr"/>
@@ -11491,7 +10805,7 @@
                     <a:p>
                       <a:pPr algn="ctr"/>
                       <a:r>
-                        <a:rPr lang="en-US" dirty="0" smtClean="0">
+                        <a:rPr lang="en-US" dirty="0">
                           <a:solidFill>
                             <a:schemeClr val="tx1">
                               <a:lumMod val="65000"/>
@@ -11501,14 +10815,6 @@
                         </a:rPr>
                         <a:t>74.4%</a:t>
                       </a:r>
-                      <a:endParaRPr lang="en-US" dirty="0">
-                        <a:solidFill>
-                          <a:schemeClr val="tx1">
-                            <a:lumMod val="65000"/>
-                            <a:lumOff val="35000"/>
-                          </a:schemeClr>
-                        </a:solidFill>
-                      </a:endParaRPr>
                     </a:p>
                   </a:txBody>
                   <a:tcPr anchor="ctr"/>
@@ -11520,7 +10826,7 @@
                     <a:p>
                       <a:pPr algn="ctr"/>
                       <a:r>
-                        <a:rPr lang="en-US" dirty="0" smtClean="0">
+                        <a:rPr lang="en-US" dirty="0">
                           <a:solidFill>
                             <a:schemeClr val="tx1">
                               <a:lumMod val="65000"/>
@@ -11530,14 +10836,6 @@
                         </a:rPr>
                         <a:t>25.6%</a:t>
                       </a:r>
-                      <a:endParaRPr lang="en-US" dirty="0">
-                        <a:solidFill>
-                          <a:schemeClr val="tx1">
-                            <a:lumMod val="65000"/>
-                            <a:lumOff val="35000"/>
-                          </a:schemeClr>
-                        </a:solidFill>
-                      </a:endParaRPr>
                     </a:p>
                   </a:txBody>
                   <a:tcPr anchor="ctr"/>
@@ -11553,6 +10851,11 @@
                   </a:txBody>
                   <a:tcPr anchor="ctr"/>
                 </a:tc>
+                <a:extLst>
+                  <a:ext uri="{0D108BD9-81ED-4DB2-BD59-A6C34878D82A}">
+                    <a16:rowId xmlns:a16="http://schemas.microsoft.com/office/drawing/2014/main" val="10006"/>
+                  </a:ext>
+                </a:extLst>
               </a:tr>
             </a:tbl>
           </a:graphicData>
@@ -11568,13 +10871,6 @@
   <p:clrMapOvr>
     <a:masterClrMapping/>
   </p:clrMapOvr>
-  <p:timing>
-    <p:tnLst>
-      <p:par>
-        <p:cTn id="1" dur="indefinite" restart="never" nodeType="tmRoot"/>
-      </p:par>
-    </p:tnLst>
-  </p:timing>
 </p:sld>
 </file>
 
@@ -11642,7 +10938,7 @@
                             <a:solidFill>
                               <a:schemeClr val="bg1"/>
                             </a:solidFill>
-                            <a:latin typeface="Cambria Math" charset="0"/>
+                            <a:latin typeface="Cambria Math" panose="02040503050406030204" pitchFamily="18" charset="0"/>
                           </a:rPr>
                         </m:ctrlPr>
                       </m:sSupPr>
@@ -11682,21 +10978,8 @@
                       <a:schemeClr val="bg1"/>
                     </a:solidFill>
                   </a:rPr>
-                  <a:t> </a:t>
+                  <a:t>  Test</a:t>
                 </a:r>
-                <a:r>
-                  <a:rPr lang="en-US" b="1" dirty="0" smtClean="0">
-                    <a:solidFill>
-                      <a:schemeClr val="bg1"/>
-                    </a:solidFill>
-                  </a:rPr>
-                  <a:t> Test</a:t>
-                </a:r>
-                <a:endParaRPr lang="en-US" b="1" dirty="0">
-                  <a:solidFill>
-                    <a:schemeClr val="bg1"/>
-                  </a:solidFill>
-                </a:endParaRPr>
               </a:p>
             </p:txBody>
           </p:sp>
@@ -11764,10 +11047,9 @@
               <a:lstStyle/>
               <a:p>
                 <a:r>
-                  <a:rPr lang="en-US" sz="2800" dirty="0" smtClean="0"/>
+                  <a:rPr lang="en-US" sz="2800" dirty="0"/>
                   <a:t>To calculate the statistic we just sum up the standardized deviations from the expected values. </a:t>
                 </a:r>
-                <a:endParaRPr lang="en-US" sz="2800" dirty="0"/>
               </a:p>
               <a:p>
                 <a:pPr/>
@@ -11781,7 +11063,7 @@
                         <m:sSupPr>
                           <m:ctrlPr>
                             <a:rPr lang="en-US" sz="2800" i="1" smtClean="0">
-                              <a:latin typeface="Cambria Math" charset="0"/>
+                              <a:latin typeface="Cambria Math" panose="02040503050406030204" pitchFamily="18" charset="0"/>
                             </a:rPr>
                           </m:ctrlPr>
                         </m:sSupPr>
@@ -11815,7 +11097,7 @@
                           <m:chr m:val="∑"/>
                           <m:ctrlPr>
                             <a:rPr lang="is-IS" sz="2800" b="0" i="1" smtClean="0">
-                              <a:latin typeface="Cambria Math" charset="0"/>
+                              <a:latin typeface="Cambria Math" panose="02040503050406030204" pitchFamily="18" charset="0"/>
                             </a:rPr>
                           </m:ctrlPr>
                         </m:naryPr>
@@ -11849,7 +11131,7 @@
                             <m:fPr>
                               <m:ctrlPr>
                                 <a:rPr lang="mr-IN" sz="2800" b="0" i="1" smtClean="0">
-                                  <a:latin typeface="Cambria Math" charset="0"/>
+                                  <a:latin typeface="Cambria Math" panose="02040503050406030204" pitchFamily="18" charset="0"/>
                                 </a:rPr>
                               </m:ctrlPr>
                             </m:fPr>
@@ -11858,7 +11140,7 @@
                                 <m:sSupPr>
                                   <m:ctrlPr>
                                     <a:rPr lang="mr-IN" sz="2800" b="0" i="1" smtClean="0">
-                                      <a:latin typeface="Cambria Math" charset="0"/>
+                                      <a:latin typeface="Cambria Math" panose="02040503050406030204" pitchFamily="18" charset="0"/>
                                     </a:rPr>
                                   </m:ctrlPr>
                                 </m:sSupPr>
@@ -11867,7 +11149,7 @@
                                     <m:dPr>
                                       <m:ctrlPr>
                                         <a:rPr lang="mr-IN" sz="2800" b="0" i="1" smtClean="0">
-                                          <a:latin typeface="Cambria Math" charset="0"/>
+                                          <a:latin typeface="Cambria Math" panose="02040503050406030204" pitchFamily="18" charset="0"/>
                                         </a:rPr>
                                       </m:ctrlPr>
                                     </m:dPr>
@@ -11876,7 +11158,7 @@
                                         <m:sSubPr>
                                           <m:ctrlPr>
                                             <a:rPr lang="en-US" sz="2800" b="0" i="1" smtClean="0">
-                                              <a:latin typeface="Cambria Math" charset="0"/>
+                                              <a:latin typeface="Cambria Math" panose="02040503050406030204" pitchFamily="18" charset="0"/>
                                             </a:rPr>
                                           </m:ctrlPr>
                                         </m:sSubPr>
@@ -11907,7 +11189,7 @@
                                         <m:sSubPr>
                                           <m:ctrlPr>
                                             <a:rPr lang="en-US" sz="2800" b="0" i="1" smtClean="0">
-                                              <a:latin typeface="Cambria Math" charset="0"/>
+                                              <a:latin typeface="Cambria Math" panose="02040503050406030204" pitchFamily="18" charset="0"/>
                                             </a:rPr>
                                           </m:ctrlPr>
                                         </m:sSubPr>
@@ -11946,7 +11228,7 @@
                                 <m:sSubPr>
                                   <m:ctrlPr>
                                     <a:rPr lang="en-US" sz="2800" b="0" i="1" smtClean="0">
-                                      <a:latin typeface="Cambria Math" charset="0"/>
+                                      <a:latin typeface="Cambria Math" panose="02040503050406030204" pitchFamily="18" charset="0"/>
                                     </a:rPr>
                                   </m:ctrlPr>
                                 </m:sSubPr>
@@ -11974,7 +11256,7 @@
                     </m:oMath>
                   </m:oMathPara>
                 </a14:m>
-                <a:endParaRPr lang="en-US" sz="2800" dirty="0" smtClean="0"/>
+                <a:endParaRPr lang="en-US" sz="2800" dirty="0"/>
               </a:p>
               <a:p>
                 <a:endParaRPr lang="en-US" sz="2800" dirty="0"/>
@@ -12046,10 +11328,34 @@
                 <a:tableStyleId>{5C22544A-7EE6-4342-B048-85BDC9FD1C3A}</a:tableStyleId>
               </a:tblPr>
               <a:tblGrid>
-                <a:gridCol w="1260692"/>
-                <a:gridCol w="1260692"/>
-                <a:gridCol w="1260692"/>
-                <a:gridCol w="1260692"/>
+                <a:gridCol w="1260692">
+                  <a:extLst>
+                    <a:ext uri="{9D8B030D-6E8A-4147-A177-3AD203B41FA5}">
+                      <a16:colId xmlns:a16="http://schemas.microsoft.com/office/drawing/2014/main" val="20000"/>
+                    </a:ext>
+                  </a:extLst>
+                </a:gridCol>
+                <a:gridCol w="1260692">
+                  <a:extLst>
+                    <a:ext uri="{9D8B030D-6E8A-4147-A177-3AD203B41FA5}">
+                      <a16:colId xmlns:a16="http://schemas.microsoft.com/office/drawing/2014/main" val="20001"/>
+                    </a:ext>
+                  </a:extLst>
+                </a:gridCol>
+                <a:gridCol w="1260692">
+                  <a:extLst>
+                    <a:ext uri="{9D8B030D-6E8A-4147-A177-3AD203B41FA5}">
+                      <a16:colId xmlns:a16="http://schemas.microsoft.com/office/drawing/2014/main" val="20002"/>
+                    </a:ext>
+                  </a:extLst>
+                </a:gridCol>
+                <a:gridCol w="1260692">
+                  <a:extLst>
+                    <a:ext uri="{9D8B030D-6E8A-4147-A177-3AD203B41FA5}">
+                      <a16:colId xmlns:a16="http://schemas.microsoft.com/office/drawing/2014/main" val="20003"/>
+                    </a:ext>
+                  </a:extLst>
+                </a:gridCol>
               </a:tblGrid>
               <a:tr h="464829">
                 <a:tc gridSpan="3">
@@ -12059,10 +11365,9 @@
                     <a:p>
                       <a:pPr algn="ctr"/>
                       <a:r>
-                        <a:rPr lang="en-US" dirty="0" smtClean="0"/>
+                        <a:rPr lang="en-US" dirty="0"/>
                         <a:t>Female adults on the Titanic</a:t>
                       </a:r>
-                      <a:endParaRPr lang="en-US" dirty="0"/>
                     </a:p>
                   </a:txBody>
                   <a:tcPr anchor="ctr"/>
@@ -12098,6 +11403,11 @@
                   </a:txBody>
                   <a:tcPr anchor="ctr"/>
                 </a:tc>
+                <a:extLst>
+                  <a:ext uri="{0D108BD9-81ED-4DB2-BD59-A6C34878D82A}">
+                    <a16:rowId xmlns:a16="http://schemas.microsoft.com/office/drawing/2014/main" val="10000"/>
+                  </a:ext>
+                </a:extLst>
               </a:tr>
               <a:tr h="438411">
                 <a:tc>
@@ -12118,10 +11428,9 @@
                     <a:p>
                       <a:pPr algn="ctr"/>
                       <a:r>
-                        <a:rPr lang="en-US" dirty="0" smtClean="0"/>
+                        <a:rPr lang="en-US" dirty="0"/>
                         <a:t>Survived</a:t>
                       </a:r>
-                      <a:endParaRPr lang="en-US" dirty="0"/>
                     </a:p>
                   </a:txBody>
                   <a:tcPr anchor="ctr"/>
@@ -12133,10 +11442,9 @@
                     <a:p>
                       <a:pPr algn="ctr"/>
                       <a:r>
-                        <a:rPr lang="en-US" dirty="0" smtClean="0"/>
+                        <a:rPr lang="en-US" dirty="0"/>
                         <a:t>Died</a:t>
                       </a:r>
-                      <a:endParaRPr lang="en-US" dirty="0"/>
                     </a:p>
                   </a:txBody>
                   <a:tcPr anchor="ctr"/>
@@ -12152,6 +11460,11 @@
                   </a:txBody>
                   <a:tcPr anchor="ctr"/>
                 </a:tc>
+                <a:extLst>
+                  <a:ext uri="{0D108BD9-81ED-4DB2-BD59-A6C34878D82A}">
+                    <a16:rowId xmlns:a16="http://schemas.microsoft.com/office/drawing/2014/main" val="10001"/>
+                  </a:ext>
+                </a:extLst>
               </a:tr>
               <a:tr h="438410">
                 <a:tc>
@@ -12161,10 +11474,9 @@
                     <a:p>
                       <a:pPr algn="ctr"/>
                       <a:r>
-                        <a:rPr lang="en-US" dirty="0" smtClean="0"/>
+                        <a:rPr lang="en-US" dirty="0"/>
                         <a:t>1st</a:t>
                       </a:r>
-                      <a:endParaRPr lang="en-US" dirty="0"/>
                     </a:p>
                   </a:txBody>
                   <a:tcPr anchor="ctr"/>
@@ -12176,10 +11488,9 @@
                     <a:p>
                       <a:pPr algn="ctr"/>
                       <a:r>
-                        <a:rPr lang="en-US" dirty="0" smtClean="0"/>
+                        <a:rPr lang="en-US" dirty="0"/>
                         <a:t>140</a:t>
                       </a:r>
-                      <a:endParaRPr lang="en-US" dirty="0"/>
                     </a:p>
                   </a:txBody>
                   <a:tcPr anchor="ctr"/>
@@ -12191,10 +11502,9 @@
                     <a:p>
                       <a:pPr algn="ctr"/>
                       <a:r>
-                        <a:rPr lang="en-US" dirty="0" smtClean="0"/>
+                        <a:rPr lang="en-US" dirty="0"/>
                         <a:t>4</a:t>
                       </a:r>
-                      <a:endParaRPr lang="en-US" dirty="0"/>
                     </a:p>
                   </a:txBody>
                   <a:tcPr anchor="ctr"/>
@@ -12206,7 +11516,7 @@
                     <a:p>
                       <a:pPr algn="ctr"/>
                       <a:r>
-                        <a:rPr lang="en-US" dirty="0" smtClean="0">
+                        <a:rPr lang="en-US" dirty="0">
                           <a:solidFill>
                             <a:schemeClr val="tx1">
                               <a:lumMod val="65000"/>
@@ -12216,18 +11526,15 @@
                         </a:rPr>
                         <a:t>144</a:t>
                       </a:r>
-                      <a:endParaRPr lang="en-US" dirty="0">
-                        <a:solidFill>
-                          <a:schemeClr val="tx1">
-                            <a:lumMod val="65000"/>
-                            <a:lumOff val="35000"/>
-                          </a:schemeClr>
-                        </a:solidFill>
-                      </a:endParaRPr>
                     </a:p>
                   </a:txBody>
                   <a:tcPr anchor="ctr"/>
                 </a:tc>
+                <a:extLst>
+                  <a:ext uri="{0D108BD9-81ED-4DB2-BD59-A6C34878D82A}">
+                    <a16:rowId xmlns:a16="http://schemas.microsoft.com/office/drawing/2014/main" val="10002"/>
+                  </a:ext>
+                </a:extLst>
               </a:tr>
               <a:tr h="400833">
                 <a:tc>
@@ -12237,10 +11544,9 @@
                     <a:p>
                       <a:pPr algn="ctr"/>
                       <a:r>
-                        <a:rPr lang="en-US" dirty="0" smtClean="0"/>
+                        <a:rPr lang="en-US" dirty="0"/>
                         <a:t>2nd</a:t>
                       </a:r>
-                      <a:endParaRPr lang="en-US" dirty="0"/>
                     </a:p>
                   </a:txBody>
                   <a:tcPr anchor="ctr"/>
@@ -12252,10 +11558,9 @@
                     <a:p>
                       <a:pPr algn="ctr"/>
                       <a:r>
-                        <a:rPr lang="en-US" dirty="0" smtClean="0"/>
+                        <a:rPr lang="en-US" dirty="0"/>
                         <a:t>80</a:t>
                       </a:r>
-                      <a:endParaRPr lang="en-US" dirty="0"/>
                     </a:p>
                   </a:txBody>
                   <a:tcPr anchor="ctr"/>
@@ -12267,10 +11572,9 @@
                     <a:p>
                       <a:pPr algn="ctr"/>
                       <a:r>
-                        <a:rPr lang="en-US" dirty="0" smtClean="0"/>
+                        <a:rPr lang="en-US" dirty="0"/>
                         <a:t>13</a:t>
                       </a:r>
-                      <a:endParaRPr lang="en-US" dirty="0"/>
                     </a:p>
                   </a:txBody>
                   <a:tcPr anchor="ctr"/>
@@ -12282,7 +11586,7 @@
                     <a:p>
                       <a:pPr algn="ctr"/>
                       <a:r>
-                        <a:rPr lang="en-US" dirty="0" smtClean="0">
+                        <a:rPr lang="en-US" dirty="0">
                           <a:solidFill>
                             <a:schemeClr val="tx1">
                               <a:lumMod val="65000"/>
@@ -12292,18 +11596,15 @@
                         </a:rPr>
                         <a:t>93</a:t>
                       </a:r>
-                      <a:endParaRPr lang="en-US" dirty="0">
-                        <a:solidFill>
-                          <a:schemeClr val="tx1">
-                            <a:lumMod val="65000"/>
-                            <a:lumOff val="35000"/>
-                          </a:schemeClr>
-                        </a:solidFill>
-                      </a:endParaRPr>
                     </a:p>
                   </a:txBody>
                   <a:tcPr anchor="ctr"/>
                 </a:tc>
+                <a:extLst>
+                  <a:ext uri="{0D108BD9-81ED-4DB2-BD59-A6C34878D82A}">
+                    <a16:rowId xmlns:a16="http://schemas.microsoft.com/office/drawing/2014/main" val="10003"/>
+                  </a:ext>
+                </a:extLst>
               </a:tr>
               <a:tr h="400833">
                 <a:tc>
@@ -12313,10 +11614,9 @@
                     <a:p>
                       <a:pPr algn="ctr"/>
                       <a:r>
-                        <a:rPr lang="en-US" dirty="0" smtClean="0"/>
+                        <a:rPr lang="en-US" dirty="0"/>
                         <a:t>3rd</a:t>
                       </a:r>
-                      <a:endParaRPr lang="en-US" dirty="0"/>
                     </a:p>
                   </a:txBody>
                   <a:tcPr anchor="ctr"/>
@@ -12328,10 +11628,9 @@
                     <a:p>
                       <a:pPr algn="ctr"/>
                       <a:r>
-                        <a:rPr lang="en-US" dirty="0" smtClean="0"/>
+                        <a:rPr lang="en-US" dirty="0"/>
                         <a:t>76</a:t>
                       </a:r>
-                      <a:endParaRPr lang="en-US" dirty="0"/>
                     </a:p>
                   </a:txBody>
                   <a:tcPr anchor="ctr"/>
@@ -12343,10 +11642,9 @@
                     <a:p>
                       <a:pPr algn="ctr"/>
                       <a:r>
-                        <a:rPr lang="en-US" dirty="0" smtClean="0"/>
+                        <a:rPr lang="en-US" dirty="0"/>
                         <a:t>89</a:t>
                       </a:r>
-                      <a:endParaRPr lang="en-US" dirty="0"/>
                     </a:p>
                   </a:txBody>
                   <a:tcPr anchor="ctr"/>
@@ -12358,7 +11656,7 @@
                     <a:p>
                       <a:pPr algn="ctr"/>
                       <a:r>
-                        <a:rPr lang="en-US" dirty="0" smtClean="0">
+                        <a:rPr lang="en-US" dirty="0">
                           <a:solidFill>
                             <a:schemeClr val="tx1">
                               <a:lumMod val="65000"/>
@@ -12368,18 +11666,15 @@
                         </a:rPr>
                         <a:t>165</a:t>
                       </a:r>
-                      <a:endParaRPr lang="en-US" dirty="0">
-                        <a:solidFill>
-                          <a:schemeClr val="tx1">
-                            <a:lumMod val="65000"/>
-                            <a:lumOff val="35000"/>
-                          </a:schemeClr>
-                        </a:solidFill>
-                      </a:endParaRPr>
                     </a:p>
                   </a:txBody>
                   <a:tcPr anchor="ctr"/>
                 </a:tc>
+                <a:extLst>
+                  <a:ext uri="{0D108BD9-81ED-4DB2-BD59-A6C34878D82A}">
+                    <a16:rowId xmlns:a16="http://schemas.microsoft.com/office/drawing/2014/main" val="10004"/>
+                  </a:ext>
+                </a:extLst>
               </a:tr>
               <a:tr h="425885">
                 <a:tc>
@@ -12389,10 +11684,9 @@
                     <a:p>
                       <a:pPr algn="ctr"/>
                       <a:r>
-                        <a:rPr lang="en-US" dirty="0" smtClean="0"/>
+                        <a:rPr lang="en-US" dirty="0"/>
                         <a:t>Crew</a:t>
                       </a:r>
-                      <a:endParaRPr lang="en-US" dirty="0"/>
                     </a:p>
                   </a:txBody>
                   <a:tcPr anchor="ctr"/>
@@ -12404,10 +11698,9 @@
                     <a:p>
                       <a:pPr algn="ctr"/>
                       <a:r>
-                        <a:rPr lang="en-US" dirty="0" smtClean="0"/>
+                        <a:rPr lang="en-US" dirty="0"/>
                         <a:t>20</a:t>
                       </a:r>
-                      <a:endParaRPr lang="en-US" dirty="0"/>
                     </a:p>
                   </a:txBody>
                   <a:tcPr anchor="ctr"/>
@@ -12419,10 +11712,9 @@
                     <a:p>
                       <a:pPr algn="ctr"/>
                       <a:r>
-                        <a:rPr lang="en-US" dirty="0" smtClean="0"/>
+                        <a:rPr lang="en-US" dirty="0"/>
                         <a:t>3</a:t>
                       </a:r>
-                      <a:endParaRPr lang="en-US" dirty="0"/>
                     </a:p>
                   </a:txBody>
                   <a:tcPr anchor="ctr"/>
@@ -12434,7 +11726,7 @@
                     <a:p>
                       <a:pPr algn="ctr"/>
                       <a:r>
-                        <a:rPr lang="en-US" dirty="0" smtClean="0">
+                        <a:rPr lang="en-US" dirty="0">
                           <a:solidFill>
                             <a:schemeClr val="tx1">
                               <a:lumMod val="65000"/>
@@ -12444,18 +11736,15 @@
                         </a:rPr>
                         <a:t>23</a:t>
                       </a:r>
-                      <a:endParaRPr lang="en-US" dirty="0">
-                        <a:solidFill>
-                          <a:schemeClr val="tx1">
-                            <a:lumMod val="65000"/>
-                            <a:lumOff val="35000"/>
-                          </a:schemeClr>
-                        </a:solidFill>
-                      </a:endParaRPr>
                     </a:p>
                   </a:txBody>
                   <a:tcPr anchor="ctr"/>
                 </a:tc>
+                <a:extLst>
+                  <a:ext uri="{0D108BD9-81ED-4DB2-BD59-A6C34878D82A}">
+                    <a16:rowId xmlns:a16="http://schemas.microsoft.com/office/drawing/2014/main" val="10005"/>
+                  </a:ext>
+                </a:extLst>
               </a:tr>
               <a:tr h="425885">
                 <a:tc>
@@ -12465,10 +11754,9 @@
                     <a:p>
                       <a:pPr algn="ctr"/>
                       <a:r>
-                        <a:rPr lang="en-US" dirty="0" smtClean="0"/>
+                        <a:rPr lang="en-US" dirty="0"/>
                         <a:t>total</a:t>
                       </a:r>
-                      <a:endParaRPr lang="en-US" dirty="0"/>
                     </a:p>
                   </a:txBody>
                   <a:tcPr anchor="ctr"/>
@@ -12480,7 +11768,7 @@
                     <a:p>
                       <a:pPr algn="ctr"/>
                       <a:r>
-                        <a:rPr lang="en-US" dirty="0" smtClean="0">
+                        <a:rPr lang="en-US" dirty="0">
                           <a:solidFill>
                             <a:schemeClr val="tx1">
                               <a:lumMod val="65000"/>
@@ -12490,14 +11778,6 @@
                         </a:rPr>
                         <a:t>74.4%</a:t>
                       </a:r>
-                      <a:endParaRPr lang="en-US" dirty="0">
-                        <a:solidFill>
-                          <a:schemeClr val="tx1">
-                            <a:lumMod val="65000"/>
-                            <a:lumOff val="35000"/>
-                          </a:schemeClr>
-                        </a:solidFill>
-                      </a:endParaRPr>
                     </a:p>
                   </a:txBody>
                   <a:tcPr anchor="ctr"/>
@@ -12509,7 +11789,7 @@
                     <a:p>
                       <a:pPr algn="ctr"/>
                       <a:r>
-                        <a:rPr lang="en-US" dirty="0" smtClean="0">
+                        <a:rPr lang="en-US" dirty="0">
                           <a:solidFill>
                             <a:schemeClr val="tx1">
                               <a:lumMod val="65000"/>
@@ -12519,14 +11799,6 @@
                         </a:rPr>
                         <a:t>25.6%</a:t>
                       </a:r>
-                      <a:endParaRPr lang="en-US" dirty="0">
-                        <a:solidFill>
-                          <a:schemeClr val="tx1">
-                            <a:lumMod val="65000"/>
-                            <a:lumOff val="35000"/>
-                          </a:schemeClr>
-                        </a:solidFill>
-                      </a:endParaRPr>
                     </a:p>
                   </a:txBody>
                   <a:tcPr anchor="ctr"/>
@@ -12542,6 +11814,11 @@
                   </a:txBody>
                   <a:tcPr anchor="ctr"/>
                 </a:tc>
+                <a:extLst>
+                  <a:ext uri="{0D108BD9-81ED-4DB2-BD59-A6C34878D82A}">
+                    <a16:rowId xmlns:a16="http://schemas.microsoft.com/office/drawing/2014/main" val="10006"/>
+                  </a:ext>
+                </a:extLst>
               </a:tr>
             </a:tbl>
           </a:graphicData>
@@ -12572,9 +11849,27 @@
                 <a:tableStyleId>{5C22544A-7EE6-4342-B048-85BDC9FD1C3A}</a:tableStyleId>
               </a:tblPr>
               <a:tblGrid>
-                <a:gridCol w="1680923"/>
-                <a:gridCol w="1680923"/>
-                <a:gridCol w="1680923"/>
+                <a:gridCol w="1680923">
+                  <a:extLst>
+                    <a:ext uri="{9D8B030D-6E8A-4147-A177-3AD203B41FA5}">
+                      <a16:colId xmlns:a16="http://schemas.microsoft.com/office/drawing/2014/main" val="20000"/>
+                    </a:ext>
+                  </a:extLst>
+                </a:gridCol>
+                <a:gridCol w="1680923">
+                  <a:extLst>
+                    <a:ext uri="{9D8B030D-6E8A-4147-A177-3AD203B41FA5}">
+                      <a16:colId xmlns:a16="http://schemas.microsoft.com/office/drawing/2014/main" val="20001"/>
+                    </a:ext>
+                  </a:extLst>
+                </a:gridCol>
+                <a:gridCol w="1680923">
+                  <a:extLst>
+                    <a:ext uri="{9D8B030D-6E8A-4147-A177-3AD203B41FA5}">
+                      <a16:colId xmlns:a16="http://schemas.microsoft.com/office/drawing/2014/main" val="20002"/>
+                    </a:ext>
+                  </a:extLst>
+                </a:gridCol>
               </a:tblGrid>
               <a:tr h="464829">
                 <a:tc gridSpan="3">
@@ -12584,13 +11879,22 @@
                     <a:p>
                       <a:pPr algn="ctr"/>
                       <a:r>
-                        <a:rPr lang="en-US" dirty="0" smtClean="0"/>
+                        <a:rPr lang="en-US" dirty="0"/>
                         <a:t>Expected</a:t>
                       </a:r>
+                    </a:p>
+                  </a:txBody>
+                  <a:tcPr anchor="ctr"/>
+                </a:tc>
+                <a:tc hMerge="1">
+                  <a:txBody>
+                    <a:bodyPr/>
+                    <a:lstStyle/>
+                    <a:p>
                       <a:endParaRPr lang="en-US" dirty="0"/>
                     </a:p>
                   </a:txBody>
-                  <a:tcPr anchor="ctr"/>
+                  <a:tcPr/>
                 </a:tc>
                 <a:tc hMerge="1">
                   <a:txBody>
@@ -12602,16 +11906,11 @@
                   </a:txBody>
                   <a:tcPr/>
                 </a:tc>
-                <a:tc hMerge="1">
-                  <a:txBody>
-                    <a:bodyPr/>
-                    <a:lstStyle/>
-                    <a:p>
-                      <a:endParaRPr lang="en-US" dirty="0"/>
-                    </a:p>
-                  </a:txBody>
-                  <a:tcPr/>
-                </a:tc>
+                <a:extLst>
+                  <a:ext uri="{0D108BD9-81ED-4DB2-BD59-A6C34878D82A}">
+                    <a16:rowId xmlns:a16="http://schemas.microsoft.com/office/drawing/2014/main" val="10000"/>
+                  </a:ext>
+                </a:extLst>
               </a:tr>
               <a:tr h="438411">
                 <a:tc>
@@ -12632,10 +11931,9 @@
                     <a:p>
                       <a:pPr algn="ctr"/>
                       <a:r>
-                        <a:rPr lang="en-US" dirty="0" smtClean="0"/>
+                        <a:rPr lang="en-US" dirty="0"/>
                         <a:t>Survived</a:t>
                       </a:r>
-                      <a:endParaRPr lang="en-US" dirty="0"/>
                     </a:p>
                   </a:txBody>
                   <a:tcPr anchor="ctr"/>
@@ -12647,14 +11945,18 @@
                     <a:p>
                       <a:pPr algn="ctr"/>
                       <a:r>
-                        <a:rPr lang="en-US" dirty="0" smtClean="0"/>
+                        <a:rPr lang="en-US" dirty="0"/>
                         <a:t>Died</a:t>
                       </a:r>
-                      <a:endParaRPr lang="en-US" dirty="0"/>
                     </a:p>
                   </a:txBody>
                   <a:tcPr anchor="ctr"/>
                 </a:tc>
+                <a:extLst>
+                  <a:ext uri="{0D108BD9-81ED-4DB2-BD59-A6C34878D82A}">
+                    <a16:rowId xmlns:a16="http://schemas.microsoft.com/office/drawing/2014/main" val="10001"/>
+                  </a:ext>
+                </a:extLst>
               </a:tr>
               <a:tr h="438410">
                 <a:tc>
@@ -12664,10 +11966,9 @@
                     <a:p>
                       <a:pPr algn="ctr"/>
                       <a:r>
-                        <a:rPr lang="en-US" dirty="0" smtClean="0"/>
+                        <a:rPr lang="en-US" dirty="0"/>
                         <a:t>1st</a:t>
                       </a:r>
-                      <a:endParaRPr lang="en-US" dirty="0"/>
                     </a:p>
                   </a:txBody>
                   <a:tcPr anchor="ctr"/>
@@ -12679,10 +11980,9 @@
                     <a:p>
                       <a:pPr algn="ctr"/>
                       <a:r>
-                        <a:rPr lang="en-US" dirty="0" smtClean="0"/>
+                        <a:rPr lang="en-US" dirty="0"/>
                         <a:t>.744 x 144</a:t>
                       </a:r>
-                      <a:endParaRPr lang="en-US" dirty="0"/>
                     </a:p>
                   </a:txBody>
                   <a:tcPr anchor="ctr"/>
@@ -12694,14 +11994,18 @@
                     <a:p>
                       <a:pPr algn="ctr"/>
                       <a:r>
-                        <a:rPr lang="en-US" dirty="0" smtClean="0"/>
+                        <a:rPr lang="en-US" dirty="0"/>
                         <a:t>.256 x 144</a:t>
                       </a:r>
-                      <a:endParaRPr lang="en-US" dirty="0"/>
                     </a:p>
                   </a:txBody>
                   <a:tcPr anchor="ctr"/>
                 </a:tc>
+                <a:extLst>
+                  <a:ext uri="{0D108BD9-81ED-4DB2-BD59-A6C34878D82A}">
+                    <a16:rowId xmlns:a16="http://schemas.microsoft.com/office/drawing/2014/main" val="10002"/>
+                  </a:ext>
+                </a:extLst>
               </a:tr>
               <a:tr h="400833">
                 <a:tc>
@@ -12711,10 +12015,9 @@
                     <a:p>
                       <a:pPr algn="ctr"/>
                       <a:r>
-                        <a:rPr lang="en-US" dirty="0" smtClean="0"/>
+                        <a:rPr lang="en-US" dirty="0"/>
                         <a:t>2nd</a:t>
                       </a:r>
-                      <a:endParaRPr lang="en-US" dirty="0"/>
                     </a:p>
                   </a:txBody>
                   <a:tcPr anchor="ctr"/>
@@ -12726,10 +12029,9 @@
                     <a:p>
                       <a:pPr algn="ctr"/>
                       <a:r>
-                        <a:rPr lang="en-US" dirty="0" smtClean="0"/>
+                        <a:rPr lang="en-US" dirty="0"/>
                         <a:t>.744 x 93</a:t>
                       </a:r>
-                      <a:endParaRPr lang="en-US" dirty="0"/>
                     </a:p>
                   </a:txBody>
                   <a:tcPr anchor="ctr"/>
@@ -12741,14 +12043,18 @@
                     <a:p>
                       <a:pPr algn="ctr"/>
                       <a:r>
-                        <a:rPr lang="en-US" dirty="0" smtClean="0"/>
+                        <a:rPr lang="en-US" dirty="0"/>
                         <a:t>.256 x 93</a:t>
                       </a:r>
-                      <a:endParaRPr lang="en-US" dirty="0"/>
                     </a:p>
                   </a:txBody>
                   <a:tcPr anchor="ctr"/>
                 </a:tc>
+                <a:extLst>
+                  <a:ext uri="{0D108BD9-81ED-4DB2-BD59-A6C34878D82A}">
+                    <a16:rowId xmlns:a16="http://schemas.microsoft.com/office/drawing/2014/main" val="10003"/>
+                  </a:ext>
+                </a:extLst>
               </a:tr>
               <a:tr h="400833">
                 <a:tc>
@@ -12758,10 +12064,9 @@
                     <a:p>
                       <a:pPr algn="ctr"/>
                       <a:r>
-                        <a:rPr lang="en-US" dirty="0" smtClean="0"/>
+                        <a:rPr lang="en-US" dirty="0"/>
                         <a:t>3rd</a:t>
                       </a:r>
-                      <a:endParaRPr lang="en-US" dirty="0"/>
                     </a:p>
                   </a:txBody>
                   <a:tcPr anchor="ctr"/>
@@ -12773,10 +12078,9 @@
                     <a:p>
                       <a:pPr algn="ctr"/>
                       <a:r>
-                        <a:rPr lang="en-US" dirty="0" smtClean="0"/>
+                        <a:rPr lang="en-US" dirty="0"/>
                         <a:t>.744 x 165</a:t>
                       </a:r>
-                      <a:endParaRPr lang="en-US" dirty="0"/>
                     </a:p>
                   </a:txBody>
                   <a:tcPr anchor="ctr"/>
@@ -12788,14 +12092,18 @@
                     <a:p>
                       <a:pPr algn="ctr"/>
                       <a:r>
-                        <a:rPr lang="en-US" dirty="0" smtClean="0"/>
+                        <a:rPr lang="en-US" dirty="0"/>
                         <a:t>.256 x 165</a:t>
                       </a:r>
-                      <a:endParaRPr lang="en-US" dirty="0"/>
                     </a:p>
                   </a:txBody>
                   <a:tcPr anchor="ctr"/>
                 </a:tc>
+                <a:extLst>
+                  <a:ext uri="{0D108BD9-81ED-4DB2-BD59-A6C34878D82A}">
+                    <a16:rowId xmlns:a16="http://schemas.microsoft.com/office/drawing/2014/main" val="10004"/>
+                  </a:ext>
+                </a:extLst>
               </a:tr>
               <a:tr h="425885">
                 <a:tc>
@@ -12805,10 +12113,9 @@
                     <a:p>
                       <a:pPr algn="ctr"/>
                       <a:r>
-                        <a:rPr lang="en-US" dirty="0" smtClean="0"/>
+                        <a:rPr lang="en-US" dirty="0"/>
                         <a:t>Crew</a:t>
                       </a:r>
-                      <a:endParaRPr lang="en-US" dirty="0"/>
                     </a:p>
                   </a:txBody>
                   <a:tcPr anchor="ctr"/>
@@ -12820,10 +12127,9 @@
                     <a:p>
                       <a:pPr algn="ctr"/>
                       <a:r>
-                        <a:rPr lang="en-US" dirty="0" smtClean="0"/>
+                        <a:rPr lang="en-US" dirty="0"/>
                         <a:t>.744 x 23</a:t>
                       </a:r>
-                      <a:endParaRPr lang="en-US" dirty="0"/>
                     </a:p>
                   </a:txBody>
                   <a:tcPr anchor="ctr"/>
@@ -12835,14 +12141,18 @@
                     <a:p>
                       <a:pPr algn="ctr"/>
                       <a:r>
-                        <a:rPr lang="en-US" dirty="0" smtClean="0"/>
+                        <a:rPr lang="en-US" dirty="0"/>
                         <a:t>.256 x 23</a:t>
                       </a:r>
-                      <a:endParaRPr lang="en-US" dirty="0"/>
                     </a:p>
                   </a:txBody>
                   <a:tcPr anchor="ctr"/>
                 </a:tc>
+                <a:extLst>
+                  <a:ext uri="{0D108BD9-81ED-4DB2-BD59-A6C34878D82A}">
+                    <a16:rowId xmlns:a16="http://schemas.microsoft.com/office/drawing/2014/main" val="10005"/>
+                  </a:ext>
+                </a:extLst>
               </a:tr>
             </a:tbl>
           </a:graphicData>
@@ -12858,13 +12168,6 @@
   <p:clrMapOvr>
     <a:masterClrMapping/>
   </p:clrMapOvr>
-  <p:timing>
-    <p:tnLst>
-      <p:par>
-        <p:cTn id="1" dur="indefinite" restart="never" nodeType="tmRoot"/>
-      </p:par>
-    </p:tnLst>
-  </p:timing>
 </p:sld>
 </file>
 
@@ -12932,7 +12235,7 @@
                             <a:solidFill>
                               <a:schemeClr val="bg1"/>
                             </a:solidFill>
-                            <a:latin typeface="Cambria Math" charset="0"/>
+                            <a:latin typeface="Cambria Math" panose="02040503050406030204" pitchFamily="18" charset="0"/>
                           </a:rPr>
                         </m:ctrlPr>
                       </m:sSupPr>
@@ -12972,21 +12275,8 @@
                       <a:schemeClr val="bg1"/>
                     </a:solidFill>
                   </a:rPr>
-                  <a:t> </a:t>
+                  <a:t>  Test</a:t>
                 </a:r>
-                <a:r>
-                  <a:rPr lang="en-US" b="1" dirty="0" smtClean="0">
-                    <a:solidFill>
-                      <a:schemeClr val="bg1"/>
-                    </a:solidFill>
-                  </a:rPr>
-                  <a:t> Test</a:t>
-                </a:r>
-                <a:endParaRPr lang="en-US" b="1" dirty="0">
-                  <a:solidFill>
-                    <a:schemeClr val="bg1"/>
-                  </a:solidFill>
-                </a:endParaRPr>
               </a:p>
             </p:txBody>
           </p:sp>
@@ -13054,10 +12344,9 @@
               <a:lstStyle/>
               <a:p>
                 <a:r>
-                  <a:rPr lang="en-US" sz="2800" dirty="0" smtClean="0"/>
+                  <a:rPr lang="en-US" sz="2800" dirty="0"/>
                   <a:t>To calculate the statistic we just sum up the standardized deviations from the expected values. </a:t>
                 </a:r>
-                <a:endParaRPr lang="en-US" sz="2800" dirty="0"/>
               </a:p>
               <a:p>
                 <a:pPr/>
@@ -13071,7 +12360,7 @@
                         <m:sSupPr>
                           <m:ctrlPr>
                             <a:rPr lang="en-US" sz="2800" i="1" smtClean="0">
-                              <a:latin typeface="Cambria Math" charset="0"/>
+                              <a:latin typeface="Cambria Math" panose="02040503050406030204" pitchFamily="18" charset="0"/>
                             </a:rPr>
                           </m:ctrlPr>
                         </m:sSupPr>
@@ -13105,7 +12394,7 @@
                           <m:chr m:val="∑"/>
                           <m:ctrlPr>
                             <a:rPr lang="is-IS" sz="2800" b="0" i="1" smtClean="0">
-                              <a:latin typeface="Cambria Math" charset="0"/>
+                              <a:latin typeface="Cambria Math" panose="02040503050406030204" pitchFamily="18" charset="0"/>
                             </a:rPr>
                           </m:ctrlPr>
                         </m:naryPr>
@@ -13139,7 +12428,7 @@
                             <m:fPr>
                               <m:ctrlPr>
                                 <a:rPr lang="mr-IN" sz="2800" b="0" i="1" smtClean="0">
-                                  <a:latin typeface="Cambria Math" charset="0"/>
+                                  <a:latin typeface="Cambria Math" panose="02040503050406030204" pitchFamily="18" charset="0"/>
                                 </a:rPr>
                               </m:ctrlPr>
                             </m:fPr>
@@ -13148,7 +12437,7 @@
                                 <m:sSupPr>
                                   <m:ctrlPr>
                                     <a:rPr lang="mr-IN" sz="2800" b="0" i="1" smtClean="0">
-                                      <a:latin typeface="Cambria Math" charset="0"/>
+                                      <a:latin typeface="Cambria Math" panose="02040503050406030204" pitchFamily="18" charset="0"/>
                                     </a:rPr>
                                   </m:ctrlPr>
                                 </m:sSupPr>
@@ -13157,7 +12446,7 @@
                                     <m:dPr>
                                       <m:ctrlPr>
                                         <a:rPr lang="mr-IN" sz="2800" b="0" i="1" smtClean="0">
-                                          <a:latin typeface="Cambria Math" charset="0"/>
+                                          <a:latin typeface="Cambria Math" panose="02040503050406030204" pitchFamily="18" charset="0"/>
                                         </a:rPr>
                                       </m:ctrlPr>
                                     </m:dPr>
@@ -13166,7 +12455,7 @@
                                         <m:sSubPr>
                                           <m:ctrlPr>
                                             <a:rPr lang="en-US" sz="2800" b="0" i="1" smtClean="0">
-                                              <a:latin typeface="Cambria Math" charset="0"/>
+                                              <a:latin typeface="Cambria Math" panose="02040503050406030204" pitchFamily="18" charset="0"/>
                                             </a:rPr>
                                           </m:ctrlPr>
                                         </m:sSubPr>
@@ -13197,7 +12486,7 @@
                                         <m:sSubPr>
                                           <m:ctrlPr>
                                             <a:rPr lang="en-US" sz="2800" b="0" i="1" smtClean="0">
-                                              <a:latin typeface="Cambria Math" charset="0"/>
+                                              <a:latin typeface="Cambria Math" panose="02040503050406030204" pitchFamily="18" charset="0"/>
                                             </a:rPr>
                                           </m:ctrlPr>
                                         </m:sSubPr>
@@ -13236,7 +12525,7 @@
                                 <m:sSubPr>
                                   <m:ctrlPr>
                                     <a:rPr lang="en-US" sz="2800" b="0" i="1" smtClean="0">
-                                      <a:latin typeface="Cambria Math" charset="0"/>
+                                      <a:latin typeface="Cambria Math" panose="02040503050406030204" pitchFamily="18" charset="0"/>
                                     </a:rPr>
                                   </m:ctrlPr>
                                 </m:sSubPr>
@@ -13264,7 +12553,7 @@
                     </m:oMath>
                   </m:oMathPara>
                 </a14:m>
-                <a:endParaRPr lang="en-US" sz="2800" dirty="0" smtClean="0"/>
+                <a:endParaRPr lang="en-US" sz="2800" dirty="0"/>
               </a:p>
               <a:p>
                 <a:endParaRPr lang="en-US" sz="2800" dirty="0"/>
@@ -13336,10 +12625,34 @@
                 <a:tableStyleId>{5C22544A-7EE6-4342-B048-85BDC9FD1C3A}</a:tableStyleId>
               </a:tblPr>
               <a:tblGrid>
-                <a:gridCol w="1260692"/>
-                <a:gridCol w="1260692"/>
-                <a:gridCol w="1260692"/>
-                <a:gridCol w="1260692"/>
+                <a:gridCol w="1260692">
+                  <a:extLst>
+                    <a:ext uri="{9D8B030D-6E8A-4147-A177-3AD203B41FA5}">
+                      <a16:colId xmlns:a16="http://schemas.microsoft.com/office/drawing/2014/main" val="20000"/>
+                    </a:ext>
+                  </a:extLst>
+                </a:gridCol>
+                <a:gridCol w="1260692">
+                  <a:extLst>
+                    <a:ext uri="{9D8B030D-6E8A-4147-A177-3AD203B41FA5}">
+                      <a16:colId xmlns:a16="http://schemas.microsoft.com/office/drawing/2014/main" val="20001"/>
+                    </a:ext>
+                  </a:extLst>
+                </a:gridCol>
+                <a:gridCol w="1260692">
+                  <a:extLst>
+                    <a:ext uri="{9D8B030D-6E8A-4147-A177-3AD203B41FA5}">
+                      <a16:colId xmlns:a16="http://schemas.microsoft.com/office/drawing/2014/main" val="20002"/>
+                    </a:ext>
+                  </a:extLst>
+                </a:gridCol>
+                <a:gridCol w="1260692">
+                  <a:extLst>
+                    <a:ext uri="{9D8B030D-6E8A-4147-A177-3AD203B41FA5}">
+                      <a16:colId xmlns:a16="http://schemas.microsoft.com/office/drawing/2014/main" val="20003"/>
+                    </a:ext>
+                  </a:extLst>
+                </a:gridCol>
               </a:tblGrid>
               <a:tr h="464829">
                 <a:tc gridSpan="3">
@@ -13349,10 +12662,9 @@
                     <a:p>
                       <a:pPr algn="ctr"/>
                       <a:r>
-                        <a:rPr lang="en-US" dirty="0" smtClean="0"/>
+                        <a:rPr lang="en-US" dirty="0"/>
                         <a:t>Female adults on the Titanic</a:t>
                       </a:r>
-                      <a:endParaRPr lang="en-US" dirty="0"/>
                     </a:p>
                   </a:txBody>
                   <a:tcPr anchor="ctr"/>
@@ -13388,6 +12700,11 @@
                   </a:txBody>
                   <a:tcPr anchor="ctr"/>
                 </a:tc>
+                <a:extLst>
+                  <a:ext uri="{0D108BD9-81ED-4DB2-BD59-A6C34878D82A}">
+                    <a16:rowId xmlns:a16="http://schemas.microsoft.com/office/drawing/2014/main" val="10000"/>
+                  </a:ext>
+                </a:extLst>
               </a:tr>
               <a:tr h="438411">
                 <a:tc>
@@ -13408,10 +12725,9 @@
                     <a:p>
                       <a:pPr algn="ctr"/>
                       <a:r>
-                        <a:rPr lang="en-US" dirty="0" smtClean="0"/>
+                        <a:rPr lang="en-US" dirty="0"/>
                         <a:t>Survived</a:t>
                       </a:r>
-                      <a:endParaRPr lang="en-US" dirty="0"/>
                     </a:p>
                   </a:txBody>
                   <a:tcPr anchor="ctr"/>
@@ -13423,10 +12739,9 @@
                     <a:p>
                       <a:pPr algn="ctr"/>
                       <a:r>
-                        <a:rPr lang="en-US" dirty="0" smtClean="0"/>
+                        <a:rPr lang="en-US" dirty="0"/>
                         <a:t>Died</a:t>
                       </a:r>
-                      <a:endParaRPr lang="en-US" dirty="0"/>
                     </a:p>
                   </a:txBody>
                   <a:tcPr anchor="ctr"/>
@@ -13442,6 +12757,11 @@
                   </a:txBody>
                   <a:tcPr anchor="ctr"/>
                 </a:tc>
+                <a:extLst>
+                  <a:ext uri="{0D108BD9-81ED-4DB2-BD59-A6C34878D82A}">
+                    <a16:rowId xmlns:a16="http://schemas.microsoft.com/office/drawing/2014/main" val="10001"/>
+                  </a:ext>
+                </a:extLst>
               </a:tr>
               <a:tr h="438410">
                 <a:tc>
@@ -13451,10 +12771,9 @@
                     <a:p>
                       <a:pPr algn="ctr"/>
                       <a:r>
-                        <a:rPr lang="en-US" dirty="0" smtClean="0"/>
+                        <a:rPr lang="en-US" dirty="0"/>
                         <a:t>1st</a:t>
                       </a:r>
-                      <a:endParaRPr lang="en-US" dirty="0"/>
                     </a:p>
                   </a:txBody>
                   <a:tcPr anchor="ctr"/>
@@ -13466,10 +12785,9 @@
                     <a:p>
                       <a:pPr algn="ctr"/>
                       <a:r>
-                        <a:rPr lang="en-US" dirty="0" smtClean="0"/>
+                        <a:rPr lang="en-US" dirty="0"/>
                         <a:t>140</a:t>
                       </a:r>
-                      <a:endParaRPr lang="en-US" dirty="0"/>
                     </a:p>
                   </a:txBody>
                   <a:tcPr anchor="ctr"/>
@@ -13481,10 +12799,9 @@
                     <a:p>
                       <a:pPr algn="ctr"/>
                       <a:r>
-                        <a:rPr lang="en-US" dirty="0" smtClean="0"/>
+                        <a:rPr lang="en-US" dirty="0"/>
                         <a:t>4</a:t>
                       </a:r>
-                      <a:endParaRPr lang="en-US" dirty="0"/>
                     </a:p>
                   </a:txBody>
                   <a:tcPr anchor="ctr"/>
@@ -13496,7 +12813,7 @@
                     <a:p>
                       <a:pPr algn="ctr"/>
                       <a:r>
-                        <a:rPr lang="en-US" dirty="0" smtClean="0">
+                        <a:rPr lang="en-US" dirty="0">
                           <a:solidFill>
                             <a:schemeClr val="tx1">
                               <a:lumMod val="65000"/>
@@ -13506,18 +12823,15 @@
                         </a:rPr>
                         <a:t>144</a:t>
                       </a:r>
-                      <a:endParaRPr lang="en-US" dirty="0">
-                        <a:solidFill>
-                          <a:schemeClr val="tx1">
-                            <a:lumMod val="65000"/>
-                            <a:lumOff val="35000"/>
-                          </a:schemeClr>
-                        </a:solidFill>
-                      </a:endParaRPr>
                     </a:p>
                   </a:txBody>
                   <a:tcPr anchor="ctr"/>
                 </a:tc>
+                <a:extLst>
+                  <a:ext uri="{0D108BD9-81ED-4DB2-BD59-A6C34878D82A}">
+                    <a16:rowId xmlns:a16="http://schemas.microsoft.com/office/drawing/2014/main" val="10002"/>
+                  </a:ext>
+                </a:extLst>
               </a:tr>
               <a:tr h="400833">
                 <a:tc>
@@ -13527,10 +12841,9 @@
                     <a:p>
                       <a:pPr algn="ctr"/>
                       <a:r>
-                        <a:rPr lang="en-US" dirty="0" smtClean="0"/>
+                        <a:rPr lang="en-US" dirty="0"/>
                         <a:t>2nd</a:t>
                       </a:r>
-                      <a:endParaRPr lang="en-US" dirty="0"/>
                     </a:p>
                   </a:txBody>
                   <a:tcPr anchor="ctr"/>
@@ -13542,10 +12855,9 @@
                     <a:p>
                       <a:pPr algn="ctr"/>
                       <a:r>
-                        <a:rPr lang="en-US" dirty="0" smtClean="0"/>
+                        <a:rPr lang="en-US" dirty="0"/>
                         <a:t>80</a:t>
                       </a:r>
-                      <a:endParaRPr lang="en-US" dirty="0"/>
                     </a:p>
                   </a:txBody>
                   <a:tcPr anchor="ctr"/>
@@ -13557,10 +12869,9 @@
                     <a:p>
                       <a:pPr algn="ctr"/>
                       <a:r>
-                        <a:rPr lang="en-US" dirty="0" smtClean="0"/>
+                        <a:rPr lang="en-US" dirty="0"/>
                         <a:t>13</a:t>
                       </a:r>
-                      <a:endParaRPr lang="en-US" dirty="0"/>
                     </a:p>
                   </a:txBody>
                   <a:tcPr anchor="ctr"/>
@@ -13572,7 +12883,7 @@
                     <a:p>
                       <a:pPr algn="ctr"/>
                       <a:r>
-                        <a:rPr lang="en-US" dirty="0" smtClean="0">
+                        <a:rPr lang="en-US" dirty="0">
                           <a:solidFill>
                             <a:schemeClr val="tx1">
                               <a:lumMod val="65000"/>
@@ -13582,18 +12893,15 @@
                         </a:rPr>
                         <a:t>93</a:t>
                       </a:r>
-                      <a:endParaRPr lang="en-US" dirty="0">
-                        <a:solidFill>
-                          <a:schemeClr val="tx1">
-                            <a:lumMod val="65000"/>
-                            <a:lumOff val="35000"/>
-                          </a:schemeClr>
-                        </a:solidFill>
-                      </a:endParaRPr>
                     </a:p>
                   </a:txBody>
                   <a:tcPr anchor="ctr"/>
                 </a:tc>
+                <a:extLst>
+                  <a:ext uri="{0D108BD9-81ED-4DB2-BD59-A6C34878D82A}">
+                    <a16:rowId xmlns:a16="http://schemas.microsoft.com/office/drawing/2014/main" val="10003"/>
+                  </a:ext>
+                </a:extLst>
               </a:tr>
               <a:tr h="400833">
                 <a:tc>
@@ -13603,10 +12911,9 @@
                     <a:p>
                       <a:pPr algn="ctr"/>
                       <a:r>
-                        <a:rPr lang="en-US" dirty="0" smtClean="0"/>
+                        <a:rPr lang="en-US" dirty="0"/>
                         <a:t>3rd</a:t>
                       </a:r>
-                      <a:endParaRPr lang="en-US" dirty="0"/>
                     </a:p>
                   </a:txBody>
                   <a:tcPr anchor="ctr"/>
@@ -13618,10 +12925,9 @@
                     <a:p>
                       <a:pPr algn="ctr"/>
                       <a:r>
-                        <a:rPr lang="en-US" dirty="0" smtClean="0"/>
+                        <a:rPr lang="en-US" dirty="0"/>
                         <a:t>76</a:t>
                       </a:r>
-                      <a:endParaRPr lang="en-US" dirty="0"/>
                     </a:p>
                   </a:txBody>
                   <a:tcPr anchor="ctr"/>
@@ -13633,10 +12939,9 @@
                     <a:p>
                       <a:pPr algn="ctr"/>
                       <a:r>
-                        <a:rPr lang="en-US" dirty="0" smtClean="0"/>
+                        <a:rPr lang="en-US" dirty="0"/>
                         <a:t>89</a:t>
                       </a:r>
-                      <a:endParaRPr lang="en-US" dirty="0"/>
                     </a:p>
                   </a:txBody>
                   <a:tcPr anchor="ctr"/>
@@ -13648,7 +12953,7 @@
                     <a:p>
                       <a:pPr algn="ctr"/>
                       <a:r>
-                        <a:rPr lang="en-US" dirty="0" smtClean="0">
+                        <a:rPr lang="en-US" dirty="0">
                           <a:solidFill>
                             <a:schemeClr val="tx1">
                               <a:lumMod val="65000"/>
@@ -13658,18 +12963,15 @@
                         </a:rPr>
                         <a:t>165</a:t>
                       </a:r>
-                      <a:endParaRPr lang="en-US" dirty="0">
-                        <a:solidFill>
-                          <a:schemeClr val="tx1">
-                            <a:lumMod val="65000"/>
-                            <a:lumOff val="35000"/>
-                          </a:schemeClr>
-                        </a:solidFill>
-                      </a:endParaRPr>
                     </a:p>
                   </a:txBody>
                   <a:tcPr anchor="ctr"/>
                 </a:tc>
+                <a:extLst>
+                  <a:ext uri="{0D108BD9-81ED-4DB2-BD59-A6C34878D82A}">
+                    <a16:rowId xmlns:a16="http://schemas.microsoft.com/office/drawing/2014/main" val="10004"/>
+                  </a:ext>
+                </a:extLst>
               </a:tr>
               <a:tr h="425885">
                 <a:tc>
@@ -13679,10 +12981,9 @@
                     <a:p>
                       <a:pPr algn="ctr"/>
                       <a:r>
-                        <a:rPr lang="en-US" dirty="0" smtClean="0"/>
+                        <a:rPr lang="en-US" dirty="0"/>
                         <a:t>Crew</a:t>
                       </a:r>
-                      <a:endParaRPr lang="en-US" dirty="0"/>
                     </a:p>
                   </a:txBody>
                   <a:tcPr anchor="ctr"/>
@@ -13694,10 +12995,9 @@
                     <a:p>
                       <a:pPr algn="ctr"/>
                       <a:r>
-                        <a:rPr lang="en-US" dirty="0" smtClean="0"/>
+                        <a:rPr lang="en-US" dirty="0"/>
                         <a:t>20</a:t>
                       </a:r>
-                      <a:endParaRPr lang="en-US" dirty="0"/>
                     </a:p>
                   </a:txBody>
                   <a:tcPr anchor="ctr"/>
@@ -13709,10 +13009,9 @@
                     <a:p>
                       <a:pPr algn="ctr"/>
                       <a:r>
-                        <a:rPr lang="en-US" dirty="0" smtClean="0"/>
+                        <a:rPr lang="en-US" dirty="0"/>
                         <a:t>3</a:t>
                       </a:r>
-                      <a:endParaRPr lang="en-US" dirty="0"/>
                     </a:p>
                   </a:txBody>
                   <a:tcPr anchor="ctr"/>
@@ -13724,7 +13023,7 @@
                     <a:p>
                       <a:pPr algn="ctr"/>
                       <a:r>
-                        <a:rPr lang="en-US" dirty="0" smtClean="0">
+                        <a:rPr lang="en-US" dirty="0">
                           <a:solidFill>
                             <a:schemeClr val="tx1">
                               <a:lumMod val="65000"/>
@@ -13734,18 +13033,15 @@
                         </a:rPr>
                         <a:t>23</a:t>
                       </a:r>
-                      <a:endParaRPr lang="en-US" dirty="0">
-                        <a:solidFill>
-                          <a:schemeClr val="tx1">
-                            <a:lumMod val="65000"/>
-                            <a:lumOff val="35000"/>
-                          </a:schemeClr>
-                        </a:solidFill>
-                      </a:endParaRPr>
                     </a:p>
                   </a:txBody>
                   <a:tcPr anchor="ctr"/>
                 </a:tc>
+                <a:extLst>
+                  <a:ext uri="{0D108BD9-81ED-4DB2-BD59-A6C34878D82A}">
+                    <a16:rowId xmlns:a16="http://schemas.microsoft.com/office/drawing/2014/main" val="10005"/>
+                  </a:ext>
+                </a:extLst>
               </a:tr>
               <a:tr h="425885">
                 <a:tc>
@@ -13755,10 +13051,9 @@
                     <a:p>
                       <a:pPr algn="ctr"/>
                       <a:r>
-                        <a:rPr lang="en-US" dirty="0" smtClean="0"/>
+                        <a:rPr lang="en-US" dirty="0"/>
                         <a:t>total</a:t>
                       </a:r>
-                      <a:endParaRPr lang="en-US" dirty="0"/>
                     </a:p>
                   </a:txBody>
                   <a:tcPr anchor="ctr"/>
@@ -13770,7 +13065,7 @@
                     <a:p>
                       <a:pPr algn="ctr"/>
                       <a:r>
-                        <a:rPr lang="en-US" dirty="0" smtClean="0">
+                        <a:rPr lang="en-US" dirty="0">
                           <a:solidFill>
                             <a:schemeClr val="tx1">
                               <a:lumMod val="65000"/>
@@ -13780,14 +13075,6 @@
                         </a:rPr>
                         <a:t>74.4%</a:t>
                       </a:r>
-                      <a:endParaRPr lang="en-US" dirty="0">
-                        <a:solidFill>
-                          <a:schemeClr val="tx1">
-                            <a:lumMod val="65000"/>
-                            <a:lumOff val="35000"/>
-                          </a:schemeClr>
-                        </a:solidFill>
-                      </a:endParaRPr>
                     </a:p>
                   </a:txBody>
                   <a:tcPr anchor="ctr"/>
@@ -13799,7 +13086,7 @@
                     <a:p>
                       <a:pPr algn="ctr"/>
                       <a:r>
-                        <a:rPr lang="en-US" dirty="0" smtClean="0">
+                        <a:rPr lang="en-US" dirty="0">
                           <a:solidFill>
                             <a:schemeClr val="tx1">
                               <a:lumMod val="65000"/>
@@ -13809,14 +13096,6 @@
                         </a:rPr>
                         <a:t>25.6%</a:t>
                       </a:r>
-                      <a:endParaRPr lang="en-US" dirty="0">
-                        <a:solidFill>
-                          <a:schemeClr val="tx1">
-                            <a:lumMod val="65000"/>
-                            <a:lumOff val="35000"/>
-                          </a:schemeClr>
-                        </a:solidFill>
-                      </a:endParaRPr>
                     </a:p>
                   </a:txBody>
                   <a:tcPr anchor="ctr"/>
@@ -13832,6 +13111,11 @@
                   </a:txBody>
                   <a:tcPr anchor="ctr"/>
                 </a:tc>
+                <a:extLst>
+                  <a:ext uri="{0D108BD9-81ED-4DB2-BD59-A6C34878D82A}">
+                    <a16:rowId xmlns:a16="http://schemas.microsoft.com/office/drawing/2014/main" val="10006"/>
+                  </a:ext>
+                </a:extLst>
               </a:tr>
             </a:tbl>
           </a:graphicData>
@@ -13862,9 +13146,27 @@
                 <a:tableStyleId>{5C22544A-7EE6-4342-B048-85BDC9FD1C3A}</a:tableStyleId>
               </a:tblPr>
               <a:tblGrid>
-                <a:gridCol w="1680923"/>
-                <a:gridCol w="1680923"/>
-                <a:gridCol w="1680923"/>
+                <a:gridCol w="1680923">
+                  <a:extLst>
+                    <a:ext uri="{9D8B030D-6E8A-4147-A177-3AD203B41FA5}">
+                      <a16:colId xmlns:a16="http://schemas.microsoft.com/office/drawing/2014/main" val="20000"/>
+                    </a:ext>
+                  </a:extLst>
+                </a:gridCol>
+                <a:gridCol w="1680923">
+                  <a:extLst>
+                    <a:ext uri="{9D8B030D-6E8A-4147-A177-3AD203B41FA5}">
+                      <a16:colId xmlns:a16="http://schemas.microsoft.com/office/drawing/2014/main" val="20001"/>
+                    </a:ext>
+                  </a:extLst>
+                </a:gridCol>
+                <a:gridCol w="1680923">
+                  <a:extLst>
+                    <a:ext uri="{9D8B030D-6E8A-4147-A177-3AD203B41FA5}">
+                      <a16:colId xmlns:a16="http://schemas.microsoft.com/office/drawing/2014/main" val="20002"/>
+                    </a:ext>
+                  </a:extLst>
+                </a:gridCol>
               </a:tblGrid>
               <a:tr h="464829">
                 <a:tc gridSpan="3">
@@ -13874,13 +13176,22 @@
                     <a:p>
                       <a:pPr algn="ctr"/>
                       <a:r>
-                        <a:rPr lang="en-US" dirty="0" smtClean="0"/>
+                        <a:rPr lang="en-US" dirty="0"/>
                         <a:t>Expected</a:t>
                       </a:r>
+                    </a:p>
+                  </a:txBody>
+                  <a:tcPr anchor="ctr"/>
+                </a:tc>
+                <a:tc hMerge="1">
+                  <a:txBody>
+                    <a:bodyPr/>
+                    <a:lstStyle/>
+                    <a:p>
                       <a:endParaRPr lang="en-US" dirty="0"/>
                     </a:p>
                   </a:txBody>
-                  <a:tcPr anchor="ctr"/>
+                  <a:tcPr/>
                 </a:tc>
                 <a:tc hMerge="1">
                   <a:txBody>
@@ -13892,16 +13203,11 @@
                   </a:txBody>
                   <a:tcPr/>
                 </a:tc>
-                <a:tc hMerge="1">
-                  <a:txBody>
-                    <a:bodyPr/>
-                    <a:lstStyle/>
-                    <a:p>
-                      <a:endParaRPr lang="en-US" dirty="0"/>
-                    </a:p>
-                  </a:txBody>
-                  <a:tcPr/>
-                </a:tc>
+                <a:extLst>
+                  <a:ext uri="{0D108BD9-81ED-4DB2-BD59-A6C34878D82A}">
+                    <a16:rowId xmlns:a16="http://schemas.microsoft.com/office/drawing/2014/main" val="10000"/>
+                  </a:ext>
+                </a:extLst>
               </a:tr>
               <a:tr h="438411">
                 <a:tc>
@@ -13922,10 +13228,9 @@
                     <a:p>
                       <a:pPr algn="ctr"/>
                       <a:r>
-                        <a:rPr lang="en-US" dirty="0" smtClean="0"/>
+                        <a:rPr lang="en-US" dirty="0"/>
                         <a:t>Survived</a:t>
                       </a:r>
-                      <a:endParaRPr lang="en-US" dirty="0"/>
                     </a:p>
                   </a:txBody>
                   <a:tcPr anchor="ctr"/>
@@ -13937,14 +13242,18 @@
                     <a:p>
                       <a:pPr algn="ctr"/>
                       <a:r>
-                        <a:rPr lang="en-US" dirty="0" smtClean="0"/>
+                        <a:rPr lang="en-US" dirty="0"/>
                         <a:t>Died</a:t>
                       </a:r>
-                      <a:endParaRPr lang="en-US" dirty="0"/>
                     </a:p>
                   </a:txBody>
                   <a:tcPr anchor="ctr"/>
                 </a:tc>
+                <a:extLst>
+                  <a:ext uri="{0D108BD9-81ED-4DB2-BD59-A6C34878D82A}">
+                    <a16:rowId xmlns:a16="http://schemas.microsoft.com/office/drawing/2014/main" val="10001"/>
+                  </a:ext>
+                </a:extLst>
               </a:tr>
               <a:tr h="438410">
                 <a:tc>
@@ -13954,10 +13263,9 @@
                     <a:p>
                       <a:pPr algn="ctr"/>
                       <a:r>
-                        <a:rPr lang="en-US" dirty="0" smtClean="0"/>
+                        <a:rPr lang="en-US" dirty="0"/>
                         <a:t>1st</a:t>
                       </a:r>
-                      <a:endParaRPr lang="en-US" dirty="0"/>
                     </a:p>
                   </a:txBody>
                   <a:tcPr anchor="ctr"/>
@@ -13969,10 +13277,9 @@
                     <a:p>
                       <a:pPr algn="ctr"/>
                       <a:r>
-                        <a:rPr lang="en-US" dirty="0" smtClean="0"/>
+                        <a:rPr lang="en-US" dirty="0"/>
                         <a:t>107</a:t>
                       </a:r>
-                      <a:endParaRPr lang="en-US" dirty="0"/>
                     </a:p>
                   </a:txBody>
                   <a:tcPr anchor="ctr"/>
@@ -13984,14 +13291,18 @@
                     <a:p>
                       <a:pPr algn="ctr"/>
                       <a:r>
-                        <a:rPr lang="en-US" dirty="0" smtClean="0"/>
+                        <a:rPr lang="en-US" dirty="0"/>
                         <a:t>37</a:t>
                       </a:r>
-                      <a:endParaRPr lang="en-US" dirty="0"/>
                     </a:p>
                   </a:txBody>
                   <a:tcPr anchor="ctr"/>
                 </a:tc>
+                <a:extLst>
+                  <a:ext uri="{0D108BD9-81ED-4DB2-BD59-A6C34878D82A}">
+                    <a16:rowId xmlns:a16="http://schemas.microsoft.com/office/drawing/2014/main" val="10002"/>
+                  </a:ext>
+                </a:extLst>
               </a:tr>
               <a:tr h="400833">
                 <a:tc>
@@ -14001,10 +13312,9 @@
                     <a:p>
                       <a:pPr algn="ctr"/>
                       <a:r>
-                        <a:rPr lang="en-US" dirty="0" smtClean="0"/>
+                        <a:rPr lang="en-US" dirty="0"/>
                         <a:t>2nd</a:t>
                       </a:r>
-                      <a:endParaRPr lang="en-US" dirty="0"/>
                     </a:p>
                   </a:txBody>
                   <a:tcPr anchor="ctr"/>
@@ -14016,10 +13326,9 @@
                     <a:p>
                       <a:pPr algn="ctr"/>
                       <a:r>
-                        <a:rPr lang="en-US" dirty="0" smtClean="0"/>
+                        <a:rPr lang="en-US" dirty="0"/>
                         <a:t>69</a:t>
                       </a:r>
-                      <a:endParaRPr lang="en-US" dirty="0"/>
                     </a:p>
                   </a:txBody>
                   <a:tcPr anchor="ctr"/>
@@ -14031,14 +13340,18 @@
                     <a:p>
                       <a:pPr algn="ctr"/>
                       <a:r>
-                        <a:rPr lang="en-US" dirty="0" smtClean="0"/>
+                        <a:rPr lang="en-US" dirty="0"/>
                         <a:t>24</a:t>
                       </a:r>
-                      <a:endParaRPr lang="en-US" dirty="0"/>
                     </a:p>
                   </a:txBody>
                   <a:tcPr anchor="ctr"/>
                 </a:tc>
+                <a:extLst>
+                  <a:ext uri="{0D108BD9-81ED-4DB2-BD59-A6C34878D82A}">
+                    <a16:rowId xmlns:a16="http://schemas.microsoft.com/office/drawing/2014/main" val="10003"/>
+                  </a:ext>
+                </a:extLst>
               </a:tr>
               <a:tr h="400833">
                 <a:tc>
@@ -14048,10 +13361,9 @@
                     <a:p>
                       <a:pPr algn="ctr"/>
                       <a:r>
-                        <a:rPr lang="en-US" dirty="0" smtClean="0"/>
+                        <a:rPr lang="en-US" dirty="0"/>
                         <a:t>3rd</a:t>
                       </a:r>
-                      <a:endParaRPr lang="en-US" dirty="0"/>
                     </a:p>
                   </a:txBody>
                   <a:tcPr anchor="ctr"/>
@@ -14063,10 +13375,9 @@
                     <a:p>
                       <a:pPr algn="ctr"/>
                       <a:r>
-                        <a:rPr lang="en-US" dirty="0" smtClean="0"/>
+                        <a:rPr lang="en-US" dirty="0"/>
                         <a:t>123</a:t>
                       </a:r>
-                      <a:endParaRPr lang="en-US" dirty="0"/>
                     </a:p>
                   </a:txBody>
                   <a:tcPr anchor="ctr"/>
@@ -14078,14 +13389,18 @@
                     <a:p>
                       <a:pPr algn="ctr"/>
                       <a:r>
-                        <a:rPr lang="en-US" dirty="0" smtClean="0"/>
+                        <a:rPr lang="en-US" dirty="0"/>
                         <a:t>42</a:t>
                       </a:r>
-                      <a:endParaRPr lang="en-US" dirty="0"/>
                     </a:p>
                   </a:txBody>
                   <a:tcPr anchor="ctr"/>
                 </a:tc>
+                <a:extLst>
+                  <a:ext uri="{0D108BD9-81ED-4DB2-BD59-A6C34878D82A}">
+                    <a16:rowId xmlns:a16="http://schemas.microsoft.com/office/drawing/2014/main" val="10004"/>
+                  </a:ext>
+                </a:extLst>
               </a:tr>
               <a:tr h="425885">
                 <a:tc>
@@ -14095,10 +13410,9 @@
                     <a:p>
                       <a:pPr algn="ctr"/>
                       <a:r>
-                        <a:rPr lang="en-US" dirty="0" smtClean="0"/>
+                        <a:rPr lang="en-US" dirty="0"/>
                         <a:t>Crew</a:t>
                       </a:r>
-                      <a:endParaRPr lang="en-US" dirty="0"/>
                     </a:p>
                   </a:txBody>
                   <a:tcPr anchor="ctr"/>
@@ -14110,10 +13424,9 @@
                     <a:p>
                       <a:pPr algn="ctr"/>
                       <a:r>
-                        <a:rPr lang="en-US" dirty="0" smtClean="0"/>
+                        <a:rPr lang="en-US" dirty="0"/>
                         <a:t>17</a:t>
                       </a:r>
-                      <a:endParaRPr lang="en-US" dirty="0"/>
                     </a:p>
                   </a:txBody>
                   <a:tcPr anchor="ctr"/>
@@ -14125,14 +13438,18 @@
                     <a:p>
                       <a:pPr algn="ctr"/>
                       <a:r>
-                        <a:rPr lang="en-US" dirty="0" smtClean="0"/>
+                        <a:rPr lang="en-US" dirty="0"/>
                         <a:t>6</a:t>
                       </a:r>
-                      <a:endParaRPr lang="en-US" dirty="0"/>
                     </a:p>
                   </a:txBody>
                   <a:tcPr anchor="ctr"/>
                 </a:tc>
+                <a:extLst>
+                  <a:ext uri="{0D108BD9-81ED-4DB2-BD59-A6C34878D82A}">
+                    <a16:rowId xmlns:a16="http://schemas.microsoft.com/office/drawing/2014/main" val="10005"/>
+                  </a:ext>
+                </a:extLst>
               </a:tr>
             </a:tbl>
           </a:graphicData>
@@ -14148,13 +13465,6 @@
   <p:clrMapOvr>
     <a:masterClrMapping/>
   </p:clrMapOvr>
-  <p:timing>
-    <p:tnLst>
-      <p:par>
-        <p:cTn id="1" dur="indefinite" restart="never" nodeType="tmRoot"/>
-      </p:par>
-    </p:tnLst>
-  </p:timing>
 </p:sld>
 </file>
 
@@ -14222,7 +13532,7 @@
                             <a:solidFill>
                               <a:schemeClr val="bg1"/>
                             </a:solidFill>
-                            <a:latin typeface="Cambria Math" charset="0"/>
+                            <a:latin typeface="Cambria Math" panose="02040503050406030204" pitchFamily="18" charset="0"/>
                           </a:rPr>
                         </m:ctrlPr>
                       </m:sSupPr>
@@ -14262,21 +13572,8 @@
                       <a:schemeClr val="bg1"/>
                     </a:solidFill>
                   </a:rPr>
-                  <a:t> </a:t>
+                  <a:t>  Test</a:t>
                 </a:r>
-                <a:r>
-                  <a:rPr lang="en-US" b="1" dirty="0" smtClean="0">
-                    <a:solidFill>
-                      <a:schemeClr val="bg1"/>
-                    </a:solidFill>
-                  </a:rPr>
-                  <a:t> Test</a:t>
-                </a:r>
-                <a:endParaRPr lang="en-US" b="1" dirty="0">
-                  <a:solidFill>
-                    <a:schemeClr val="bg1"/>
-                  </a:solidFill>
-                </a:endParaRPr>
               </a:p>
             </p:txBody>
           </p:sp>
@@ -14344,10 +13641,9 @@
               <a:lstStyle/>
               <a:p>
                 <a:r>
-                  <a:rPr lang="en-US" sz="2800" dirty="0" smtClean="0"/>
+                  <a:rPr lang="en-US" sz="2800" dirty="0"/>
                   <a:t>To calculate the statistic we just sum up the standardized deviations from the expected values. </a:t>
                 </a:r>
-                <a:endParaRPr lang="en-US" sz="2800" dirty="0"/>
               </a:p>
               <a:p>
                 <a:pPr/>
@@ -14361,7 +13657,7 @@
                         <m:sSupPr>
                           <m:ctrlPr>
                             <a:rPr lang="en-US" sz="2800" i="1" smtClean="0">
-                              <a:latin typeface="Cambria Math" charset="0"/>
+                              <a:latin typeface="Cambria Math" panose="02040503050406030204" pitchFamily="18" charset="0"/>
                             </a:rPr>
                           </m:ctrlPr>
                         </m:sSupPr>
@@ -14395,7 +13691,7 @@
                           <m:chr m:val="∑"/>
                           <m:ctrlPr>
                             <a:rPr lang="is-IS" sz="2800" b="0" i="1" smtClean="0">
-                              <a:latin typeface="Cambria Math" charset="0"/>
+                              <a:latin typeface="Cambria Math" panose="02040503050406030204" pitchFamily="18" charset="0"/>
                             </a:rPr>
                           </m:ctrlPr>
                         </m:naryPr>
@@ -14429,7 +13725,7 @@
                             <m:fPr>
                               <m:ctrlPr>
                                 <a:rPr lang="mr-IN" sz="2800" b="0" i="1" smtClean="0">
-                                  <a:latin typeface="Cambria Math" charset="0"/>
+                                  <a:latin typeface="Cambria Math" panose="02040503050406030204" pitchFamily="18" charset="0"/>
                                 </a:rPr>
                               </m:ctrlPr>
                             </m:fPr>
@@ -14438,7 +13734,7 @@
                                 <m:sSupPr>
                                   <m:ctrlPr>
                                     <a:rPr lang="mr-IN" sz="2800" b="0" i="1" smtClean="0">
-                                      <a:latin typeface="Cambria Math" charset="0"/>
+                                      <a:latin typeface="Cambria Math" panose="02040503050406030204" pitchFamily="18" charset="0"/>
                                     </a:rPr>
                                   </m:ctrlPr>
                                 </m:sSupPr>
@@ -14447,7 +13743,7 @@
                                     <m:dPr>
                                       <m:ctrlPr>
                                         <a:rPr lang="mr-IN" sz="2800" b="0" i="1" smtClean="0">
-                                          <a:latin typeface="Cambria Math" charset="0"/>
+                                          <a:latin typeface="Cambria Math" panose="02040503050406030204" pitchFamily="18" charset="0"/>
                                         </a:rPr>
                                       </m:ctrlPr>
                                     </m:dPr>
@@ -14456,7 +13752,7 @@
                                         <m:sSubPr>
                                           <m:ctrlPr>
                                             <a:rPr lang="en-US" sz="2800" b="0" i="1" smtClean="0">
-                                              <a:latin typeface="Cambria Math" charset="0"/>
+                                              <a:latin typeface="Cambria Math" panose="02040503050406030204" pitchFamily="18" charset="0"/>
                                             </a:rPr>
                                           </m:ctrlPr>
                                         </m:sSubPr>
@@ -14487,7 +13783,7 @@
                                         <m:sSubPr>
                                           <m:ctrlPr>
                                             <a:rPr lang="en-US" sz="2800" b="0" i="1" smtClean="0">
-                                              <a:latin typeface="Cambria Math" charset="0"/>
+                                              <a:latin typeface="Cambria Math" panose="02040503050406030204" pitchFamily="18" charset="0"/>
                                             </a:rPr>
                                           </m:ctrlPr>
                                         </m:sSubPr>
@@ -14526,7 +13822,7 @@
                                 <m:sSubPr>
                                   <m:ctrlPr>
                                     <a:rPr lang="en-US" sz="2800" b="0" i="1" smtClean="0">
-                                      <a:latin typeface="Cambria Math" charset="0"/>
+                                      <a:latin typeface="Cambria Math" panose="02040503050406030204" pitchFamily="18" charset="0"/>
                                     </a:rPr>
                                   </m:ctrlPr>
                                 </m:sSubPr>
@@ -14554,7 +13850,7 @@
                     </m:oMath>
                   </m:oMathPara>
                 </a14:m>
-                <a:endParaRPr lang="en-US" sz="2800" dirty="0" smtClean="0"/>
+                <a:endParaRPr lang="en-US" sz="2800" dirty="0"/>
               </a:p>
               <a:p>
                 <a:endParaRPr lang="en-US" sz="2800" dirty="0"/>
@@ -14626,9 +13922,27 @@
                 <a:tableStyleId>{5C22544A-7EE6-4342-B048-85BDC9FD1C3A}</a:tableStyleId>
               </a:tblPr>
               <a:tblGrid>
-                <a:gridCol w="1260692"/>
-                <a:gridCol w="1260692"/>
-                <a:gridCol w="1260692"/>
+                <a:gridCol w="1260692">
+                  <a:extLst>
+                    <a:ext uri="{9D8B030D-6E8A-4147-A177-3AD203B41FA5}">
+                      <a16:colId xmlns:a16="http://schemas.microsoft.com/office/drawing/2014/main" val="20000"/>
+                    </a:ext>
+                  </a:extLst>
+                </a:gridCol>
+                <a:gridCol w="1260692">
+                  <a:extLst>
+                    <a:ext uri="{9D8B030D-6E8A-4147-A177-3AD203B41FA5}">
+                      <a16:colId xmlns:a16="http://schemas.microsoft.com/office/drawing/2014/main" val="20001"/>
+                    </a:ext>
+                  </a:extLst>
+                </a:gridCol>
+                <a:gridCol w="1260692">
+                  <a:extLst>
+                    <a:ext uri="{9D8B030D-6E8A-4147-A177-3AD203B41FA5}">
+                      <a16:colId xmlns:a16="http://schemas.microsoft.com/office/drawing/2014/main" val="20002"/>
+                    </a:ext>
+                  </a:extLst>
+                </a:gridCol>
               </a:tblGrid>
               <a:tr h="464829">
                 <a:tc gridSpan="3">
@@ -14638,13 +13952,22 @@
                     <a:p>
                       <a:pPr algn="ctr"/>
                       <a:r>
-                        <a:rPr lang="en-US" dirty="0" smtClean="0"/>
+                        <a:rPr lang="en-US" dirty="0"/>
                         <a:t>Observed</a:t>
                       </a:r>
+                    </a:p>
+                  </a:txBody>
+                  <a:tcPr anchor="ctr"/>
+                </a:tc>
+                <a:tc hMerge="1">
+                  <a:txBody>
+                    <a:bodyPr/>
+                    <a:lstStyle/>
+                    <a:p>
                       <a:endParaRPr lang="en-US" dirty="0"/>
                     </a:p>
                   </a:txBody>
-                  <a:tcPr anchor="ctr"/>
+                  <a:tcPr/>
                 </a:tc>
                 <a:tc hMerge="1">
                   <a:txBody>
@@ -14656,16 +13979,11 @@
                   </a:txBody>
                   <a:tcPr/>
                 </a:tc>
-                <a:tc hMerge="1">
-                  <a:txBody>
-                    <a:bodyPr/>
-                    <a:lstStyle/>
-                    <a:p>
-                      <a:endParaRPr lang="en-US" dirty="0"/>
-                    </a:p>
-                  </a:txBody>
-                  <a:tcPr/>
-                </a:tc>
+                <a:extLst>
+                  <a:ext uri="{0D108BD9-81ED-4DB2-BD59-A6C34878D82A}">
+                    <a16:rowId xmlns:a16="http://schemas.microsoft.com/office/drawing/2014/main" val="10000"/>
+                  </a:ext>
+                </a:extLst>
               </a:tr>
               <a:tr h="438411">
                 <a:tc>
@@ -14686,10 +14004,9 @@
                     <a:p>
                       <a:pPr algn="ctr"/>
                       <a:r>
-                        <a:rPr lang="en-US" dirty="0" smtClean="0"/>
+                        <a:rPr lang="en-US" dirty="0"/>
                         <a:t>Survived</a:t>
                       </a:r>
-                      <a:endParaRPr lang="en-US" dirty="0"/>
                     </a:p>
                   </a:txBody>
                   <a:tcPr anchor="ctr"/>
@@ -14701,14 +14018,18 @@
                     <a:p>
                       <a:pPr algn="ctr"/>
                       <a:r>
-                        <a:rPr lang="en-US" dirty="0" smtClean="0"/>
+                        <a:rPr lang="en-US" dirty="0"/>
                         <a:t>Died</a:t>
                       </a:r>
-                      <a:endParaRPr lang="en-US" dirty="0"/>
                     </a:p>
                   </a:txBody>
                   <a:tcPr anchor="ctr"/>
                 </a:tc>
+                <a:extLst>
+                  <a:ext uri="{0D108BD9-81ED-4DB2-BD59-A6C34878D82A}">
+                    <a16:rowId xmlns:a16="http://schemas.microsoft.com/office/drawing/2014/main" val="10001"/>
+                  </a:ext>
+                </a:extLst>
               </a:tr>
               <a:tr h="438410">
                 <a:tc>
@@ -14718,10 +14039,9 @@
                     <a:p>
                       <a:pPr algn="ctr"/>
                       <a:r>
-                        <a:rPr lang="en-US" dirty="0" smtClean="0"/>
+                        <a:rPr lang="en-US" dirty="0"/>
                         <a:t>1st</a:t>
                       </a:r>
-                      <a:endParaRPr lang="en-US" dirty="0"/>
                     </a:p>
                   </a:txBody>
                   <a:tcPr anchor="ctr"/>
@@ -14733,10 +14053,9 @@
                     <a:p>
                       <a:pPr algn="ctr"/>
                       <a:r>
-                        <a:rPr lang="en-US" dirty="0" smtClean="0"/>
+                        <a:rPr lang="en-US" dirty="0"/>
                         <a:t>140</a:t>
                       </a:r>
-                      <a:endParaRPr lang="en-US" dirty="0"/>
                     </a:p>
                   </a:txBody>
                   <a:tcPr anchor="ctr"/>
@@ -14748,14 +14067,18 @@
                     <a:p>
                       <a:pPr algn="ctr"/>
                       <a:r>
-                        <a:rPr lang="en-US" dirty="0" smtClean="0"/>
+                        <a:rPr lang="en-US" dirty="0"/>
                         <a:t>4</a:t>
                       </a:r>
-                      <a:endParaRPr lang="en-US" dirty="0"/>
                     </a:p>
                   </a:txBody>
                   <a:tcPr anchor="ctr"/>
                 </a:tc>
+                <a:extLst>
+                  <a:ext uri="{0D108BD9-81ED-4DB2-BD59-A6C34878D82A}">
+                    <a16:rowId xmlns:a16="http://schemas.microsoft.com/office/drawing/2014/main" val="10002"/>
+                  </a:ext>
+                </a:extLst>
               </a:tr>
               <a:tr h="400833">
                 <a:tc>
@@ -14765,10 +14088,9 @@
                     <a:p>
                       <a:pPr algn="ctr"/>
                       <a:r>
-                        <a:rPr lang="en-US" dirty="0" smtClean="0"/>
+                        <a:rPr lang="en-US" dirty="0"/>
                         <a:t>2nd</a:t>
                       </a:r>
-                      <a:endParaRPr lang="en-US" dirty="0"/>
                     </a:p>
                   </a:txBody>
                   <a:tcPr anchor="ctr"/>
@@ -14780,10 +14102,9 @@
                     <a:p>
                       <a:pPr algn="ctr"/>
                       <a:r>
-                        <a:rPr lang="en-US" dirty="0" smtClean="0"/>
+                        <a:rPr lang="en-US" dirty="0"/>
                         <a:t>80</a:t>
                       </a:r>
-                      <a:endParaRPr lang="en-US" dirty="0"/>
                     </a:p>
                   </a:txBody>
                   <a:tcPr anchor="ctr"/>
@@ -14795,14 +14116,18 @@
                     <a:p>
                       <a:pPr algn="ctr"/>
                       <a:r>
-                        <a:rPr lang="en-US" dirty="0" smtClean="0"/>
+                        <a:rPr lang="en-US" dirty="0"/>
                         <a:t>13</a:t>
                       </a:r>
-                      <a:endParaRPr lang="en-US" dirty="0"/>
                     </a:p>
                   </a:txBody>
                   <a:tcPr anchor="ctr"/>
                 </a:tc>
+                <a:extLst>
+                  <a:ext uri="{0D108BD9-81ED-4DB2-BD59-A6C34878D82A}">
+                    <a16:rowId xmlns:a16="http://schemas.microsoft.com/office/drawing/2014/main" val="10003"/>
+                  </a:ext>
+                </a:extLst>
               </a:tr>
               <a:tr h="400833">
                 <a:tc>
@@ -14812,10 +14137,9 @@
                     <a:p>
                       <a:pPr algn="ctr"/>
                       <a:r>
-                        <a:rPr lang="en-US" dirty="0" smtClean="0"/>
+                        <a:rPr lang="en-US" dirty="0"/>
                         <a:t>3rd</a:t>
                       </a:r>
-                      <a:endParaRPr lang="en-US" dirty="0"/>
                     </a:p>
                   </a:txBody>
                   <a:tcPr anchor="ctr"/>
@@ -14827,10 +14151,9 @@
                     <a:p>
                       <a:pPr algn="ctr"/>
                       <a:r>
-                        <a:rPr lang="en-US" dirty="0" smtClean="0"/>
+                        <a:rPr lang="en-US" dirty="0"/>
                         <a:t>76</a:t>
                       </a:r>
-                      <a:endParaRPr lang="en-US" dirty="0"/>
                     </a:p>
                   </a:txBody>
                   <a:tcPr anchor="ctr"/>
@@ -14842,14 +14165,18 @@
                     <a:p>
                       <a:pPr algn="ctr"/>
                       <a:r>
-                        <a:rPr lang="en-US" dirty="0" smtClean="0"/>
+                        <a:rPr lang="en-US" dirty="0"/>
                         <a:t>89</a:t>
                       </a:r>
-                      <a:endParaRPr lang="en-US" dirty="0"/>
                     </a:p>
                   </a:txBody>
                   <a:tcPr anchor="ctr"/>
                 </a:tc>
+                <a:extLst>
+                  <a:ext uri="{0D108BD9-81ED-4DB2-BD59-A6C34878D82A}">
+                    <a16:rowId xmlns:a16="http://schemas.microsoft.com/office/drawing/2014/main" val="10004"/>
+                  </a:ext>
+                </a:extLst>
               </a:tr>
               <a:tr h="425885">
                 <a:tc>
@@ -14859,10 +14186,9 @@
                     <a:p>
                       <a:pPr algn="ctr"/>
                       <a:r>
-                        <a:rPr lang="en-US" dirty="0" smtClean="0"/>
+                        <a:rPr lang="en-US" dirty="0"/>
                         <a:t>Crew</a:t>
                       </a:r>
-                      <a:endParaRPr lang="en-US" dirty="0"/>
                     </a:p>
                   </a:txBody>
                   <a:tcPr anchor="ctr"/>
@@ -14874,10 +14200,9 @@
                     <a:p>
                       <a:pPr algn="ctr"/>
                       <a:r>
-                        <a:rPr lang="en-US" dirty="0" smtClean="0"/>
+                        <a:rPr lang="en-US" dirty="0"/>
                         <a:t>20</a:t>
                       </a:r>
-                      <a:endParaRPr lang="en-US" dirty="0"/>
                     </a:p>
                   </a:txBody>
                   <a:tcPr anchor="ctr"/>
@@ -14889,14 +14214,18 @@
                     <a:p>
                       <a:pPr algn="ctr"/>
                       <a:r>
-                        <a:rPr lang="en-US" dirty="0" smtClean="0"/>
+                        <a:rPr lang="en-US" dirty="0"/>
                         <a:t>3</a:t>
                       </a:r>
-                      <a:endParaRPr lang="en-US" dirty="0"/>
                     </a:p>
                   </a:txBody>
                   <a:tcPr anchor="ctr"/>
                 </a:tc>
+                <a:extLst>
+                  <a:ext uri="{0D108BD9-81ED-4DB2-BD59-A6C34878D82A}">
+                    <a16:rowId xmlns:a16="http://schemas.microsoft.com/office/drawing/2014/main" val="10005"/>
+                  </a:ext>
+                </a:extLst>
               </a:tr>
             </a:tbl>
           </a:graphicData>
@@ -14927,9 +14256,27 @@
                 <a:tableStyleId>{5C22544A-7EE6-4342-B048-85BDC9FD1C3A}</a:tableStyleId>
               </a:tblPr>
               <a:tblGrid>
-                <a:gridCol w="1260692"/>
-                <a:gridCol w="1260692"/>
-                <a:gridCol w="1260692"/>
+                <a:gridCol w="1260692">
+                  <a:extLst>
+                    <a:ext uri="{9D8B030D-6E8A-4147-A177-3AD203B41FA5}">
+                      <a16:colId xmlns:a16="http://schemas.microsoft.com/office/drawing/2014/main" val="20000"/>
+                    </a:ext>
+                  </a:extLst>
+                </a:gridCol>
+                <a:gridCol w="1260692">
+                  <a:extLst>
+                    <a:ext uri="{9D8B030D-6E8A-4147-A177-3AD203B41FA5}">
+                      <a16:colId xmlns:a16="http://schemas.microsoft.com/office/drawing/2014/main" val="20001"/>
+                    </a:ext>
+                  </a:extLst>
+                </a:gridCol>
+                <a:gridCol w="1260692">
+                  <a:extLst>
+                    <a:ext uri="{9D8B030D-6E8A-4147-A177-3AD203B41FA5}">
+                      <a16:colId xmlns:a16="http://schemas.microsoft.com/office/drawing/2014/main" val="20002"/>
+                    </a:ext>
+                  </a:extLst>
+                </a:gridCol>
               </a:tblGrid>
               <a:tr h="464829">
                 <a:tc gridSpan="3">
@@ -14939,13 +14286,22 @@
                     <a:p>
                       <a:pPr algn="ctr"/>
                       <a:r>
-                        <a:rPr lang="en-US" dirty="0" smtClean="0"/>
+                        <a:rPr lang="en-US" dirty="0"/>
                         <a:t>Expected</a:t>
                       </a:r>
+                    </a:p>
+                  </a:txBody>
+                  <a:tcPr anchor="ctr"/>
+                </a:tc>
+                <a:tc hMerge="1">
+                  <a:txBody>
+                    <a:bodyPr/>
+                    <a:lstStyle/>
+                    <a:p>
                       <a:endParaRPr lang="en-US" dirty="0"/>
                     </a:p>
                   </a:txBody>
-                  <a:tcPr anchor="ctr"/>
+                  <a:tcPr/>
                 </a:tc>
                 <a:tc hMerge="1">
                   <a:txBody>
@@ -14957,16 +14313,11 @@
                   </a:txBody>
                   <a:tcPr/>
                 </a:tc>
-                <a:tc hMerge="1">
-                  <a:txBody>
-                    <a:bodyPr/>
-                    <a:lstStyle/>
-                    <a:p>
-                      <a:endParaRPr lang="en-US" dirty="0"/>
-                    </a:p>
-                  </a:txBody>
-                  <a:tcPr/>
-                </a:tc>
+                <a:extLst>
+                  <a:ext uri="{0D108BD9-81ED-4DB2-BD59-A6C34878D82A}">
+                    <a16:rowId xmlns:a16="http://schemas.microsoft.com/office/drawing/2014/main" val="10000"/>
+                  </a:ext>
+                </a:extLst>
               </a:tr>
               <a:tr h="438411">
                 <a:tc>
@@ -14987,10 +14338,9 @@
                     <a:p>
                       <a:pPr algn="ctr"/>
                       <a:r>
-                        <a:rPr lang="en-US" dirty="0" smtClean="0"/>
+                        <a:rPr lang="en-US" dirty="0"/>
                         <a:t>Survived</a:t>
                       </a:r>
-                      <a:endParaRPr lang="en-US" dirty="0"/>
                     </a:p>
                   </a:txBody>
                   <a:tcPr anchor="ctr"/>
@@ -15002,14 +14352,18 @@
                     <a:p>
                       <a:pPr algn="ctr"/>
                       <a:r>
-                        <a:rPr lang="en-US" dirty="0" smtClean="0"/>
+                        <a:rPr lang="en-US" dirty="0"/>
                         <a:t>Died</a:t>
                       </a:r>
-                      <a:endParaRPr lang="en-US" dirty="0"/>
                     </a:p>
                   </a:txBody>
                   <a:tcPr anchor="ctr"/>
                 </a:tc>
+                <a:extLst>
+                  <a:ext uri="{0D108BD9-81ED-4DB2-BD59-A6C34878D82A}">
+                    <a16:rowId xmlns:a16="http://schemas.microsoft.com/office/drawing/2014/main" val="10001"/>
+                  </a:ext>
+                </a:extLst>
               </a:tr>
               <a:tr h="438410">
                 <a:tc>
@@ -15019,10 +14373,9 @@
                     <a:p>
                       <a:pPr algn="ctr"/>
                       <a:r>
-                        <a:rPr lang="en-US" dirty="0" smtClean="0"/>
+                        <a:rPr lang="en-US" dirty="0"/>
                         <a:t>1st</a:t>
                       </a:r>
-                      <a:endParaRPr lang="en-US" dirty="0"/>
                     </a:p>
                   </a:txBody>
                   <a:tcPr anchor="ctr"/>
@@ -15034,10 +14387,9 @@
                     <a:p>
                       <a:pPr algn="ctr"/>
                       <a:r>
-                        <a:rPr lang="en-US" dirty="0" smtClean="0"/>
+                        <a:rPr lang="en-US" dirty="0"/>
                         <a:t>107</a:t>
                       </a:r>
-                      <a:endParaRPr lang="en-US" dirty="0"/>
                     </a:p>
                   </a:txBody>
                   <a:tcPr anchor="ctr"/>
@@ -15049,14 +14401,18 @@
                     <a:p>
                       <a:pPr algn="ctr"/>
                       <a:r>
-                        <a:rPr lang="en-US" dirty="0" smtClean="0"/>
+                        <a:rPr lang="en-US" dirty="0"/>
                         <a:t>37</a:t>
                       </a:r>
-                      <a:endParaRPr lang="en-US" dirty="0"/>
                     </a:p>
                   </a:txBody>
                   <a:tcPr anchor="ctr"/>
                 </a:tc>
+                <a:extLst>
+                  <a:ext uri="{0D108BD9-81ED-4DB2-BD59-A6C34878D82A}">
+                    <a16:rowId xmlns:a16="http://schemas.microsoft.com/office/drawing/2014/main" val="10002"/>
+                  </a:ext>
+                </a:extLst>
               </a:tr>
               <a:tr h="400833">
                 <a:tc>
@@ -15066,10 +14422,9 @@
                     <a:p>
                       <a:pPr algn="ctr"/>
                       <a:r>
-                        <a:rPr lang="en-US" dirty="0" smtClean="0"/>
+                        <a:rPr lang="en-US" dirty="0"/>
                         <a:t>2nd</a:t>
                       </a:r>
-                      <a:endParaRPr lang="en-US" dirty="0"/>
                     </a:p>
                   </a:txBody>
                   <a:tcPr anchor="ctr"/>
@@ -15081,10 +14436,9 @@
                     <a:p>
                       <a:pPr algn="ctr"/>
                       <a:r>
-                        <a:rPr lang="en-US" dirty="0" smtClean="0"/>
+                        <a:rPr lang="en-US" dirty="0"/>
                         <a:t>69</a:t>
                       </a:r>
-                      <a:endParaRPr lang="en-US" dirty="0"/>
                     </a:p>
                   </a:txBody>
                   <a:tcPr anchor="ctr"/>
@@ -15096,14 +14450,18 @@
                     <a:p>
                       <a:pPr algn="ctr"/>
                       <a:r>
-                        <a:rPr lang="en-US" dirty="0" smtClean="0"/>
+                        <a:rPr lang="en-US" dirty="0"/>
                         <a:t>24</a:t>
                       </a:r>
-                      <a:endParaRPr lang="en-US" dirty="0"/>
                     </a:p>
                   </a:txBody>
                   <a:tcPr anchor="ctr"/>
                 </a:tc>
+                <a:extLst>
+                  <a:ext uri="{0D108BD9-81ED-4DB2-BD59-A6C34878D82A}">
+                    <a16:rowId xmlns:a16="http://schemas.microsoft.com/office/drawing/2014/main" val="10003"/>
+                  </a:ext>
+                </a:extLst>
               </a:tr>
               <a:tr h="400833">
                 <a:tc>
@@ -15113,10 +14471,9 @@
                     <a:p>
                       <a:pPr algn="ctr"/>
                       <a:r>
-                        <a:rPr lang="en-US" dirty="0" smtClean="0"/>
+                        <a:rPr lang="en-US" dirty="0"/>
                         <a:t>3rd</a:t>
                       </a:r>
-                      <a:endParaRPr lang="en-US" dirty="0"/>
                     </a:p>
                   </a:txBody>
                   <a:tcPr anchor="ctr"/>
@@ -15128,10 +14485,9 @@
                     <a:p>
                       <a:pPr algn="ctr"/>
                       <a:r>
-                        <a:rPr lang="en-US" dirty="0" smtClean="0"/>
+                        <a:rPr lang="en-US" dirty="0"/>
                         <a:t>123</a:t>
                       </a:r>
-                      <a:endParaRPr lang="en-US" dirty="0"/>
                     </a:p>
                   </a:txBody>
                   <a:tcPr anchor="ctr"/>
@@ -15143,14 +14499,18 @@
                     <a:p>
                       <a:pPr algn="ctr"/>
                       <a:r>
-                        <a:rPr lang="en-US" dirty="0" smtClean="0"/>
+                        <a:rPr lang="en-US" dirty="0"/>
                         <a:t>42</a:t>
                       </a:r>
-                      <a:endParaRPr lang="en-US" dirty="0"/>
                     </a:p>
                   </a:txBody>
                   <a:tcPr anchor="ctr"/>
                 </a:tc>
+                <a:extLst>
+                  <a:ext uri="{0D108BD9-81ED-4DB2-BD59-A6C34878D82A}">
+                    <a16:rowId xmlns:a16="http://schemas.microsoft.com/office/drawing/2014/main" val="10004"/>
+                  </a:ext>
+                </a:extLst>
               </a:tr>
               <a:tr h="425885">
                 <a:tc>
@@ -15160,10 +14520,9 @@
                     <a:p>
                       <a:pPr algn="ctr"/>
                       <a:r>
-                        <a:rPr lang="en-US" dirty="0" smtClean="0"/>
+                        <a:rPr lang="en-US" dirty="0"/>
                         <a:t>Crew</a:t>
                       </a:r>
-                      <a:endParaRPr lang="en-US" dirty="0"/>
                     </a:p>
                   </a:txBody>
                   <a:tcPr anchor="ctr"/>
@@ -15175,10 +14534,9 @@
                     <a:p>
                       <a:pPr algn="ctr"/>
                       <a:r>
-                        <a:rPr lang="en-US" dirty="0" smtClean="0"/>
+                        <a:rPr lang="en-US" dirty="0"/>
                         <a:t>17</a:t>
                       </a:r>
-                      <a:endParaRPr lang="en-US" dirty="0"/>
                     </a:p>
                   </a:txBody>
                   <a:tcPr anchor="ctr"/>
@@ -15190,14 +14548,18 @@
                     <a:p>
                       <a:pPr algn="ctr"/>
                       <a:r>
-                        <a:rPr lang="en-US" dirty="0" smtClean="0"/>
+                        <a:rPr lang="en-US" dirty="0"/>
                         <a:t>6</a:t>
                       </a:r>
-                      <a:endParaRPr lang="en-US" dirty="0"/>
                     </a:p>
                   </a:txBody>
                   <a:tcPr anchor="ctr"/>
                 </a:tc>
+                <a:extLst>
+                  <a:ext uri="{0D108BD9-81ED-4DB2-BD59-A6C34878D82A}">
+                    <a16:rowId xmlns:a16="http://schemas.microsoft.com/office/drawing/2014/main" val="10005"/>
+                  </a:ext>
+                </a:extLst>
               </a:tr>
             </a:tbl>
           </a:graphicData>
@@ -15237,7 +14599,7 @@
                         <m:sSupPr>
                           <m:ctrlPr>
                             <a:rPr lang="en-US" sz="3600" i="1" smtClean="0">
-                              <a:latin typeface="Cambria Math" charset="0"/>
+                              <a:latin typeface="Cambria Math" panose="02040503050406030204" pitchFamily="18" charset="0"/>
                             </a:rPr>
                           </m:ctrlPr>
                         </m:sSupPr>
@@ -15329,13 +14691,6 @@
   <p:clrMapOvr>
     <a:masterClrMapping/>
   </p:clrMapOvr>
-  <p:timing>
-    <p:tnLst>
-      <p:par>
-        <p:cTn id="1" dur="indefinite" restart="never" nodeType="tmRoot"/>
-      </p:par>
-    </p:tnLst>
-  </p:timing>
 </p:sld>
 </file>
 
@@ -15403,7 +14758,7 @@
                             <a:solidFill>
                               <a:schemeClr val="bg1"/>
                             </a:solidFill>
-                            <a:latin typeface="Cambria Math" charset="0"/>
+                            <a:latin typeface="Cambria Math" panose="02040503050406030204" pitchFamily="18" charset="0"/>
                           </a:rPr>
                         </m:ctrlPr>
                       </m:sSupPr>
@@ -15443,21 +14798,8 @@
                       <a:schemeClr val="bg1"/>
                     </a:solidFill>
                   </a:rPr>
-                  <a:t> </a:t>
+                  <a:t>  Test</a:t>
                 </a:r>
-                <a:r>
-                  <a:rPr lang="en-US" b="1" dirty="0" smtClean="0">
-                    <a:solidFill>
-                      <a:schemeClr val="bg1"/>
-                    </a:solidFill>
-                  </a:rPr>
-                  <a:t> Test</a:t>
-                </a:r>
-                <a:endParaRPr lang="en-US" b="1" dirty="0">
-                  <a:solidFill>
-                    <a:schemeClr val="bg1"/>
-                  </a:solidFill>
-                </a:endParaRPr>
               </a:p>
             </p:txBody>
           </p:sp>
@@ -15523,15 +14865,15 @@
           <a:lstStyle/>
           <a:p>
             <a:r>
-              <a:rPr lang="en-US" sz="2800" dirty="0" smtClean="0"/>
+              <a:rPr lang="en-US" sz="2800" dirty="0"/>
               <a:t>The shape of the chi square distribution depends on the degrees of freedom (</a:t>
             </a:r>
             <a:r>
-              <a:rPr lang="en-US" sz="2800" dirty="0" err="1" smtClean="0"/>
+              <a:rPr lang="en-US" sz="2800" dirty="0" err="1"/>
               <a:t>df</a:t>
             </a:r>
             <a:r>
-              <a:rPr lang="en-US" sz="2800" dirty="0" smtClean="0"/>
+              <a:rPr lang="en-US" sz="2800" dirty="0"/>
               <a:t>).</a:t>
             </a:r>
           </a:p>
@@ -15540,23 +14882,23 @@
           </a:p>
           <a:p>
             <a:r>
-              <a:rPr lang="en-US" sz="2800" dirty="0" smtClean="0"/>
+              <a:rPr lang="en-US" sz="2800" dirty="0"/>
               <a:t> </a:t>
             </a:r>
             <a:r>
-              <a:rPr lang="en-US" sz="2800" dirty="0" err="1" smtClean="0"/>
+              <a:rPr lang="en-US" sz="2800" dirty="0" err="1"/>
               <a:t>df</a:t>
             </a:r>
             <a:r>
-              <a:rPr lang="en-US" sz="2800" dirty="0" smtClean="0"/>
+              <a:rPr lang="en-US" sz="2800" dirty="0"/>
               <a:t> = (no. rows </a:t>
             </a:r>
             <a:r>
-              <a:rPr lang="mr-IN" sz="2800" dirty="0" smtClean="0"/>
+              <a:rPr lang="mr-IN" sz="2800" dirty="0"/>
               <a:t>–</a:t>
             </a:r>
             <a:r>
-              <a:rPr lang="en-US" sz="2800" dirty="0" smtClean="0"/>
+              <a:rPr lang="en-US" sz="2800" dirty="0"/>
               <a:t> 1)(no. cols -1) </a:t>
             </a:r>
           </a:p>
@@ -15568,13 +14910,6 @@
             </a:endParaRPr>
           </a:p>
           <a:p>
-            <a:endParaRPr lang="en-US" sz="2800" dirty="0" smtClean="0">
-              <a:latin typeface="Andale Mono" charset="0"/>
-              <a:ea typeface="Andale Mono" charset="0"/>
-              <a:cs typeface="Andale Mono" charset="0"/>
-            </a:endParaRPr>
-          </a:p>
-          <a:p>
             <a:endParaRPr lang="en-US" sz="2800" dirty="0">
               <a:latin typeface="Andale Mono" charset="0"/>
               <a:ea typeface="Andale Mono" charset="0"/>
@@ -15582,13 +14917,6 @@
             </a:endParaRPr>
           </a:p>
           <a:p>
-            <a:endParaRPr lang="en-US" sz="2800" dirty="0" smtClean="0">
-              <a:latin typeface="Andale Mono" charset="0"/>
-              <a:ea typeface="Andale Mono" charset="0"/>
-              <a:cs typeface="Andale Mono" charset="0"/>
-            </a:endParaRPr>
-          </a:p>
-          <a:p>
             <a:endParaRPr lang="en-US" sz="2800" dirty="0">
               <a:latin typeface="Andale Mono" charset="0"/>
               <a:ea typeface="Andale Mono" charset="0"/>
@@ -15596,13 +14924,6 @@
             </a:endParaRPr>
           </a:p>
           <a:p>
-            <a:endParaRPr lang="en-US" sz="2800" dirty="0" smtClean="0">
-              <a:latin typeface="Andale Mono" charset="0"/>
-              <a:ea typeface="Andale Mono" charset="0"/>
-              <a:cs typeface="Andale Mono" charset="0"/>
-            </a:endParaRPr>
-          </a:p>
-          <a:p>
             <a:endParaRPr lang="en-US" sz="2800" dirty="0">
               <a:latin typeface="Andale Mono" charset="0"/>
               <a:ea typeface="Andale Mono" charset="0"/>
@@ -15610,54 +14931,51 @@
             </a:endParaRPr>
           </a:p>
           <a:p>
+            <a:endParaRPr lang="en-US" sz="2800" dirty="0">
+              <a:latin typeface="Andale Mono" charset="0"/>
+              <a:ea typeface="Andale Mono" charset="0"/>
+              <a:cs typeface="Andale Mono" charset="0"/>
+            </a:endParaRPr>
+          </a:p>
+          <a:p>
+            <a:endParaRPr lang="en-US" sz="2800" dirty="0">
+              <a:latin typeface="Andale Mono" charset="0"/>
+              <a:ea typeface="Andale Mono" charset="0"/>
+              <a:cs typeface="Andale Mono" charset="0"/>
+            </a:endParaRPr>
+          </a:p>
+          <a:p>
+            <a:endParaRPr lang="en-US" sz="2800" dirty="0">
+              <a:latin typeface="Andale Mono" charset="0"/>
+              <a:ea typeface="Andale Mono" charset="0"/>
+              <a:cs typeface="Andale Mono" charset="0"/>
+            </a:endParaRPr>
+          </a:p>
+          <a:p>
             <a:r>
               <a:rPr lang="en-US" sz="2800" dirty="0" err="1"/>
               <a:t>df</a:t>
             </a:r>
             <a:r>
               <a:rPr lang="en-US" sz="2800" dirty="0"/>
-              <a:t> = </a:t>
-            </a:r>
-            <a:r>
-              <a:rPr lang="en-US" sz="2800" dirty="0" smtClean="0"/>
-              <a:t>(4</a:t>
-            </a:r>
-            <a:r>
-              <a:rPr lang="mr-IN" sz="2800" dirty="0" smtClean="0"/>
+              <a:t> = (4</a:t>
+            </a:r>
+            <a:r>
+              <a:rPr lang="mr-IN" sz="2800" dirty="0"/>
               <a:t>–</a:t>
             </a:r>
             <a:r>
-              <a:rPr lang="en-US" sz="2800" dirty="0" smtClean="0"/>
-              <a:t> </a:t>
-            </a:r>
-            <a:r>
               <a:rPr lang="en-US" sz="2800" dirty="0"/>
-              <a:t>1</a:t>
-            </a:r>
-            <a:r>
-              <a:rPr lang="en-US" sz="2800" dirty="0" smtClean="0"/>
-              <a:t>)(2 </a:t>
+              <a:t> 1)(2 -1)</a:t>
+            </a:r>
+          </a:p>
+          <a:p>
+            <a:r>
+              <a:rPr lang="en-US" sz="2800" dirty="0" err="1"/>
+              <a:t>df</a:t>
             </a:r>
             <a:r>
               <a:rPr lang="en-US" sz="2800" dirty="0"/>
-              <a:t>-1</a:t>
-            </a:r>
-            <a:r>
-              <a:rPr lang="en-US" sz="2800" dirty="0" smtClean="0"/>
-              <a:t>)</a:t>
-            </a:r>
-          </a:p>
-          <a:p>
-            <a:r>
-              <a:rPr lang="en-US" sz="2800" dirty="0" err="1"/>
-              <a:t>d</a:t>
-            </a:r>
-            <a:r>
-              <a:rPr lang="en-US" sz="2800" dirty="0" err="1" smtClean="0"/>
-              <a:t>f</a:t>
-            </a:r>
-            <a:r>
-              <a:rPr lang="en-US" sz="2800" dirty="0" smtClean="0"/>
               <a:t> = 3</a:t>
             </a:r>
           </a:p>
@@ -15748,9 +15066,27 @@
                 <a:tableStyleId>{5C22544A-7EE6-4342-B048-85BDC9FD1C3A}</a:tableStyleId>
               </a:tblPr>
               <a:tblGrid>
-                <a:gridCol w="1680923"/>
-                <a:gridCol w="1680923"/>
-                <a:gridCol w="1680923"/>
+                <a:gridCol w="1680923">
+                  <a:extLst>
+                    <a:ext uri="{9D8B030D-6E8A-4147-A177-3AD203B41FA5}">
+                      <a16:colId xmlns:a16="http://schemas.microsoft.com/office/drawing/2014/main" val="20000"/>
+                    </a:ext>
+                  </a:extLst>
+                </a:gridCol>
+                <a:gridCol w="1680923">
+                  <a:extLst>
+                    <a:ext uri="{9D8B030D-6E8A-4147-A177-3AD203B41FA5}">
+                      <a16:colId xmlns:a16="http://schemas.microsoft.com/office/drawing/2014/main" val="20001"/>
+                    </a:ext>
+                  </a:extLst>
+                </a:gridCol>
+                <a:gridCol w="1680923">
+                  <a:extLst>
+                    <a:ext uri="{9D8B030D-6E8A-4147-A177-3AD203B41FA5}">
+                      <a16:colId xmlns:a16="http://schemas.microsoft.com/office/drawing/2014/main" val="20002"/>
+                    </a:ext>
+                  </a:extLst>
+                </a:gridCol>
               </a:tblGrid>
               <a:tr h="464829">
                 <a:tc gridSpan="3">
@@ -15760,13 +15096,22 @@
                     <a:p>
                       <a:pPr algn="ctr"/>
                       <a:r>
-                        <a:rPr lang="en-US" dirty="0" smtClean="0"/>
+                        <a:rPr lang="en-US" dirty="0"/>
                         <a:t>Female adults on the Titanic</a:t>
                       </a:r>
+                    </a:p>
+                  </a:txBody>
+                  <a:tcPr anchor="ctr"/>
+                </a:tc>
+                <a:tc hMerge="1">
+                  <a:txBody>
+                    <a:bodyPr/>
+                    <a:lstStyle/>
+                    <a:p>
                       <a:endParaRPr lang="en-US" dirty="0"/>
                     </a:p>
                   </a:txBody>
-                  <a:tcPr anchor="ctr"/>
+                  <a:tcPr/>
                 </a:tc>
                 <a:tc hMerge="1">
                   <a:txBody>
@@ -15778,16 +15123,11 @@
                   </a:txBody>
                   <a:tcPr/>
                 </a:tc>
-                <a:tc hMerge="1">
-                  <a:txBody>
-                    <a:bodyPr/>
-                    <a:lstStyle/>
-                    <a:p>
-                      <a:endParaRPr lang="en-US" dirty="0"/>
-                    </a:p>
-                  </a:txBody>
-                  <a:tcPr/>
-                </a:tc>
+                <a:extLst>
+                  <a:ext uri="{0D108BD9-81ED-4DB2-BD59-A6C34878D82A}">
+                    <a16:rowId xmlns:a16="http://schemas.microsoft.com/office/drawing/2014/main" val="10000"/>
+                  </a:ext>
+                </a:extLst>
               </a:tr>
               <a:tr h="438411">
                 <a:tc>
@@ -15808,10 +15148,9 @@
                     <a:p>
                       <a:pPr algn="ctr"/>
                       <a:r>
-                        <a:rPr lang="en-US" dirty="0" smtClean="0"/>
+                        <a:rPr lang="en-US" dirty="0"/>
                         <a:t>Survived</a:t>
                       </a:r>
-                      <a:endParaRPr lang="en-US" dirty="0"/>
                     </a:p>
                   </a:txBody>
                   <a:tcPr anchor="ctr"/>
@@ -15823,14 +15162,18 @@
                     <a:p>
                       <a:pPr algn="ctr"/>
                       <a:r>
-                        <a:rPr lang="en-US" dirty="0" smtClean="0"/>
+                        <a:rPr lang="en-US" dirty="0"/>
                         <a:t>Died</a:t>
                       </a:r>
-                      <a:endParaRPr lang="en-US" dirty="0"/>
                     </a:p>
                   </a:txBody>
                   <a:tcPr anchor="ctr"/>
                 </a:tc>
+                <a:extLst>
+                  <a:ext uri="{0D108BD9-81ED-4DB2-BD59-A6C34878D82A}">
+                    <a16:rowId xmlns:a16="http://schemas.microsoft.com/office/drawing/2014/main" val="10001"/>
+                  </a:ext>
+                </a:extLst>
               </a:tr>
               <a:tr h="438410">
                 <a:tc>
@@ -15840,10 +15183,9 @@
                     <a:p>
                       <a:pPr algn="ctr"/>
                       <a:r>
-                        <a:rPr lang="en-US" dirty="0" smtClean="0"/>
+                        <a:rPr lang="en-US" dirty="0"/>
                         <a:t>1st</a:t>
                       </a:r>
-                      <a:endParaRPr lang="en-US" dirty="0"/>
                     </a:p>
                   </a:txBody>
                   <a:tcPr anchor="ctr"/>
@@ -15855,10 +15197,9 @@
                     <a:p>
                       <a:pPr algn="ctr"/>
                       <a:r>
-                        <a:rPr lang="en-US" dirty="0" smtClean="0"/>
+                        <a:rPr lang="en-US" dirty="0"/>
                         <a:t>140</a:t>
                       </a:r>
-                      <a:endParaRPr lang="en-US" dirty="0"/>
                     </a:p>
                   </a:txBody>
                   <a:tcPr anchor="ctr"/>
@@ -15870,14 +15211,18 @@
                     <a:p>
                       <a:pPr algn="ctr"/>
                       <a:r>
-                        <a:rPr lang="en-US" dirty="0" smtClean="0"/>
+                        <a:rPr lang="en-US" dirty="0"/>
                         <a:t>4</a:t>
                       </a:r>
-                      <a:endParaRPr lang="en-US" dirty="0"/>
                     </a:p>
                   </a:txBody>
                   <a:tcPr anchor="ctr"/>
                 </a:tc>
+                <a:extLst>
+                  <a:ext uri="{0D108BD9-81ED-4DB2-BD59-A6C34878D82A}">
+                    <a16:rowId xmlns:a16="http://schemas.microsoft.com/office/drawing/2014/main" val="10002"/>
+                  </a:ext>
+                </a:extLst>
               </a:tr>
               <a:tr h="400833">
                 <a:tc>
@@ -15887,10 +15232,9 @@
                     <a:p>
                       <a:pPr algn="ctr"/>
                       <a:r>
-                        <a:rPr lang="en-US" dirty="0" smtClean="0"/>
+                        <a:rPr lang="en-US" dirty="0"/>
                         <a:t>2nd</a:t>
                       </a:r>
-                      <a:endParaRPr lang="en-US" dirty="0"/>
                     </a:p>
                   </a:txBody>
                   <a:tcPr anchor="ctr"/>
@@ -15902,10 +15246,9 @@
                     <a:p>
                       <a:pPr algn="ctr"/>
                       <a:r>
-                        <a:rPr lang="en-US" dirty="0" smtClean="0"/>
+                        <a:rPr lang="en-US" dirty="0"/>
                         <a:t>80</a:t>
                       </a:r>
-                      <a:endParaRPr lang="en-US" dirty="0"/>
                     </a:p>
                   </a:txBody>
                   <a:tcPr anchor="ctr"/>
@@ -15917,14 +15260,18 @@
                     <a:p>
                       <a:pPr algn="ctr"/>
                       <a:r>
-                        <a:rPr lang="en-US" dirty="0" smtClean="0"/>
+                        <a:rPr lang="en-US" dirty="0"/>
                         <a:t>13</a:t>
                       </a:r>
-                      <a:endParaRPr lang="en-US" dirty="0"/>
                     </a:p>
                   </a:txBody>
                   <a:tcPr anchor="ctr"/>
                 </a:tc>
+                <a:extLst>
+                  <a:ext uri="{0D108BD9-81ED-4DB2-BD59-A6C34878D82A}">
+                    <a16:rowId xmlns:a16="http://schemas.microsoft.com/office/drawing/2014/main" val="10003"/>
+                  </a:ext>
+                </a:extLst>
               </a:tr>
               <a:tr h="400833">
                 <a:tc>
@@ -15934,10 +15281,9 @@
                     <a:p>
                       <a:pPr algn="ctr"/>
                       <a:r>
-                        <a:rPr lang="en-US" dirty="0" smtClean="0"/>
+                        <a:rPr lang="en-US" dirty="0"/>
                         <a:t>3rd</a:t>
                       </a:r>
-                      <a:endParaRPr lang="en-US" dirty="0"/>
                     </a:p>
                   </a:txBody>
                   <a:tcPr anchor="ctr"/>
@@ -15949,10 +15295,9 @@
                     <a:p>
                       <a:pPr algn="ctr"/>
                       <a:r>
-                        <a:rPr lang="en-US" dirty="0" smtClean="0"/>
+                        <a:rPr lang="en-US" dirty="0"/>
                         <a:t>76</a:t>
                       </a:r>
-                      <a:endParaRPr lang="en-US" dirty="0"/>
                     </a:p>
                   </a:txBody>
                   <a:tcPr anchor="ctr"/>
@@ -15964,14 +15309,18 @@
                     <a:p>
                       <a:pPr algn="ctr"/>
                       <a:r>
-                        <a:rPr lang="en-US" dirty="0" smtClean="0"/>
+                        <a:rPr lang="en-US" dirty="0"/>
                         <a:t>89</a:t>
                       </a:r>
-                      <a:endParaRPr lang="en-US" dirty="0"/>
                     </a:p>
                   </a:txBody>
                   <a:tcPr anchor="ctr"/>
                 </a:tc>
+                <a:extLst>
+                  <a:ext uri="{0D108BD9-81ED-4DB2-BD59-A6C34878D82A}">
+                    <a16:rowId xmlns:a16="http://schemas.microsoft.com/office/drawing/2014/main" val="10004"/>
+                  </a:ext>
+                </a:extLst>
               </a:tr>
               <a:tr h="425885">
                 <a:tc>
@@ -15981,10 +15330,9 @@
                     <a:p>
                       <a:pPr algn="ctr"/>
                       <a:r>
-                        <a:rPr lang="en-US" dirty="0" smtClean="0"/>
+                        <a:rPr lang="en-US" dirty="0"/>
                         <a:t>Crew</a:t>
                       </a:r>
-                      <a:endParaRPr lang="en-US" dirty="0"/>
                     </a:p>
                   </a:txBody>
                   <a:tcPr anchor="ctr"/>
@@ -15996,10 +15344,9 @@
                     <a:p>
                       <a:pPr algn="ctr"/>
                       <a:r>
-                        <a:rPr lang="en-US" dirty="0" smtClean="0"/>
+                        <a:rPr lang="en-US" dirty="0"/>
                         <a:t>20</a:t>
                       </a:r>
-                      <a:endParaRPr lang="en-US" dirty="0"/>
                     </a:p>
                   </a:txBody>
                   <a:tcPr anchor="ctr"/>
@@ -16011,14 +15358,18 @@
                     <a:p>
                       <a:pPr algn="ctr"/>
                       <a:r>
-                        <a:rPr lang="en-US" dirty="0" smtClean="0"/>
+                        <a:rPr lang="en-US" dirty="0"/>
                         <a:t>3</a:t>
                       </a:r>
-                      <a:endParaRPr lang="en-US" dirty="0"/>
                     </a:p>
                   </a:txBody>
                   <a:tcPr anchor="ctr"/>
                 </a:tc>
+                <a:extLst>
+                  <a:ext uri="{0D108BD9-81ED-4DB2-BD59-A6C34878D82A}">
+                    <a16:rowId xmlns:a16="http://schemas.microsoft.com/office/drawing/2014/main" val="10005"/>
+                  </a:ext>
+                </a:extLst>
               </a:tr>
             </a:tbl>
           </a:graphicData>
@@ -16047,14 +15398,13 @@
           <a:lstStyle/>
           <a:p>
             <a:r>
-              <a:rPr lang="en-US" smtClean="0"/>
+              <a:rPr lang="en-US"/>
               <a:t>df</a:t>
             </a:r>
             <a:r>
-              <a:rPr lang="en-US" dirty="0" smtClean="0"/>
+              <a:rPr lang="en-US" dirty="0"/>
               <a:t>=1</a:t>
             </a:r>
-            <a:endParaRPr lang="en-US" dirty="0"/>
           </a:p>
         </p:txBody>
       </p:sp>
@@ -16081,14 +15431,13 @@
           <a:lstStyle/>
           <a:p>
             <a:r>
-              <a:rPr lang="en-US" dirty="0" err="1" smtClean="0"/>
+              <a:rPr lang="en-US" dirty="0" err="1"/>
               <a:t>df</a:t>
             </a:r>
             <a:r>
-              <a:rPr lang="en-US" dirty="0" smtClean="0"/>
+              <a:rPr lang="en-US" dirty="0"/>
               <a:t>=3</a:t>
             </a:r>
-            <a:endParaRPr lang="en-US" dirty="0"/>
           </a:p>
         </p:txBody>
       </p:sp>
@@ -16402,18 +15751,13 @@
           <a:p>
             <a:pPr algn="ctr"/>
             <a:r>
-              <a:rPr lang="en-US" b="1" dirty="0" smtClean="0">
+              <a:rPr lang="en-US" b="1" dirty="0">
                 <a:solidFill>
                   <a:schemeClr val="bg1"/>
                 </a:solidFill>
               </a:rPr>
               <a:t>Some other tests</a:t>
             </a:r>
-            <a:endParaRPr lang="en-US" b="1" dirty="0">
-              <a:solidFill>
-                <a:schemeClr val="bg1"/>
-              </a:solidFill>
-            </a:endParaRPr>
           </a:p>
         </p:txBody>
       </p:sp>
@@ -16444,12 +15788,8 @@
               <a:buChar char="•"/>
             </a:pPr>
             <a:r>
-              <a:rPr lang="en-US" sz="2800" dirty="0" smtClean="0"/>
-              <a:t>An </a:t>
-            </a:r>
-            <a:r>
               <a:rPr lang="en-US" sz="2800" dirty="0"/>
-              <a:t>odds ratio test compares the probability of something happening in two different groups: odds of cancer in smokers versus non-smokers </a:t>
+              <a:t>An odds ratio test compares the probability of something happening in two different groups: odds of cancer in smokers versus non-smokers </a:t>
             </a:r>
           </a:p>
           <a:p>
@@ -16465,12 +15805,8 @@
               <a:buChar char="•"/>
             </a:pPr>
             <a:r>
-              <a:rPr lang="en-US" sz="2800" dirty="0" smtClean="0"/>
-              <a:t>The </a:t>
-            </a:r>
-            <a:r>
               <a:rPr lang="en-US" sz="2800" dirty="0"/>
-              <a:t>Fisher’s Exact Test computes exact probabilities (much like the binomial test) for a 2x2 contingency table </a:t>
+              <a:t>The Fisher’s Exact Test computes exact probabilities (much like the binomial test) for a 2x2 contingency table </a:t>
             </a:r>
           </a:p>
           <a:p>
@@ -16486,12 +15822,8 @@
               <a:buChar char="•"/>
             </a:pPr>
             <a:r>
-              <a:rPr lang="en-US" sz="2800" dirty="0" smtClean="0"/>
-              <a:t>A </a:t>
-            </a:r>
-            <a:r>
               <a:rPr lang="en-US" sz="2800" dirty="0"/>
-              <a:t>G-test of independence is basically a χ2-test with a slightly different test statistic </a:t>
+              <a:t>A G-test of independence is basically a χ2-test with a slightly different test statistic </a:t>
             </a:r>
           </a:p>
         </p:txBody>
@@ -16566,13 +15898,6 @@
   <p:clrMapOvr>
     <a:masterClrMapping/>
   </p:clrMapOvr>
-  <p:timing>
-    <p:tnLst>
-      <p:par>
-        <p:cTn id="1" dur="indefinite" restart="never" nodeType="tmRoot"/>
-      </p:par>
-    </p:tnLst>
-  </p:timing>
 </p:sld>
 </file>
 
@@ -16628,18 +15953,13 @@
           <a:p>
             <a:pPr algn="ctr"/>
             <a:r>
-              <a:rPr lang="en-US" b="1" dirty="0" smtClean="0">
+              <a:rPr lang="en-US" b="1" dirty="0">
                 <a:solidFill>
                   <a:schemeClr val="bg1"/>
                 </a:solidFill>
               </a:rPr>
               <a:t>For Thursday</a:t>
             </a:r>
-            <a:endParaRPr lang="en-US" b="1" dirty="0">
-              <a:solidFill>
-                <a:schemeClr val="bg1"/>
-              </a:solidFill>
-            </a:endParaRPr>
           </a:p>
         </p:txBody>
       </p:sp>
@@ -16665,7 +15985,7 @@
           <a:lstStyle/>
           <a:p>
             <a:r>
-              <a:rPr lang="en-US" sz="3200" dirty="0" smtClean="0"/>
+              <a:rPr lang="en-US" sz="3200" dirty="0"/>
               <a:t>Read chapter WS 6-9</a:t>
             </a:r>
           </a:p>
@@ -16674,7 +15994,7 @@
           </a:p>
           <a:p>
             <a:r>
-              <a:rPr lang="en-US" sz="3200" dirty="0" smtClean="0"/>
+              <a:rPr lang="en-US" sz="3200" dirty="0"/>
               <a:t>Bring laptop to class!</a:t>
             </a:r>
           </a:p>
@@ -16683,25 +16003,25 @@
           </a:p>
           <a:p>
             <a:r>
-              <a:rPr lang="en-US" sz="3200" dirty="0" smtClean="0"/>
+              <a:rPr lang="en-US" sz="3200" dirty="0"/>
               <a:t>Heath Blackmon  </a:t>
             </a:r>
           </a:p>
           <a:p>
             <a:r>
-              <a:rPr lang="en-US" sz="3200" dirty="0" smtClean="0"/>
+              <a:rPr lang="en-US" sz="3200" dirty="0"/>
               <a:t>BSBW 309  </a:t>
             </a:r>
           </a:p>
           <a:p>
             <a:r>
-              <a:rPr lang="en-US" sz="3200" dirty="0" smtClean="0"/>
+              <a:rPr lang="en-US" sz="3200" dirty="0"/>
               <a:t>coleoguy@gmail.com  </a:t>
             </a:r>
           </a:p>
           <a:p>
             <a:r>
-              <a:rPr lang="en-US" sz="3200" dirty="0" smtClean="0"/>
+              <a:rPr lang="en-US" sz="3200" dirty="0"/>
               <a:t>@coleoguy</a:t>
             </a:r>
           </a:p>
@@ -16717,13 +16037,6 @@
   <p:clrMapOvr>
     <a:masterClrMapping/>
   </p:clrMapOvr>
-  <p:timing>
-    <p:tnLst>
-      <p:par>
-        <p:cTn id="1" dur="indefinite" restart="never" nodeType="tmRoot"/>
-      </p:par>
-    </p:tnLst>
-  </p:timing>
 </p:sld>
 </file>
 
@@ -16811,44 +16124,23 @@
           <a:lstStyle/>
           <a:p>
             <a:r>
-              <a:rPr lang="en-US" sz="2400" b="1" dirty="0" smtClean="0"/>
-              <a:t>Why </a:t>
-            </a:r>
-            <a:r>
               <a:rPr lang="en-US" sz="2400" b="1" dirty="0"/>
-              <a:t>do I need a control? </a:t>
+              <a:t>Why do I need a control? </a:t>
             </a:r>
           </a:p>
           <a:p>
             <a:pPr lvl="1"/>
             <a:r>
-              <a:rPr lang="en-US" sz="2400" dirty="0" smtClean="0"/>
-              <a:t>Hardly </a:t>
-            </a:r>
-            <a:r>
               <a:rPr lang="en-US" sz="2400" dirty="0"/>
-              <a:t>anything is absolute </a:t>
-            </a:r>
-            <a:r>
-              <a:rPr lang="en-US" sz="2400" dirty="0" smtClean="0"/>
-              <a:t>or constant</a:t>
-            </a:r>
+              <a:t>Hardly anything is absolute or constant </a:t>
+            </a:r>
+          </a:p>
+          <a:p>
+            <a:pPr lvl="1"/>
             <a:r>
               <a:rPr lang="en-US" sz="2400" dirty="0"/>
-              <a:t> </a:t>
-            </a:r>
-          </a:p>
-          <a:p>
-            <a:pPr lvl="1"/>
-            <a:r>
-              <a:rPr lang="en-US" sz="2400" dirty="0" smtClean="0"/>
-              <a:t>To </a:t>
-            </a:r>
-            <a:r>
-              <a:rPr lang="en-US" sz="2400" dirty="0"/>
-              <a:t>interpret an experiment, we need to compare the experimental subjects to the correct reference group </a:t>
-            </a:r>
-            <a:endParaRPr lang="en-US" sz="2400" dirty="0" smtClean="0"/>
+              <a:t>To interpret an experiment, we need to compare the experimental subjects to the correct reference group </a:t>
+            </a:r>
           </a:p>
           <a:p>
             <a:pPr lvl="1"/>
@@ -16856,47 +16148,30 @@
           </a:p>
           <a:p>
             <a:r>
-              <a:rPr lang="en-US" sz="2400" b="1" dirty="0" smtClean="0"/>
-              <a:t>What </a:t>
-            </a:r>
-            <a:r>
               <a:rPr lang="en-US" sz="2400" b="1" dirty="0"/>
-              <a:t>is an appropriate control? </a:t>
+              <a:t>What is an appropriate control? </a:t>
             </a:r>
           </a:p>
           <a:p>
             <a:pPr lvl="1"/>
             <a:r>
-              <a:rPr lang="en-US" sz="2400" dirty="0" smtClean="0"/>
-              <a:t>Ideal </a:t>
-            </a:r>
-            <a:r>
               <a:rPr lang="en-US" sz="2400" dirty="0"/>
-              <a:t>controls are identical to the experimental population, except for the one parameter being manipulated </a:t>
+              <a:t>Ideal controls are identical to the experimental population, except for the one parameter being manipulated </a:t>
             </a:r>
           </a:p>
           <a:p>
             <a:pPr lvl="1"/>
             <a:r>
-              <a:rPr lang="en-US" sz="2400" dirty="0" smtClean="0"/>
-              <a:t>The </a:t>
-            </a:r>
-            <a:r>
               <a:rPr lang="en-US" sz="2400" dirty="0"/>
-              <a:t>control population should be similar in all other respects to the experimental population </a:t>
+              <a:t>The control population should be similar in all other respects to the experimental population </a:t>
             </a:r>
           </a:p>
           <a:p>
             <a:pPr lvl="1"/>
             <a:r>
-              <a:rPr lang="en-US" sz="2400" dirty="0" smtClean="0"/>
-              <a:t>The </a:t>
-            </a:r>
-            <a:r>
               <a:rPr lang="en-US" sz="2400" dirty="0"/>
-              <a:t>control population should experience sham manipulations that simulate any manipulations applied to the experimental population </a:t>
-            </a:r>
-            <a:endParaRPr lang="en-US" sz="2400" dirty="0" smtClean="0"/>
+              <a:t>The control population should experience sham manipulations that simulate any manipulations applied to the experimental population </a:t>
+            </a:r>
           </a:p>
           <a:p>
             <a:pPr lvl="1"/>
@@ -16904,12 +16179,8 @@
           </a:p>
           <a:p>
             <a:r>
-              <a:rPr lang="en-US" sz="2400" b="1" dirty="0" smtClean="0"/>
-              <a:t>Sometimes you </a:t>
-            </a:r>
-            <a:r>
               <a:rPr lang="en-US" sz="2400" b="1" dirty="0"/>
-              <a:t>might need multiple different controls. </a:t>
+              <a:t>Sometimes you might need multiple different controls. </a:t>
             </a:r>
           </a:p>
         </p:txBody>
@@ -17403,20 +16674,12 @@
           <a:p>
             <a:pPr algn="ctr"/>
             <a:r>
-              <a:rPr lang="en-US" b="1" dirty="0" smtClean="0">
-                <a:solidFill>
-                  <a:schemeClr val="bg1"/>
-                </a:solidFill>
-              </a:rPr>
-              <a:t>Avoiding </a:t>
-            </a:r>
-            <a:r>
               <a:rPr lang="en-US" b="1" dirty="0">
                 <a:solidFill>
                   <a:schemeClr val="bg1"/>
                 </a:solidFill>
               </a:rPr>
-              <a:t>Experimenter Bias </a:t>
+              <a:t>Avoiding Experimenter Bias </a:t>
             </a:r>
           </a:p>
         </p:txBody>
@@ -17443,25 +16706,16 @@
           <a:lstStyle/>
           <a:p>
             <a:r>
-              <a:rPr lang="en-US" sz="2400" b="1" dirty="0" smtClean="0"/>
-              <a:t>Experimenter </a:t>
-            </a:r>
-            <a:r>
               <a:rPr lang="en-US" sz="2400" b="1" dirty="0"/>
-              <a:t>bias is real </a:t>
+              <a:t>Experimenter bias is real </a:t>
             </a:r>
           </a:p>
           <a:p>
             <a:pPr lvl="1"/>
             <a:r>
-              <a:rPr lang="en-US" sz="2400" dirty="0" smtClean="0"/>
-              <a:t>The </a:t>
-            </a:r>
-            <a:r>
               <a:rPr lang="en-US" sz="2400" dirty="0"/>
-              <a:t>results of your study can be influenced by your expectations </a:t>
-            </a:r>
-            <a:endParaRPr lang="en-US" sz="2400" dirty="0" smtClean="0"/>
+              <a:t>The results of your study can be influenced by your expectations </a:t>
+            </a:r>
           </a:p>
           <a:p>
             <a:pPr lvl="1"/>
@@ -17469,38 +16723,26 @@
           </a:p>
           <a:p>
             <a:r>
-              <a:rPr lang="en-US" sz="2400" b="1" dirty="0" smtClean="0"/>
-              <a:t>Some </a:t>
-            </a:r>
-            <a:r>
               <a:rPr lang="en-US" sz="2400" b="1" dirty="0"/>
-              <a:t>precautions </a:t>
+              <a:t>Some precautions </a:t>
             </a:r>
           </a:p>
           <a:p>
             <a:pPr lvl="1"/>
             <a:r>
-              <a:rPr lang="en-US" sz="2400" dirty="0" smtClean="0"/>
-              <a:t>Randomize </a:t>
-            </a:r>
-            <a:r>
               <a:rPr lang="en-US" sz="2400" dirty="0"/>
-              <a:t>assignment of subjects to controls and treatments </a:t>
-            </a:r>
-            <a:r>
-              <a:rPr lang="en-US" sz="2400" dirty="0" smtClean="0"/>
-              <a:t>(</a:t>
-            </a:r>
-            <a:r>
-              <a:rPr lang="en-US" sz="2400" b="1" dirty="0" smtClean="0"/>
+              <a:t>Randomize assignment of subjects to controls and treatments (</a:t>
+            </a:r>
+            <a:r>
+              <a:rPr lang="en-US" sz="2400" b="1" dirty="0"/>
               <a:t>use R or </a:t>
             </a:r>
             <a:r>
-              <a:rPr lang="en-US" sz="2400" b="1" dirty="0" err="1" smtClean="0"/>
+              <a:rPr lang="en-US" sz="2400" b="1" dirty="0" err="1"/>
               <a:t>random.org</a:t>
             </a:r>
             <a:r>
-              <a:rPr lang="en-US" sz="2400" dirty="0" smtClean="0"/>
+              <a:rPr lang="en-US" sz="2400" dirty="0"/>
               <a:t>).  </a:t>
             </a:r>
           </a:p>
@@ -17511,16 +16753,12 @@
           <a:p>
             <a:pPr lvl="1"/>
             <a:r>
-              <a:rPr lang="en-US" sz="2400" dirty="0" smtClean="0"/>
-              <a:t>Humans are bad at recognizing and creating randomness.</a:t>
-            </a:r>
-            <a:r>
               <a:rPr lang="en-US" sz="2400" dirty="0"/>
-              <a:t> </a:t>
-            </a:r>
-          </a:p>
-          <a:p>
-            <a:endParaRPr lang="en-US" sz="2400" b="1" dirty="0" smtClean="0"/>
+              <a:t>Humans are bad at recognizing and creating randomness. </a:t>
+            </a:r>
+          </a:p>
+          <a:p>
+            <a:endParaRPr lang="en-US" sz="2400" b="1" dirty="0"/>
           </a:p>
         </p:txBody>
       </p:sp>
@@ -17866,20 +17104,12 @@
           <a:p>
             <a:pPr algn="ctr"/>
             <a:r>
-              <a:rPr lang="en-US" b="1" dirty="0" smtClean="0">
-                <a:solidFill>
-                  <a:schemeClr val="bg1"/>
-                </a:solidFill>
-              </a:rPr>
-              <a:t>Avoiding </a:t>
-            </a:r>
-            <a:r>
               <a:rPr lang="en-US" b="1" dirty="0">
                 <a:solidFill>
                   <a:schemeClr val="bg1"/>
                 </a:solidFill>
               </a:rPr>
-              <a:t>Experimenter Bias </a:t>
+              <a:t>Avoiding Experimenter Bias </a:t>
             </a:r>
           </a:p>
         </p:txBody>
@@ -17906,38 +17136,22 @@
           <a:lstStyle/>
           <a:p>
             <a:r>
-              <a:rPr lang="en-US" sz="2400" b="1" dirty="0" smtClean="0"/>
-              <a:t>Use </a:t>
-            </a:r>
-            <a:r>
               <a:rPr lang="en-US" sz="2400" b="1" dirty="0"/>
-              <a:t>a blind or double-blind experimental design </a:t>
+              <a:t>Use a blind or double-blind experimental design </a:t>
             </a:r>
           </a:p>
           <a:p>
             <a:pPr lvl="1"/>
             <a:r>
-              <a:rPr lang="en-US" sz="2400" dirty="0" smtClean="0"/>
-              <a:t>Blind</a:t>
-            </a:r>
-            <a:r>
               <a:rPr lang="en-US" sz="2400" dirty="0"/>
-              <a:t>: the subject doesn’t know whether it’s an experimental or control subject </a:t>
+              <a:t>Blind: the subject doesn’t know whether it’s an experimental or control subject </a:t>
             </a:r>
           </a:p>
           <a:p>
             <a:pPr lvl="1"/>
             <a:r>
-              <a:rPr lang="en-US" sz="2400" dirty="0" smtClean="0"/>
-              <a:t>Double-blind</a:t>
-            </a:r>
-            <a:r>
               <a:rPr lang="en-US" sz="2400" dirty="0"/>
-              <a:t>: neither the researcher nor subject know which subjects are experimental versus </a:t>
-            </a:r>
-            <a:r>
-              <a:rPr lang="en-US" sz="2400" dirty="0" smtClean="0"/>
-              <a:t>control</a:t>
+              <a:t>Double-blind: neither the researcher nor subject know which subjects are experimental versus control</a:t>
             </a:r>
           </a:p>
           <a:p>
@@ -17946,12 +17160,8 @@
           </a:p>
           <a:p>
             <a:r>
-              <a:rPr lang="en-US" sz="2400" b="1" dirty="0" smtClean="0"/>
-              <a:t>How can you apply this to your research?</a:t>
-            </a:r>
-            <a:r>
               <a:rPr lang="en-US" sz="2400" b="1" dirty="0"/>
-              <a:t> </a:t>
+              <a:t>How can you apply this to your research? </a:t>
             </a:r>
           </a:p>
         </p:txBody>
@@ -18280,10 +17490,6 @@
           </a:bodyPr>
           <a:lstStyle/>
           <a:p>
-            <a:r>
-              <a:rPr lang="en-US" sz="2400" dirty="0"/>
-              <a:t/>
-            </a:r>
             <a:br>
               <a:rPr lang="en-US" sz="2400" dirty="0"/>
             </a:br>
@@ -18298,12 +17504,8 @@
               <a:buAutoNum type="arabicPeriod"/>
             </a:pPr>
             <a:r>
-              <a:rPr lang="en-US" sz="2800" dirty="0" smtClean="0"/>
-              <a:t>A </a:t>
-            </a:r>
-            <a:r>
               <a:rPr lang="en-US" sz="2800" dirty="0"/>
-              <a:t>difference between groups that the experimenter fails to account for </a:t>
+              <a:t>A difference between groups that the experimenter fails to account for </a:t>
             </a:r>
           </a:p>
           <a:p>
@@ -18315,12 +17517,8 @@
               <a:buAutoNum type="arabicPeriod"/>
             </a:pPr>
             <a:r>
-              <a:rPr lang="en-US" sz="2800" dirty="0" smtClean="0"/>
-              <a:t>A </a:t>
-            </a:r>
-            <a:r>
               <a:rPr lang="en-US" sz="2800" dirty="0"/>
-              <a:t>hidden variable that creates an apparent causal relationship that isn’t real </a:t>
+              <a:t>A hidden variable that creates an apparent causal relationship that isn’t real </a:t>
             </a:r>
           </a:p>
           <a:p>
@@ -18332,12 +17530,8 @@
               <a:buAutoNum type="arabicPeriod"/>
             </a:pPr>
             <a:r>
-              <a:rPr lang="en-US" sz="2800" b="1" dirty="0" smtClean="0"/>
-              <a:t>An </a:t>
-            </a:r>
-            <a:r>
               <a:rPr lang="en-US" sz="2800" b="1" dirty="0"/>
-              <a:t>experiment with confounded variables can be impossible to interpret and impossible to fix </a:t>
+              <a:t>An experiment with confounded variables can be impossible to interpret and impossible to fix </a:t>
             </a:r>
             <a:endParaRPr lang="en-US" sz="2800" dirty="0"/>
           </a:p>
@@ -18619,7 +17813,7 @@
           <a:lstStyle/>
           <a:p>
             <a:r>
-              <a:rPr lang="en-US" sz="3200" b="1" dirty="0" smtClean="0"/>
+              <a:rPr lang="en-US" sz="3200" b="1" dirty="0"/>
               <a:t>Study type			</a:t>
             </a:r>
           </a:p>
@@ -18628,31 +17822,31 @@
           </a:p>
           <a:p>
             <a:r>
-              <a:rPr lang="en-US" sz="3200" dirty="0" smtClean="0"/>
+              <a:rPr lang="en-US" sz="3200" dirty="0"/>
               <a:t>Gene expression level		</a:t>
             </a:r>
           </a:p>
           <a:p>
             <a:r>
-              <a:rPr lang="en-US" sz="3200" dirty="0" smtClean="0"/>
+              <a:rPr lang="en-US" sz="3200" dirty="0"/>
               <a:t>Diversification		</a:t>
             </a:r>
           </a:p>
           <a:p>
             <a:r>
-              <a:rPr lang="en-US" sz="3200" dirty="0" smtClean="0"/>
+              <a:rPr lang="en-US" sz="3200" dirty="0"/>
               <a:t>Lung cancer and coffee</a:t>
             </a:r>
           </a:p>
           <a:p>
             <a:r>
-              <a:rPr lang="en-US" sz="3200" dirty="0" smtClean="0"/>
+              <a:rPr lang="en-US" sz="3200" dirty="0"/>
               <a:t>Behavior</a:t>
             </a:r>
           </a:p>
           <a:p>
             <a:r>
-              <a:rPr lang="en-US" sz="3200" dirty="0" smtClean="0"/>
+              <a:rPr lang="en-US" sz="3200" dirty="0"/>
               <a:t>Effective population size</a:t>
             </a:r>
             <a:endParaRPr lang="en-US" sz="2400" dirty="0"/>
@@ -18682,11 +17876,7 @@
           <a:p>
             <a:r>
               <a:rPr lang="en-US" sz="3200" b="1" dirty="0"/>
-              <a:t>Confounding </a:t>
-            </a:r>
-            <a:r>
-              <a:rPr lang="en-US" sz="3200" b="1" dirty="0" smtClean="0"/>
-              <a:t>variable</a:t>
+              <a:t>Confounding variable</a:t>
             </a:r>
           </a:p>
           <a:p>
@@ -18694,52 +17884,32 @@
           </a:p>
           <a:p>
             <a:r>
-              <a:rPr lang="en-US" sz="3200" dirty="0" smtClean="0"/>
-              <a:t>recent </a:t>
-            </a:r>
-            <a:r>
               <a:rPr lang="en-US" sz="3200" dirty="0"/>
-              <a:t>gene duplication</a:t>
-            </a:r>
-          </a:p>
-          <a:p>
-            <a:r>
-              <a:rPr lang="en-US" sz="3200" dirty="0" smtClean="0"/>
-              <a:t>unobserved </a:t>
-            </a:r>
+              <a:t>recent gene duplication</a:t>
+            </a:r>
+          </a:p>
+          <a:p>
             <a:r>
               <a:rPr lang="en-US" sz="3200" dirty="0"/>
-              <a:t>traits</a:t>
-            </a:r>
-          </a:p>
-          <a:p>
-            <a:r>
-              <a:rPr lang="en-US" sz="3200" dirty="0" smtClean="0"/>
-              <a:t>coffee </a:t>
-            </a:r>
+              <a:t>unobserved traits</a:t>
+            </a:r>
+          </a:p>
+          <a:p>
             <a:r>
               <a:rPr lang="en-US" sz="3200" dirty="0"/>
-              <a:t>smoking correlation</a:t>
-            </a:r>
-          </a:p>
-          <a:p>
-            <a:r>
-              <a:rPr lang="en-US" sz="3200" dirty="0" smtClean="0"/>
-              <a:t>maternal </a:t>
-            </a:r>
+              <a:t>coffee smoking correlation</a:t>
+            </a:r>
+          </a:p>
+          <a:p>
             <a:r>
               <a:rPr lang="en-US" sz="3200" dirty="0"/>
-              <a:t>effects</a:t>
-            </a:r>
-          </a:p>
-          <a:p>
-            <a:r>
-              <a:rPr lang="en-US" sz="3200" dirty="0" smtClean="0"/>
-              <a:t>breeding </a:t>
-            </a:r>
+              <a:t>maternal effects</a:t>
+            </a:r>
+          </a:p>
+          <a:p>
             <a:r>
               <a:rPr lang="en-US" sz="3200" dirty="0"/>
-              <a:t>system</a:t>
+              <a:t>breeding system</a:t>
             </a:r>
           </a:p>
         </p:txBody>
@@ -19086,18 +18256,13 @@
           <a:p>
             <a:pPr algn="ctr"/>
             <a:r>
-              <a:rPr lang="en-US" b="1" dirty="0" smtClean="0">
+              <a:rPr lang="en-US" b="1" dirty="0">
                 <a:solidFill>
                   <a:schemeClr val="bg1"/>
                 </a:solidFill>
               </a:rPr>
               <a:t>Redesign the procedure</a:t>
             </a:r>
-            <a:endParaRPr lang="en-US" b="1" dirty="0">
-              <a:solidFill>
-                <a:schemeClr val="bg1"/>
-              </a:solidFill>
-            </a:endParaRPr>
           </a:p>
         </p:txBody>
       </p:sp>
@@ -19127,7 +18292,7 @@
               <a:buChar char="•"/>
             </a:pPr>
             <a:r>
-              <a:rPr lang="en-US" sz="3200" b="1" dirty="0" smtClean="0"/>
+              <a:rPr lang="en-US" sz="3200" b="1" dirty="0"/>
               <a:t>Collect 750 beetles from a population cage.</a:t>
             </a:r>
           </a:p>
@@ -19137,7 +18302,7 @@
               <a:buChar char="•"/>
             </a:pPr>
             <a:r>
-              <a:rPr lang="en-US" sz="3200" b="1" dirty="0" smtClean="0"/>
+              <a:rPr lang="en-US" sz="3200" b="1" dirty="0"/>
               <a:t>Create 30 new vials with 25 beetles each.</a:t>
             </a:r>
           </a:p>
@@ -19147,7 +18312,7 @@
               <a:buChar char="•"/>
             </a:pPr>
             <a:r>
-              <a:rPr lang="en-US" sz="3200" b="1" dirty="0" smtClean="0"/>
+              <a:rPr lang="en-US" sz="3200" b="1" dirty="0"/>
               <a:t>Make the first 15 of these control vials and use food media A.</a:t>
             </a:r>
           </a:p>
@@ -19157,7 +18322,7 @@
               <a:buChar char="•"/>
             </a:pPr>
             <a:r>
-              <a:rPr lang="en-US" sz="3200" b="1" dirty="0" smtClean="0"/>
+              <a:rPr lang="en-US" sz="3200" b="1" dirty="0"/>
               <a:t>Make the next 15 of these experiment vials and use food media B.</a:t>
             </a:r>
           </a:p>
@@ -19167,10 +18332,10 @@
               <a:buChar char="•"/>
             </a:pPr>
             <a:r>
-              <a:rPr lang="en-US" sz="3200" b="1" dirty="0" smtClean="0"/>
+              <a:rPr lang="en-US" sz="3200" b="1" dirty="0"/>
               <a:t>Place in a rack as shown and place in the incubator.</a:t>
             </a:r>
-            <a:endParaRPr lang="en-US" sz="3200" dirty="0" smtClean="0"/>
+            <a:endParaRPr lang="en-US" sz="3200" dirty="0"/>
           </a:p>
           <a:p>
             <a:endParaRPr lang="en-US" sz="2400" dirty="0"/>
@@ -19277,10 +18442,9 @@
           <a:p>
             <a:pPr algn="ctr"/>
             <a:r>
-              <a:rPr lang="en-US" sz="3200" smtClean="0"/>
+              <a:rPr lang="en-US" sz="3200"/>
               <a:t>Media A</a:t>
             </a:r>
-            <a:endParaRPr lang="en-US" sz="3200"/>
           </a:p>
         </p:txBody>
       </p:sp>
@@ -19354,10 +18518,9 @@
           <a:p>
             <a:pPr algn="ctr"/>
             <a:r>
-              <a:rPr lang="en-US" sz="3200" dirty="0" smtClean="0"/>
+              <a:rPr lang="en-US" sz="3200" dirty="0"/>
               <a:t>Media B</a:t>
             </a:r>
-            <a:endParaRPr lang="en-US" sz="3200" dirty="0"/>
           </a:p>
         </p:txBody>
       </p:sp>
@@ -19371,13 +18534,6 @@
   <p:clrMapOvr>
     <a:masterClrMapping/>
   </p:clrMapOvr>
-  <p:timing>
-    <p:tnLst>
-      <p:par>
-        <p:cTn id="1" dur="indefinite" restart="never" nodeType="tmRoot"/>
-      </p:par>
-    </p:tnLst>
-  </p:timing>
 </p:sld>
 </file>
 
